--- a/eventmanagement/Præsentation.pptx
+++ b/eventmanagement/Præsentation.pptx
@@ -13,6 +13,10 @@
     <p:sldId id="261" r:id="rId7"/>
     <p:sldId id="262" r:id="rId8"/>
     <p:sldId id="263" r:id="rId9"/>
+    <p:sldId id="264" r:id="rId10"/>
+    <p:sldId id="265" r:id="rId11"/>
+    <p:sldId id="266" r:id="rId12"/>
+    <p:sldId id="267" r:id="rId13"/>
   </p:sldIdLst>
   <p:sldSz cx="12192000" cy="6858000"/>
   <p:notesSz cx="6858000" cy="9144000"/>
@@ -111,6 +115,11 @@
       </a:defRPr>
     </a:lvl9pPr>
   </p:defaultTextStyle>
+  <p:extLst>
+    <p:ext uri="{EFAFB233-063F-42B5-8137-9DF3F51BA10A}">
+      <p15:sldGuideLst xmlns:p15="http://schemas.microsoft.com/office/powerpoint/2012/main"/>
+    </p:ext>
+  </p:extLst>
 </p:presentation>
 </file>
 
@@ -245,7 +254,7 @@
           <a:p>
             <a:fld id="{954EDE6F-1482-48A9-B929-F4D4DCC1989B}" type="datetimeFigureOut">
               <a:rPr lang="da-DK" smtClean="0"/>
-              <a:t>23-10-2017</a:t>
+              <a:t>24-10-2017</a:t>
             </a:fld>
             <a:endParaRPr lang="da-DK"/>
           </a:p>
@@ -415,7 +424,7 @@
           <a:p>
             <a:fld id="{954EDE6F-1482-48A9-B929-F4D4DCC1989B}" type="datetimeFigureOut">
               <a:rPr lang="da-DK" smtClean="0"/>
-              <a:t>23-10-2017</a:t>
+              <a:t>24-10-2017</a:t>
             </a:fld>
             <a:endParaRPr lang="da-DK"/>
           </a:p>
@@ -595,7 +604,7 @@
           <a:p>
             <a:fld id="{954EDE6F-1482-48A9-B929-F4D4DCC1989B}" type="datetimeFigureOut">
               <a:rPr lang="da-DK" smtClean="0"/>
-              <a:t>23-10-2017</a:t>
+              <a:t>24-10-2017</a:t>
             </a:fld>
             <a:endParaRPr lang="da-DK"/>
           </a:p>
@@ -765,7 +774,7 @@
           <a:p>
             <a:fld id="{954EDE6F-1482-48A9-B929-F4D4DCC1989B}" type="datetimeFigureOut">
               <a:rPr lang="da-DK" smtClean="0"/>
-              <a:t>23-10-2017</a:t>
+              <a:t>24-10-2017</a:t>
             </a:fld>
             <a:endParaRPr lang="da-DK"/>
           </a:p>
@@ -1011,7 +1020,7 @@
           <a:p>
             <a:fld id="{954EDE6F-1482-48A9-B929-F4D4DCC1989B}" type="datetimeFigureOut">
               <a:rPr lang="da-DK" smtClean="0"/>
-              <a:t>23-10-2017</a:t>
+              <a:t>24-10-2017</a:t>
             </a:fld>
             <a:endParaRPr lang="da-DK"/>
           </a:p>
@@ -1243,7 +1252,7 @@
           <a:p>
             <a:fld id="{954EDE6F-1482-48A9-B929-F4D4DCC1989B}" type="datetimeFigureOut">
               <a:rPr lang="da-DK" smtClean="0"/>
-              <a:t>23-10-2017</a:t>
+              <a:t>24-10-2017</a:t>
             </a:fld>
             <a:endParaRPr lang="da-DK"/>
           </a:p>
@@ -1610,7 +1619,7 @@
           <a:p>
             <a:fld id="{954EDE6F-1482-48A9-B929-F4D4DCC1989B}" type="datetimeFigureOut">
               <a:rPr lang="da-DK" smtClean="0"/>
-              <a:t>23-10-2017</a:t>
+              <a:t>24-10-2017</a:t>
             </a:fld>
             <a:endParaRPr lang="da-DK"/>
           </a:p>
@@ -1728,7 +1737,7 @@
           <a:p>
             <a:fld id="{954EDE6F-1482-48A9-B929-F4D4DCC1989B}" type="datetimeFigureOut">
               <a:rPr lang="da-DK" smtClean="0"/>
-              <a:t>23-10-2017</a:t>
+              <a:t>24-10-2017</a:t>
             </a:fld>
             <a:endParaRPr lang="da-DK"/>
           </a:p>
@@ -1823,7 +1832,7 @@
           <a:p>
             <a:fld id="{954EDE6F-1482-48A9-B929-F4D4DCC1989B}" type="datetimeFigureOut">
               <a:rPr lang="da-DK" smtClean="0"/>
-              <a:t>23-10-2017</a:t>
+              <a:t>24-10-2017</a:t>
             </a:fld>
             <a:endParaRPr lang="da-DK"/>
           </a:p>
@@ -2100,7 +2109,7 @@
           <a:p>
             <a:fld id="{954EDE6F-1482-48A9-B929-F4D4DCC1989B}" type="datetimeFigureOut">
               <a:rPr lang="da-DK" smtClean="0"/>
-              <a:t>23-10-2017</a:t>
+              <a:t>24-10-2017</a:t>
             </a:fld>
             <a:endParaRPr lang="da-DK"/>
           </a:p>
@@ -2353,7 +2362,7 @@
           <a:p>
             <a:fld id="{954EDE6F-1482-48A9-B929-F4D4DCC1989B}" type="datetimeFigureOut">
               <a:rPr lang="da-DK" smtClean="0"/>
-              <a:t>23-10-2017</a:t>
+              <a:t>24-10-2017</a:t>
             </a:fld>
             <a:endParaRPr lang="da-DK"/>
           </a:p>
@@ -2566,7 +2575,7 @@
           <a:p>
             <a:fld id="{954EDE6F-1482-48A9-B929-F4D4DCC1989B}" type="datetimeFigureOut">
               <a:rPr lang="da-DK" smtClean="0"/>
-              <a:t>23-10-2017</a:t>
+              <a:t>24-10-2017</a:t>
             </a:fld>
             <a:endParaRPr lang="da-DK"/>
           </a:p>
@@ -3047,6 +3056,438 @@
 </p:sld>
 </file>
 
+<file path=ppt/slides/slide10.xml><?xml version="1.0" encoding="utf-8"?>
+<p:sld xmlns:a="http://schemas.openxmlformats.org/drawingml/2006/main" xmlns:r="http://schemas.openxmlformats.org/officeDocument/2006/relationships" xmlns:p="http://schemas.openxmlformats.org/presentationml/2006/main">
+  <p:cSld>
+    <p:spTree>
+      <p:nvGrpSpPr>
+        <p:cNvPr id="1" name=""/>
+        <p:cNvGrpSpPr/>
+        <p:nvPr/>
+      </p:nvGrpSpPr>
+      <p:grpSpPr>
+        <a:xfrm>
+          <a:off x="0" y="0"/>
+          <a:ext cx="0" cy="0"/>
+          <a:chOff x="0" y="0"/>
+          <a:chExt cx="0" cy="0"/>
+        </a:xfrm>
+      </p:grpSpPr>
+      <p:sp>
+        <p:nvSpPr>
+          <p:cNvPr id="2" name="Titel 1"/>
+          <p:cNvSpPr>
+            <a:spLocks noGrp="1"/>
+          </p:cNvSpPr>
+          <p:nvPr>
+            <p:ph type="title"/>
+          </p:nvPr>
+        </p:nvSpPr>
+        <p:spPr/>
+        <p:txBody>
+          <a:bodyPr/>
+          <a:lstStyle/>
+          <a:p>
+            <a:r>
+              <a:rPr lang="da-DK" dirty="0" smtClean="0"/>
+              <a:t>To fase låse</a:t>
+            </a:r>
+            <a:endParaRPr lang="da-DK" dirty="0"/>
+          </a:p>
+        </p:txBody>
+      </p:sp>
+      <p:sp>
+        <p:nvSpPr>
+          <p:cNvPr id="3" name="Pladsholder til indhold 2"/>
+          <p:cNvSpPr>
+            <a:spLocks noGrp="1"/>
+          </p:cNvSpPr>
+          <p:nvPr>
+            <p:ph idx="1"/>
+          </p:nvPr>
+        </p:nvSpPr>
+        <p:spPr/>
+        <p:txBody>
+          <a:bodyPr>
+            <a:normAutofit lnSpcReduction="10000"/>
+          </a:bodyPr>
+          <a:lstStyle/>
+          <a:p>
+            <a:r>
+              <a:rPr lang="da-DK" dirty="0"/>
+              <a:t>En transaktion inddeles i to faser: </a:t>
+            </a:r>
+            <a:r>
+              <a:rPr lang="da-DK" i="1" dirty="0"/>
+              <a:t>growing </a:t>
+            </a:r>
+            <a:r>
+              <a:rPr lang="da-DK" i="1" dirty="0" err="1"/>
+              <a:t>phase</a:t>
+            </a:r>
+            <a:r>
+              <a:rPr lang="da-DK" dirty="0"/>
+              <a:t> og </a:t>
+            </a:r>
+            <a:r>
+              <a:rPr lang="da-DK" i="1" dirty="0" err="1"/>
+              <a:t>shrinking</a:t>
+            </a:r>
+            <a:r>
+              <a:rPr lang="da-DK" i="1" dirty="0"/>
+              <a:t> </a:t>
+            </a:r>
+            <a:r>
+              <a:rPr lang="da-DK" i="1" dirty="0" err="1"/>
+              <a:t>phase</a:t>
+            </a:r>
+            <a:r>
+              <a:rPr lang="da-DK" dirty="0"/>
+              <a:t>.</a:t>
+            </a:r>
+          </a:p>
+          <a:p>
+            <a:r>
+              <a:rPr lang="da-DK" dirty="0"/>
+              <a:t>I </a:t>
+            </a:r>
+            <a:r>
+              <a:rPr lang="da-DK" i="1" dirty="0"/>
+              <a:t>growing </a:t>
+            </a:r>
+            <a:r>
+              <a:rPr lang="da-DK" i="1" dirty="0" err="1"/>
+              <a:t>phase</a:t>
+            </a:r>
+            <a:r>
+              <a:rPr lang="da-DK" dirty="0"/>
+              <a:t> tildeler DBMS låse til de data items, som operationerne foretages på. Det sker inden operationen </a:t>
+            </a:r>
+            <a:r>
+              <a:rPr lang="da-DK" dirty="0" smtClean="0"/>
+              <a:t>udføres</a:t>
+            </a:r>
+          </a:p>
+          <a:p>
+            <a:r>
+              <a:rPr lang="da-DK" dirty="0"/>
+              <a:t>Nøgler tildeles ikke nødvendigvis på én gang, men bliver tildelt efterhånden som operationerne kræver </a:t>
+            </a:r>
+            <a:r>
+              <a:rPr lang="da-DK" dirty="0" smtClean="0"/>
+              <a:t>det</a:t>
+            </a:r>
+          </a:p>
+          <a:p>
+            <a:r>
+              <a:rPr lang="da-DK" dirty="0"/>
+              <a:t>I denne fase frigives ingen tildelte låse, før alle nødvendige låse er tildelt.</a:t>
+            </a:r>
+          </a:p>
+          <a:p>
+            <a:r>
+              <a:rPr lang="da-DK" dirty="0"/>
+              <a:t>I </a:t>
+            </a:r>
+            <a:r>
+              <a:rPr lang="da-DK" i="1" dirty="0" err="1"/>
+              <a:t>shrinking</a:t>
+            </a:r>
+            <a:r>
+              <a:rPr lang="da-DK" i="1" dirty="0"/>
+              <a:t> </a:t>
+            </a:r>
+            <a:r>
+              <a:rPr lang="da-DK" i="1" dirty="0" err="1"/>
+              <a:t>phase</a:t>
+            </a:r>
+            <a:r>
+              <a:rPr lang="da-DK" i="1" dirty="0"/>
+              <a:t> </a:t>
+            </a:r>
+            <a:r>
+              <a:rPr lang="da-DK" dirty="0"/>
+              <a:t>afgiver DBMS alle låsene igen, når sidste operation i transaktionen som gør brug af en lås, er </a:t>
+            </a:r>
+            <a:r>
+              <a:rPr lang="da-DK" dirty="0" smtClean="0"/>
+              <a:t>færdig</a:t>
+            </a:r>
+          </a:p>
+          <a:p>
+            <a:r>
+              <a:rPr lang="da-DK" dirty="0" smtClean="0"/>
+              <a:t>I </a:t>
+            </a:r>
+            <a:r>
+              <a:rPr lang="da-DK" dirty="0"/>
+              <a:t>denne fase tildeler DBMS ikke længere nye låse.</a:t>
+            </a:r>
+            <a:endParaRPr lang="da-DK" dirty="0"/>
+          </a:p>
+        </p:txBody>
+      </p:sp>
+    </p:spTree>
+    <p:extLst>
+      <p:ext uri="{BB962C8B-B14F-4D97-AF65-F5344CB8AC3E}">
+        <p14:creationId xmlns:p14="http://schemas.microsoft.com/office/powerpoint/2010/main" val="3153907886"/>
+      </p:ext>
+    </p:extLst>
+  </p:cSld>
+  <p:clrMapOvr>
+    <a:masterClrMapping/>
+  </p:clrMapOvr>
+</p:sld>
+</file>
+
+<file path=ppt/slides/slide11.xml><?xml version="1.0" encoding="utf-8"?>
+<p:sld xmlns:a="http://schemas.openxmlformats.org/drawingml/2006/main" xmlns:r="http://schemas.openxmlformats.org/officeDocument/2006/relationships" xmlns:p="http://schemas.openxmlformats.org/presentationml/2006/main">
+  <p:cSld>
+    <p:spTree>
+      <p:nvGrpSpPr>
+        <p:cNvPr id="1" name=""/>
+        <p:cNvGrpSpPr/>
+        <p:nvPr/>
+      </p:nvGrpSpPr>
+      <p:grpSpPr>
+        <a:xfrm>
+          <a:off x="0" y="0"/>
+          <a:ext cx="0" cy="0"/>
+          <a:chOff x="0" y="0"/>
+          <a:chExt cx="0" cy="0"/>
+        </a:xfrm>
+      </p:grpSpPr>
+      <p:sp>
+        <p:nvSpPr>
+          <p:cNvPr id="2" name="Titel 1"/>
+          <p:cNvSpPr>
+            <a:spLocks noGrp="1"/>
+          </p:cNvSpPr>
+          <p:nvPr>
+            <p:ph type="title"/>
+          </p:nvPr>
+        </p:nvSpPr>
+        <p:spPr/>
+        <p:txBody>
+          <a:bodyPr/>
+          <a:lstStyle/>
+          <a:p>
+            <a:r>
+              <a:rPr lang="da-DK" dirty="0" err="1" smtClean="0"/>
+              <a:t>Timestamping</a:t>
+            </a:r>
+            <a:endParaRPr lang="da-DK" dirty="0"/>
+          </a:p>
+        </p:txBody>
+      </p:sp>
+      <p:sp>
+        <p:nvSpPr>
+          <p:cNvPr id="3" name="Pladsholder til indhold 2"/>
+          <p:cNvSpPr>
+            <a:spLocks noGrp="1"/>
+          </p:cNvSpPr>
+          <p:nvPr>
+            <p:ph idx="1"/>
+          </p:nvPr>
+        </p:nvSpPr>
+        <p:spPr/>
+        <p:txBody>
+          <a:bodyPr/>
+          <a:lstStyle/>
+          <a:p>
+            <a:endParaRPr lang="da-DK"/>
+          </a:p>
+        </p:txBody>
+      </p:sp>
+    </p:spTree>
+    <p:extLst>
+      <p:ext uri="{BB962C8B-B14F-4D97-AF65-F5344CB8AC3E}">
+        <p14:creationId xmlns:p14="http://schemas.microsoft.com/office/powerpoint/2010/main" val="3637789666"/>
+      </p:ext>
+    </p:extLst>
+  </p:cSld>
+  <p:clrMapOvr>
+    <a:masterClrMapping/>
+  </p:clrMapOvr>
+</p:sld>
+</file>
+
+<file path=ppt/slides/slide12.xml><?xml version="1.0" encoding="utf-8"?>
+<p:sld xmlns:a="http://schemas.openxmlformats.org/drawingml/2006/main" xmlns:r="http://schemas.openxmlformats.org/officeDocument/2006/relationships" xmlns:p="http://schemas.openxmlformats.org/presentationml/2006/main">
+  <p:cSld>
+    <p:spTree>
+      <p:nvGrpSpPr>
+        <p:cNvPr id="1" name=""/>
+        <p:cNvGrpSpPr/>
+        <p:nvPr/>
+      </p:nvGrpSpPr>
+      <p:grpSpPr>
+        <a:xfrm>
+          <a:off x="0" y="0"/>
+          <a:ext cx="0" cy="0"/>
+          <a:chOff x="0" y="0"/>
+          <a:chExt cx="0" cy="0"/>
+        </a:xfrm>
+      </p:grpSpPr>
+      <p:sp>
+        <p:nvSpPr>
+          <p:cNvPr id="2" name="Titel 1"/>
+          <p:cNvSpPr>
+            <a:spLocks noGrp="1"/>
+          </p:cNvSpPr>
+          <p:nvPr>
+            <p:ph type="title"/>
+          </p:nvPr>
+        </p:nvSpPr>
+        <p:spPr/>
+        <p:txBody>
+          <a:bodyPr/>
+          <a:lstStyle/>
+          <a:p>
+            <a:r>
+              <a:rPr lang="da-DK" dirty="0" smtClean="0"/>
+              <a:t>Optimistisk samtidigheds kontrol</a:t>
+            </a:r>
+            <a:endParaRPr lang="da-DK" dirty="0"/>
+          </a:p>
+        </p:txBody>
+      </p:sp>
+      <p:sp>
+        <p:nvSpPr>
+          <p:cNvPr id="3" name="Pladsholder til indhold 2"/>
+          <p:cNvSpPr>
+            <a:spLocks noGrp="1"/>
+          </p:cNvSpPr>
+          <p:nvPr>
+            <p:ph idx="1"/>
+          </p:nvPr>
+        </p:nvSpPr>
+        <p:spPr/>
+        <p:txBody>
+          <a:bodyPr>
+            <a:normAutofit fontScale="85000" lnSpcReduction="20000"/>
+          </a:bodyPr>
+          <a:lstStyle/>
+          <a:p>
+            <a:r>
+              <a:rPr lang="da-DK" dirty="0"/>
+              <a:t>Optimistisk </a:t>
+            </a:r>
+            <a:r>
+              <a:rPr lang="da-DK" dirty="0" smtClean="0"/>
+              <a:t>samtidigheds kontrol </a:t>
+            </a:r>
+            <a:r>
+              <a:rPr lang="da-DK" dirty="0"/>
+              <a:t>består typisk af tre faser, og bruger timestamps til at tjekke eventuelle konflikter mellem de samtidige </a:t>
+            </a:r>
+            <a:r>
+              <a:rPr lang="da-DK" dirty="0" smtClean="0"/>
+              <a:t>transaktioner</a:t>
+            </a:r>
+          </a:p>
+          <a:p>
+            <a:r>
+              <a:rPr lang="da-DK" dirty="0" smtClean="0"/>
+              <a:t>Timestamps noteres ved påbegyndelse af fase 1 og fase 2, og efter fase 3 er gennemført</a:t>
+            </a:r>
+          </a:p>
+          <a:p>
+            <a:r>
+              <a:rPr lang="da-DK" i="1" dirty="0" smtClean="0"/>
+              <a:t>Læse fase</a:t>
+            </a:r>
+            <a:r>
+              <a:rPr lang="da-DK" dirty="0" smtClean="0"/>
+              <a:t> </a:t>
+            </a:r>
+            <a:r>
+              <a:rPr lang="da-DK" dirty="0"/>
+              <a:t>forløber fra start til umiddelbart før transaktionen </a:t>
+            </a:r>
+            <a:r>
+              <a:rPr lang="da-DK" i="1" dirty="0" err="1"/>
+              <a:t>committes</a:t>
+            </a:r>
+            <a:r>
+              <a:rPr lang="da-DK" dirty="0"/>
+              <a:t>. Værdier læses ud af alle relevante data items for transaktionen, og lagres i lokale variable i </a:t>
+            </a:r>
+            <a:r>
+              <a:rPr lang="da-DK" dirty="0" err="1" smtClean="0"/>
+              <a:t>memory</a:t>
+            </a:r>
+            <a:r>
+              <a:rPr lang="da-DK" dirty="0" smtClean="0"/>
+              <a:t>, hvor DML operationer udføres</a:t>
+            </a:r>
+          </a:p>
+          <a:p>
+            <a:r>
+              <a:rPr lang="da-DK" dirty="0" smtClean="0"/>
+              <a:t>I </a:t>
+            </a:r>
+            <a:r>
+              <a:rPr lang="da-DK" i="1" dirty="0"/>
+              <a:t>v</a:t>
+            </a:r>
+            <a:r>
+              <a:rPr lang="da-DK" i="1" dirty="0" smtClean="0"/>
+              <a:t>aliderings fase</a:t>
+            </a:r>
+            <a:r>
+              <a:rPr lang="da-DK" dirty="0" smtClean="0"/>
+              <a:t> tjekkes, om gennemførelse af transaktionen vil efterlade databasen i en konsistent tilstand</a:t>
+            </a:r>
+          </a:p>
+          <a:p>
+            <a:r>
+              <a:rPr lang="da-DK" dirty="0" smtClean="0"/>
+              <a:t>Hvis transaktionen passerer validerings fasen, </a:t>
+            </a:r>
+            <a:r>
+              <a:rPr lang="da-DK" dirty="0" err="1" smtClean="0"/>
+              <a:t>committes</a:t>
+            </a:r>
+            <a:r>
+              <a:rPr lang="da-DK" dirty="0" smtClean="0"/>
+              <a:t> transaktion i </a:t>
+            </a:r>
+            <a:r>
+              <a:rPr lang="da-DK" i="1" dirty="0" smtClean="0"/>
+              <a:t>skrive fasen</a:t>
+            </a:r>
+          </a:p>
+          <a:p>
+            <a:r>
+              <a:rPr lang="da-DK" dirty="0" smtClean="0"/>
+              <a:t>Fordele ved optimistisk samtidigheds kontrol er performance, og den har sin styrke i systemer, </a:t>
+            </a:r>
+            <a:r>
+              <a:rPr lang="da-DK" smtClean="0"/>
+              <a:t>hvor sandsynligheden </a:t>
+            </a:r>
+            <a:r>
+              <a:rPr lang="da-DK" dirty="0" smtClean="0"/>
+              <a:t>for konflikter er små</a:t>
+            </a:r>
+            <a:endParaRPr lang="da-DK" dirty="0"/>
+          </a:p>
+        </p:txBody>
+      </p:sp>
+    </p:spTree>
+    <p:extLst>
+      <p:ext uri="{BB962C8B-B14F-4D97-AF65-F5344CB8AC3E}">
+        <p14:creationId xmlns:p14="http://schemas.microsoft.com/office/powerpoint/2010/main" val="1884103283"/>
+      </p:ext>
+    </p:extLst>
+  </p:cSld>
+  <p:clrMapOvr>
+    <a:masterClrMapping/>
+  </p:clrMapOvr>
+</p:sld>
+</file>
+
 <file path=ppt/slides/slide2.xml><?xml version="1.0" encoding="utf-8"?>
 <p:sld xmlns:a="http://schemas.openxmlformats.org/drawingml/2006/main" xmlns:r="http://schemas.openxmlformats.org/officeDocument/2006/relationships" xmlns:p="http://schemas.openxmlformats.org/presentationml/2006/main">
   <p:cSld>
@@ -3124,6 +3565,13 @@
               <a:rPr lang="da-DK" dirty="0" smtClean="0"/>
               <a:t>Låse</a:t>
             </a:r>
+          </a:p>
+          <a:p>
+            <a:r>
+              <a:rPr lang="da-DK" dirty="0" err="1" smtClean="0"/>
+              <a:t>Deadlocks</a:t>
+            </a:r>
+            <a:endParaRPr lang="da-DK" dirty="0" smtClean="0"/>
           </a:p>
           <a:p>
             <a:r>
@@ -3998,6 +4446,177 @@
     <p:extLst>
       <p:ext uri="{BB962C8B-B14F-4D97-AF65-F5344CB8AC3E}">
         <p14:creationId xmlns:p14="http://schemas.microsoft.com/office/powerpoint/2010/main" val="3234910410"/>
+      </p:ext>
+    </p:extLst>
+  </p:cSld>
+  <p:clrMapOvr>
+    <a:masterClrMapping/>
+  </p:clrMapOvr>
+</p:sld>
+</file>
+
+<file path=ppt/slides/slide9.xml><?xml version="1.0" encoding="utf-8"?>
+<p:sld xmlns:a="http://schemas.openxmlformats.org/drawingml/2006/main" xmlns:r="http://schemas.openxmlformats.org/officeDocument/2006/relationships" xmlns:p="http://schemas.openxmlformats.org/presentationml/2006/main">
+  <p:cSld>
+    <p:spTree>
+      <p:nvGrpSpPr>
+        <p:cNvPr id="1" name=""/>
+        <p:cNvGrpSpPr/>
+        <p:nvPr/>
+      </p:nvGrpSpPr>
+      <p:grpSpPr>
+        <a:xfrm>
+          <a:off x="0" y="0"/>
+          <a:ext cx="0" cy="0"/>
+          <a:chOff x="0" y="0"/>
+          <a:chExt cx="0" cy="0"/>
+        </a:xfrm>
+      </p:grpSpPr>
+      <p:sp>
+        <p:nvSpPr>
+          <p:cNvPr id="2" name="Titel 1"/>
+          <p:cNvSpPr>
+            <a:spLocks noGrp="1"/>
+          </p:cNvSpPr>
+          <p:nvPr>
+            <p:ph type="title"/>
+          </p:nvPr>
+        </p:nvSpPr>
+        <p:spPr/>
+        <p:txBody>
+          <a:bodyPr/>
+          <a:lstStyle/>
+          <a:p>
+            <a:r>
+              <a:rPr lang="da-DK" dirty="0" err="1" smtClean="0"/>
+              <a:t>Deadlocks</a:t>
+            </a:r>
+            <a:endParaRPr lang="da-DK" dirty="0"/>
+          </a:p>
+        </p:txBody>
+      </p:sp>
+      <p:sp>
+        <p:nvSpPr>
+          <p:cNvPr id="3" name="Pladsholder til indhold 2"/>
+          <p:cNvSpPr>
+            <a:spLocks noGrp="1"/>
+          </p:cNvSpPr>
+          <p:nvPr>
+            <p:ph idx="1"/>
+          </p:nvPr>
+        </p:nvSpPr>
+        <p:spPr/>
+        <p:txBody>
+          <a:bodyPr>
+            <a:normAutofit fontScale="85000" lnSpcReduction="20000"/>
+          </a:bodyPr>
+          <a:lstStyle/>
+          <a:p>
+            <a:r>
+              <a:rPr lang="da-DK" dirty="0" err="1" smtClean="0"/>
+              <a:t>Deadlocks</a:t>
+            </a:r>
+            <a:r>
+              <a:rPr lang="da-DK" dirty="0" smtClean="0"/>
+              <a:t> er en tilstand, hvor to transaktioner får en cyklisk afhængighed af hinanden</a:t>
+            </a:r>
+          </a:p>
+          <a:p>
+            <a:r>
+              <a:rPr lang="da-DK" dirty="0" smtClean="0"/>
+              <a:t>Transaktion A har en operation, hvor den har fået tildelt en </a:t>
+            </a:r>
+            <a:r>
+              <a:rPr lang="da-DK" dirty="0" err="1" smtClean="0"/>
+              <a:t>shared</a:t>
+            </a:r>
+            <a:r>
+              <a:rPr lang="da-DK" dirty="0" smtClean="0"/>
+              <a:t> lås på dataitem 1</a:t>
+            </a:r>
+          </a:p>
+          <a:p>
+            <a:r>
+              <a:rPr lang="da-DK" dirty="0" smtClean="0"/>
+              <a:t>Transaktion B har en operation, hvor den har fået tildelt en </a:t>
+            </a:r>
+            <a:r>
+              <a:rPr lang="da-DK" dirty="0" err="1" smtClean="0"/>
+              <a:t>shared</a:t>
+            </a:r>
+            <a:r>
+              <a:rPr lang="da-DK" dirty="0" smtClean="0"/>
+              <a:t> lås på dataitem 2</a:t>
+            </a:r>
+          </a:p>
+          <a:p>
+            <a:r>
+              <a:rPr lang="da-DK" dirty="0" smtClean="0"/>
+              <a:t>Transaktion A anmoder nu om at få en </a:t>
+            </a:r>
+            <a:r>
+              <a:rPr lang="da-DK" dirty="0" err="1" smtClean="0"/>
+              <a:t>exclusive</a:t>
+            </a:r>
+            <a:r>
+              <a:rPr lang="da-DK" dirty="0" smtClean="0"/>
+              <a:t> lås på dataitem 2, som pt. er låst af Transaktion B. Transaktion A venter på at </a:t>
+            </a:r>
+            <a:r>
+              <a:rPr lang="da-DK" dirty="0" err="1" smtClean="0"/>
+              <a:t>shared</a:t>
+            </a:r>
+            <a:r>
+              <a:rPr lang="da-DK" dirty="0" smtClean="0"/>
+              <a:t> lås på dataitem 2 frigives</a:t>
+            </a:r>
+          </a:p>
+          <a:p>
+            <a:r>
+              <a:rPr lang="da-DK" dirty="0" smtClean="0"/>
+              <a:t>Transaktion B anmoder nu om at få en </a:t>
+            </a:r>
+            <a:r>
+              <a:rPr lang="da-DK" dirty="0" err="1" smtClean="0"/>
+              <a:t>exclusive</a:t>
+            </a:r>
+            <a:r>
+              <a:rPr lang="da-DK" dirty="0" smtClean="0"/>
+              <a:t> lås på dataitem 1, som pt. er låst af Transaktion A. Transaktion B venter på at låsen på dataitem 1 frigives</a:t>
+            </a:r>
+          </a:p>
+          <a:p>
+            <a:r>
+              <a:rPr lang="da-DK" dirty="0" smtClean="0"/>
+              <a:t>Ingen af transaktionerne kan komme videre, og der er opstået en </a:t>
+            </a:r>
+            <a:r>
+              <a:rPr lang="da-DK" dirty="0" err="1" smtClean="0"/>
+              <a:t>deadlock</a:t>
+            </a:r>
+            <a:endParaRPr lang="da-DK" dirty="0" smtClean="0"/>
+          </a:p>
+          <a:p>
+            <a:r>
+              <a:rPr lang="da-DK" dirty="0" smtClean="0"/>
+              <a:t>DBMS har typisk periodisk overvågning af cykliske afhængigheder. Finder den en, </a:t>
+            </a:r>
+            <a:r>
+              <a:rPr lang="da-DK" dirty="0" err="1" smtClean="0"/>
+              <a:t>termineres</a:t>
+            </a:r>
+            <a:r>
+              <a:rPr lang="da-DK" dirty="0" smtClean="0"/>
+              <a:t> én af transaktionerne, som må starte forfra</a:t>
+            </a:r>
+            <a:endParaRPr lang="da-DK" dirty="0"/>
+          </a:p>
+        </p:txBody>
+      </p:sp>
+    </p:spTree>
+    <p:extLst>
+      <p:ext uri="{BB962C8B-B14F-4D97-AF65-F5344CB8AC3E}">
+        <p14:creationId xmlns:p14="http://schemas.microsoft.com/office/powerpoint/2010/main" val="1434816220"/>
       </p:ext>
     </p:extLst>
   </p:cSld>

--- a/eventmanagement/Præsentation.pptx
+++ b/eventmanagement/Præsentation.pptx
@@ -10,13 +10,12 @@
     <p:sldId id="258" r:id="rId4"/>
     <p:sldId id="259" r:id="rId5"/>
     <p:sldId id="260" r:id="rId6"/>
-    <p:sldId id="261" r:id="rId7"/>
-    <p:sldId id="262" r:id="rId8"/>
-    <p:sldId id="263" r:id="rId9"/>
-    <p:sldId id="264" r:id="rId10"/>
-    <p:sldId id="265" r:id="rId11"/>
-    <p:sldId id="266" r:id="rId12"/>
-    <p:sldId id="267" r:id="rId13"/>
+    <p:sldId id="262" r:id="rId7"/>
+    <p:sldId id="263" r:id="rId8"/>
+    <p:sldId id="264" r:id="rId9"/>
+    <p:sldId id="265" r:id="rId10"/>
+    <p:sldId id="266" r:id="rId11"/>
+    <p:sldId id="267" r:id="rId12"/>
   </p:sldIdLst>
   <p:sldSz cx="12192000" cy="6858000"/>
   <p:notesSz cx="6858000" cy="9144000"/>
@@ -117,7 +116,7 @@
   </p:defaultTextStyle>
   <p:extLst>
     <p:ext uri="{EFAFB233-063F-42B5-8137-9DF3F51BA10A}">
-      <p15:sldGuideLst xmlns:p15="http://schemas.microsoft.com/office/powerpoint/2012/main"/>
+      <p15:sldGuideLst xmlns:p15="http://schemas.microsoft.com/office/powerpoint/2012/main" xmlns=""/>
     </p:ext>
   </p:extLst>
 </p:presentation>
@@ -254,6 +253,7 @@
           <a:p>
             <a:fld id="{954EDE6F-1482-48A9-B929-F4D4DCC1989B}" type="datetimeFigureOut">
               <a:rPr lang="da-DK" smtClean="0"/>
+              <a:pPr/>
               <a:t>24-10-2017</a:t>
             </a:fld>
             <a:endParaRPr lang="da-DK"/>
@@ -296,6 +296,7 @@
           <a:p>
             <a:fld id="{68A64050-5641-4D9C-91EF-79E1C283CC93}" type="slidenum">
               <a:rPr lang="da-DK" smtClean="0"/>
+              <a:pPr/>
               <a:t>‹nr.›</a:t>
             </a:fld>
             <a:endParaRPr lang="da-DK"/>
@@ -305,7 +306,7 @@
     </p:spTree>
     <p:extLst>
       <p:ext uri="{BB962C8B-B14F-4D97-AF65-F5344CB8AC3E}">
-        <p14:creationId xmlns:p14="http://schemas.microsoft.com/office/powerpoint/2010/main" val="4284479333"/>
+        <p14:creationId xmlns:p14="http://schemas.microsoft.com/office/powerpoint/2010/main" xmlns="" val="4284479333"/>
       </p:ext>
     </p:extLst>
   </p:cSld>
@@ -424,6 +425,7 @@
           <a:p>
             <a:fld id="{954EDE6F-1482-48A9-B929-F4D4DCC1989B}" type="datetimeFigureOut">
               <a:rPr lang="da-DK" smtClean="0"/>
+              <a:pPr/>
               <a:t>24-10-2017</a:t>
             </a:fld>
             <a:endParaRPr lang="da-DK"/>
@@ -466,6 +468,7 @@
           <a:p>
             <a:fld id="{68A64050-5641-4D9C-91EF-79E1C283CC93}" type="slidenum">
               <a:rPr lang="da-DK" smtClean="0"/>
+              <a:pPr/>
               <a:t>‹nr.›</a:t>
             </a:fld>
             <a:endParaRPr lang="da-DK"/>
@@ -475,7 +478,7 @@
     </p:spTree>
     <p:extLst>
       <p:ext uri="{BB962C8B-B14F-4D97-AF65-F5344CB8AC3E}">
-        <p14:creationId xmlns:p14="http://schemas.microsoft.com/office/powerpoint/2010/main" val="1070819038"/>
+        <p14:creationId xmlns:p14="http://schemas.microsoft.com/office/powerpoint/2010/main" xmlns="" val="1070819038"/>
       </p:ext>
     </p:extLst>
   </p:cSld>
@@ -604,6 +607,7 @@
           <a:p>
             <a:fld id="{954EDE6F-1482-48A9-B929-F4D4DCC1989B}" type="datetimeFigureOut">
               <a:rPr lang="da-DK" smtClean="0"/>
+              <a:pPr/>
               <a:t>24-10-2017</a:t>
             </a:fld>
             <a:endParaRPr lang="da-DK"/>
@@ -646,6 +650,7 @@
           <a:p>
             <a:fld id="{68A64050-5641-4D9C-91EF-79E1C283CC93}" type="slidenum">
               <a:rPr lang="da-DK" smtClean="0"/>
+              <a:pPr/>
               <a:t>‹nr.›</a:t>
             </a:fld>
             <a:endParaRPr lang="da-DK"/>
@@ -655,7 +660,7 @@
     </p:spTree>
     <p:extLst>
       <p:ext uri="{BB962C8B-B14F-4D97-AF65-F5344CB8AC3E}">
-        <p14:creationId xmlns:p14="http://schemas.microsoft.com/office/powerpoint/2010/main" val="3282250857"/>
+        <p14:creationId xmlns:p14="http://schemas.microsoft.com/office/powerpoint/2010/main" xmlns="" val="3282250857"/>
       </p:ext>
     </p:extLst>
   </p:cSld>
@@ -774,6 +779,7 @@
           <a:p>
             <a:fld id="{954EDE6F-1482-48A9-B929-F4D4DCC1989B}" type="datetimeFigureOut">
               <a:rPr lang="da-DK" smtClean="0"/>
+              <a:pPr/>
               <a:t>24-10-2017</a:t>
             </a:fld>
             <a:endParaRPr lang="da-DK"/>
@@ -816,6 +822,7 @@
           <a:p>
             <a:fld id="{68A64050-5641-4D9C-91EF-79E1C283CC93}" type="slidenum">
               <a:rPr lang="da-DK" smtClean="0"/>
+              <a:pPr/>
               <a:t>‹nr.›</a:t>
             </a:fld>
             <a:endParaRPr lang="da-DK"/>
@@ -825,7 +832,7 @@
     </p:spTree>
     <p:extLst>
       <p:ext uri="{BB962C8B-B14F-4D97-AF65-F5344CB8AC3E}">
-        <p14:creationId xmlns:p14="http://schemas.microsoft.com/office/powerpoint/2010/main" val="1191869019"/>
+        <p14:creationId xmlns:p14="http://schemas.microsoft.com/office/powerpoint/2010/main" xmlns="" val="1191869019"/>
       </p:ext>
     </p:extLst>
   </p:cSld>
@@ -1020,6 +1027,7 @@
           <a:p>
             <a:fld id="{954EDE6F-1482-48A9-B929-F4D4DCC1989B}" type="datetimeFigureOut">
               <a:rPr lang="da-DK" smtClean="0"/>
+              <a:pPr/>
               <a:t>24-10-2017</a:t>
             </a:fld>
             <a:endParaRPr lang="da-DK"/>
@@ -1062,6 +1070,7 @@
           <a:p>
             <a:fld id="{68A64050-5641-4D9C-91EF-79E1C283CC93}" type="slidenum">
               <a:rPr lang="da-DK" smtClean="0"/>
+              <a:pPr/>
               <a:t>‹nr.›</a:t>
             </a:fld>
             <a:endParaRPr lang="da-DK"/>
@@ -1071,7 +1080,7 @@
     </p:spTree>
     <p:extLst>
       <p:ext uri="{BB962C8B-B14F-4D97-AF65-F5344CB8AC3E}">
-        <p14:creationId xmlns:p14="http://schemas.microsoft.com/office/powerpoint/2010/main" val="2719660000"/>
+        <p14:creationId xmlns:p14="http://schemas.microsoft.com/office/powerpoint/2010/main" xmlns="" val="2719660000"/>
       </p:ext>
     </p:extLst>
   </p:cSld>
@@ -1252,6 +1261,7 @@
           <a:p>
             <a:fld id="{954EDE6F-1482-48A9-B929-F4D4DCC1989B}" type="datetimeFigureOut">
               <a:rPr lang="da-DK" smtClean="0"/>
+              <a:pPr/>
               <a:t>24-10-2017</a:t>
             </a:fld>
             <a:endParaRPr lang="da-DK"/>
@@ -1294,6 +1304,7 @@
           <a:p>
             <a:fld id="{68A64050-5641-4D9C-91EF-79E1C283CC93}" type="slidenum">
               <a:rPr lang="da-DK" smtClean="0"/>
+              <a:pPr/>
               <a:t>‹nr.›</a:t>
             </a:fld>
             <a:endParaRPr lang="da-DK"/>
@@ -1303,7 +1314,7 @@
     </p:spTree>
     <p:extLst>
       <p:ext uri="{BB962C8B-B14F-4D97-AF65-F5344CB8AC3E}">
-        <p14:creationId xmlns:p14="http://schemas.microsoft.com/office/powerpoint/2010/main" val="568735529"/>
+        <p14:creationId xmlns:p14="http://schemas.microsoft.com/office/powerpoint/2010/main" xmlns="" val="568735529"/>
       </p:ext>
     </p:extLst>
   </p:cSld>
@@ -1619,6 +1630,7 @@
           <a:p>
             <a:fld id="{954EDE6F-1482-48A9-B929-F4D4DCC1989B}" type="datetimeFigureOut">
               <a:rPr lang="da-DK" smtClean="0"/>
+              <a:pPr/>
               <a:t>24-10-2017</a:t>
             </a:fld>
             <a:endParaRPr lang="da-DK"/>
@@ -1661,6 +1673,7 @@
           <a:p>
             <a:fld id="{68A64050-5641-4D9C-91EF-79E1C283CC93}" type="slidenum">
               <a:rPr lang="da-DK" smtClean="0"/>
+              <a:pPr/>
               <a:t>‹nr.›</a:t>
             </a:fld>
             <a:endParaRPr lang="da-DK"/>
@@ -1670,7 +1683,7 @@
     </p:spTree>
     <p:extLst>
       <p:ext uri="{BB962C8B-B14F-4D97-AF65-F5344CB8AC3E}">
-        <p14:creationId xmlns:p14="http://schemas.microsoft.com/office/powerpoint/2010/main" val="1466691736"/>
+        <p14:creationId xmlns:p14="http://schemas.microsoft.com/office/powerpoint/2010/main" xmlns="" val="1466691736"/>
       </p:ext>
     </p:extLst>
   </p:cSld>
@@ -1737,6 +1750,7 @@
           <a:p>
             <a:fld id="{954EDE6F-1482-48A9-B929-F4D4DCC1989B}" type="datetimeFigureOut">
               <a:rPr lang="da-DK" smtClean="0"/>
+              <a:pPr/>
               <a:t>24-10-2017</a:t>
             </a:fld>
             <a:endParaRPr lang="da-DK"/>
@@ -1779,6 +1793,7 @@
           <a:p>
             <a:fld id="{68A64050-5641-4D9C-91EF-79E1C283CC93}" type="slidenum">
               <a:rPr lang="da-DK" smtClean="0"/>
+              <a:pPr/>
               <a:t>‹nr.›</a:t>
             </a:fld>
             <a:endParaRPr lang="da-DK"/>
@@ -1788,7 +1803,7 @@
     </p:spTree>
     <p:extLst>
       <p:ext uri="{BB962C8B-B14F-4D97-AF65-F5344CB8AC3E}">
-        <p14:creationId xmlns:p14="http://schemas.microsoft.com/office/powerpoint/2010/main" val="2679254896"/>
+        <p14:creationId xmlns:p14="http://schemas.microsoft.com/office/powerpoint/2010/main" xmlns="" val="2679254896"/>
       </p:ext>
     </p:extLst>
   </p:cSld>
@@ -1832,6 +1847,7 @@
           <a:p>
             <a:fld id="{954EDE6F-1482-48A9-B929-F4D4DCC1989B}" type="datetimeFigureOut">
               <a:rPr lang="da-DK" smtClean="0"/>
+              <a:pPr/>
               <a:t>24-10-2017</a:t>
             </a:fld>
             <a:endParaRPr lang="da-DK"/>
@@ -1874,6 +1890,7 @@
           <a:p>
             <a:fld id="{68A64050-5641-4D9C-91EF-79E1C283CC93}" type="slidenum">
               <a:rPr lang="da-DK" smtClean="0"/>
+              <a:pPr/>
               <a:t>‹nr.›</a:t>
             </a:fld>
             <a:endParaRPr lang="da-DK"/>
@@ -1883,7 +1900,7 @@
     </p:spTree>
     <p:extLst>
       <p:ext uri="{BB962C8B-B14F-4D97-AF65-F5344CB8AC3E}">
-        <p14:creationId xmlns:p14="http://schemas.microsoft.com/office/powerpoint/2010/main" val="868968547"/>
+        <p14:creationId xmlns:p14="http://schemas.microsoft.com/office/powerpoint/2010/main" xmlns="" val="868968547"/>
       </p:ext>
     </p:extLst>
   </p:cSld>
@@ -2109,6 +2126,7 @@
           <a:p>
             <a:fld id="{954EDE6F-1482-48A9-B929-F4D4DCC1989B}" type="datetimeFigureOut">
               <a:rPr lang="da-DK" smtClean="0"/>
+              <a:pPr/>
               <a:t>24-10-2017</a:t>
             </a:fld>
             <a:endParaRPr lang="da-DK"/>
@@ -2151,6 +2169,7 @@
           <a:p>
             <a:fld id="{68A64050-5641-4D9C-91EF-79E1C283CC93}" type="slidenum">
               <a:rPr lang="da-DK" smtClean="0"/>
+              <a:pPr/>
               <a:t>‹nr.›</a:t>
             </a:fld>
             <a:endParaRPr lang="da-DK"/>
@@ -2160,7 +2179,7 @@
     </p:spTree>
     <p:extLst>
       <p:ext uri="{BB962C8B-B14F-4D97-AF65-F5344CB8AC3E}">
-        <p14:creationId xmlns:p14="http://schemas.microsoft.com/office/powerpoint/2010/main" val="3688026115"/>
+        <p14:creationId xmlns:p14="http://schemas.microsoft.com/office/powerpoint/2010/main" xmlns="" val="3688026115"/>
       </p:ext>
     </p:extLst>
   </p:cSld>
@@ -2362,6 +2381,7 @@
           <a:p>
             <a:fld id="{954EDE6F-1482-48A9-B929-F4D4DCC1989B}" type="datetimeFigureOut">
               <a:rPr lang="da-DK" smtClean="0"/>
+              <a:pPr/>
               <a:t>24-10-2017</a:t>
             </a:fld>
             <a:endParaRPr lang="da-DK"/>
@@ -2404,6 +2424,7 @@
           <a:p>
             <a:fld id="{68A64050-5641-4D9C-91EF-79E1C283CC93}" type="slidenum">
               <a:rPr lang="da-DK" smtClean="0"/>
+              <a:pPr/>
               <a:t>‹nr.›</a:t>
             </a:fld>
             <a:endParaRPr lang="da-DK"/>
@@ -2413,7 +2434,7 @@
     </p:spTree>
     <p:extLst>
       <p:ext uri="{BB962C8B-B14F-4D97-AF65-F5344CB8AC3E}">
-        <p14:creationId xmlns:p14="http://schemas.microsoft.com/office/powerpoint/2010/main" val="1158694616"/>
+        <p14:creationId xmlns:p14="http://schemas.microsoft.com/office/powerpoint/2010/main" xmlns="" val="1158694616"/>
       </p:ext>
     </p:extLst>
   </p:cSld>
@@ -2575,6 +2596,7 @@
           <a:p>
             <a:fld id="{954EDE6F-1482-48A9-B929-F4D4DCC1989B}" type="datetimeFigureOut">
               <a:rPr lang="da-DK" smtClean="0"/>
+              <a:pPr/>
               <a:t>24-10-2017</a:t>
             </a:fld>
             <a:endParaRPr lang="da-DK"/>
@@ -2653,6 +2675,7 @@
           <a:p>
             <a:fld id="{68A64050-5641-4D9C-91EF-79E1C283CC93}" type="slidenum">
               <a:rPr lang="da-DK" smtClean="0"/>
+              <a:pPr/>
               <a:t>‹nr.›</a:t>
             </a:fld>
             <a:endParaRPr lang="da-DK"/>
@@ -2662,7 +2685,7 @@
     </p:spTree>
     <p:extLst>
       <p:ext uri="{BB962C8B-B14F-4D97-AF65-F5344CB8AC3E}">
-        <p14:creationId xmlns:p14="http://schemas.microsoft.com/office/powerpoint/2010/main" val="1499481221"/>
+        <p14:creationId xmlns:p14="http://schemas.microsoft.com/office/powerpoint/2010/main" xmlns="" val="1499481221"/>
       </p:ext>
     </p:extLst>
   </p:cSld>
@@ -3046,7 +3069,7 @@
     </p:spTree>
     <p:extLst>
       <p:ext uri="{BB962C8B-B14F-4D97-AF65-F5344CB8AC3E}">
-        <p14:creationId xmlns:p14="http://schemas.microsoft.com/office/powerpoint/2010/main" val="1234334293"/>
+        <p14:creationId xmlns:p14="http://schemas.microsoft.com/office/powerpoint/2010/main" xmlns="" val="1234334293"/>
       </p:ext>
     </p:extLst>
   </p:cSld>
@@ -3089,8 +3112,8 @@
           <a:lstStyle/>
           <a:p>
             <a:r>
-              <a:rPr lang="da-DK" dirty="0" smtClean="0"/>
-              <a:t>To fase låse</a:t>
+              <a:rPr lang="da-DK" dirty="0" err="1" smtClean="0"/>
+              <a:t>Timestamping</a:t>
             </a:r>
             <a:endParaRPr lang="da-DK" dirty="0"/>
           </a:p>
@@ -3108,129 +3131,17 @@
         </p:nvSpPr>
         <p:spPr/>
         <p:txBody>
-          <a:bodyPr>
-            <a:normAutofit lnSpcReduction="10000"/>
-          </a:bodyPr>
-          <a:lstStyle/>
-          <a:p>
-            <a:r>
-              <a:rPr lang="da-DK" dirty="0"/>
-              <a:t>En transaktion inddeles i to faser: </a:t>
-            </a:r>
-            <a:r>
-              <a:rPr lang="da-DK" i="1" dirty="0"/>
-              <a:t>growing </a:t>
-            </a:r>
-            <a:r>
-              <a:rPr lang="da-DK" i="1" dirty="0" err="1"/>
-              <a:t>phase</a:t>
-            </a:r>
-            <a:r>
-              <a:rPr lang="da-DK" dirty="0"/>
-              <a:t> og </a:t>
-            </a:r>
-            <a:r>
-              <a:rPr lang="da-DK" i="1" dirty="0" err="1"/>
-              <a:t>shrinking</a:t>
-            </a:r>
-            <a:r>
-              <a:rPr lang="da-DK" i="1" dirty="0"/>
-              <a:t> </a:t>
-            </a:r>
-            <a:r>
-              <a:rPr lang="da-DK" i="1" dirty="0" err="1"/>
-              <a:t>phase</a:t>
-            </a:r>
-            <a:r>
-              <a:rPr lang="da-DK" dirty="0"/>
-              <a:t>.</a:t>
-            </a:r>
-          </a:p>
-          <a:p>
-            <a:r>
-              <a:rPr lang="da-DK" dirty="0"/>
-              <a:t>I </a:t>
-            </a:r>
-            <a:r>
-              <a:rPr lang="da-DK" i="1" dirty="0"/>
-              <a:t>growing </a:t>
-            </a:r>
-            <a:r>
-              <a:rPr lang="da-DK" i="1" dirty="0" err="1"/>
-              <a:t>phase</a:t>
-            </a:r>
-            <a:r>
-              <a:rPr lang="da-DK" dirty="0"/>
-              <a:t> tildeler DBMS låse til de data items, som operationerne foretages på. Det sker inden operationen </a:t>
-            </a:r>
-            <a:r>
-              <a:rPr lang="da-DK" dirty="0" smtClean="0"/>
-              <a:t>udføres</a:t>
-            </a:r>
-          </a:p>
-          <a:p>
-            <a:r>
-              <a:rPr lang="da-DK" dirty="0"/>
-              <a:t>Nøgler tildeles ikke nødvendigvis på én gang, men bliver tildelt efterhånden som operationerne kræver </a:t>
-            </a:r>
-            <a:r>
-              <a:rPr lang="da-DK" dirty="0" smtClean="0"/>
-              <a:t>det</a:t>
-            </a:r>
-          </a:p>
-          <a:p>
-            <a:r>
-              <a:rPr lang="da-DK" dirty="0"/>
-              <a:t>I denne fase frigives ingen tildelte låse, før alle nødvendige låse er tildelt.</a:t>
-            </a:r>
-          </a:p>
-          <a:p>
-            <a:r>
-              <a:rPr lang="da-DK" dirty="0"/>
-              <a:t>I </a:t>
-            </a:r>
-            <a:r>
-              <a:rPr lang="da-DK" i="1" dirty="0" err="1"/>
-              <a:t>shrinking</a:t>
-            </a:r>
-            <a:r>
-              <a:rPr lang="da-DK" i="1" dirty="0"/>
-              <a:t> </a:t>
-            </a:r>
-            <a:r>
-              <a:rPr lang="da-DK" i="1" dirty="0" err="1"/>
-              <a:t>phase</a:t>
-            </a:r>
-            <a:r>
-              <a:rPr lang="da-DK" i="1" dirty="0"/>
-              <a:t> </a:t>
-            </a:r>
-            <a:r>
-              <a:rPr lang="da-DK" dirty="0"/>
-              <a:t>afgiver DBMS alle låsene igen, når sidste operation i transaktionen som gør brug af en lås, er </a:t>
-            </a:r>
-            <a:r>
-              <a:rPr lang="da-DK" dirty="0" smtClean="0"/>
-              <a:t>færdig</a:t>
-            </a:r>
-          </a:p>
-          <a:p>
-            <a:r>
-              <a:rPr lang="da-DK" dirty="0" smtClean="0"/>
-              <a:t>I </a:t>
-            </a:r>
-            <a:r>
-              <a:rPr lang="da-DK" dirty="0"/>
-              <a:t>denne fase tildeler DBMS ikke længere nye låse.</a:t>
-            </a:r>
-            <a:endParaRPr lang="da-DK" dirty="0"/>
+          <a:bodyPr/>
+          <a:lstStyle/>
+          <a:p>
+            <a:endParaRPr lang="da-DK"/>
           </a:p>
         </p:txBody>
       </p:sp>
     </p:spTree>
     <p:extLst>
       <p:ext uri="{BB962C8B-B14F-4D97-AF65-F5344CB8AC3E}">
-        <p14:creationId xmlns:p14="http://schemas.microsoft.com/office/powerpoint/2010/main" val="3153907886"/>
+        <p14:creationId xmlns:p14="http://schemas.microsoft.com/office/powerpoint/2010/main" xmlns="" val="3637789666"/>
       </p:ext>
     </p:extLst>
   </p:cSld>
@@ -3273,212 +3184,140 @@
           <a:lstStyle/>
           <a:p>
             <a:r>
+              <a:rPr lang="da-DK" dirty="0" smtClean="0"/>
+              <a:t>Optimistisk samtidigheds kontrol</a:t>
+            </a:r>
+            <a:endParaRPr lang="da-DK" dirty="0"/>
+          </a:p>
+        </p:txBody>
+      </p:sp>
+      <p:sp>
+        <p:nvSpPr>
+          <p:cNvPr id="3" name="Pladsholder til indhold 2"/>
+          <p:cNvSpPr>
+            <a:spLocks noGrp="1"/>
+          </p:cNvSpPr>
+          <p:nvPr>
+            <p:ph idx="1"/>
+          </p:nvPr>
+        </p:nvSpPr>
+        <p:spPr/>
+        <p:txBody>
+          <a:bodyPr>
+            <a:normAutofit fontScale="85000" lnSpcReduction="20000"/>
+          </a:bodyPr>
+          <a:lstStyle/>
+          <a:p>
+            <a:r>
+              <a:rPr lang="da-DK" dirty="0"/>
+              <a:t>Optimistisk </a:t>
+            </a:r>
+            <a:r>
+              <a:rPr lang="da-DK" dirty="0" smtClean="0"/>
+              <a:t>samtidigheds kontrol </a:t>
+            </a:r>
+            <a:r>
+              <a:rPr lang="da-DK" dirty="0"/>
+              <a:t>består typisk af tre faser, og bruger timestamps til at tjekke eventuelle konflikter mellem de samtidige </a:t>
+            </a:r>
+            <a:r>
+              <a:rPr lang="da-DK" dirty="0" smtClean="0"/>
+              <a:t>transaktioner</a:t>
+            </a:r>
+          </a:p>
+          <a:p>
+            <a:r>
+              <a:rPr lang="da-DK" dirty="0" smtClean="0"/>
+              <a:t>Timestamps noteres ved påbegyndelse af fase 1 og fase 2, og efter fase 3 er gennemført</a:t>
+            </a:r>
+          </a:p>
+          <a:p>
+            <a:r>
+              <a:rPr lang="da-DK" i="1" dirty="0" smtClean="0"/>
+              <a:t>Læse fase</a:t>
+            </a:r>
+            <a:r>
+              <a:rPr lang="da-DK" dirty="0" smtClean="0"/>
+              <a:t> </a:t>
+            </a:r>
+            <a:r>
+              <a:rPr lang="da-DK" dirty="0"/>
+              <a:t>forløber fra start til umiddelbart før transaktionen </a:t>
+            </a:r>
+            <a:r>
+              <a:rPr lang="da-DK" i="1" dirty="0" err="1"/>
+              <a:t>committes</a:t>
+            </a:r>
+            <a:r>
+              <a:rPr lang="da-DK" dirty="0"/>
+              <a:t>. Værdier læses ud af alle relevante data items for transaktionen, og lagres i lokale variable i </a:t>
+            </a:r>
+            <a:r>
               <a:rPr lang="da-DK" dirty="0" err="1" smtClean="0"/>
-              <a:t>Timestamping</a:t>
+              <a:t>memory</a:t>
+            </a:r>
+            <a:r>
+              <a:rPr lang="da-DK" dirty="0" smtClean="0"/>
+              <a:t>, hvor DML operationer udføres</a:t>
+            </a:r>
+          </a:p>
+          <a:p>
+            <a:r>
+              <a:rPr lang="da-DK" dirty="0" smtClean="0"/>
+              <a:t>I </a:t>
+            </a:r>
+            <a:r>
+              <a:rPr lang="da-DK" i="1" dirty="0"/>
+              <a:t>v</a:t>
+            </a:r>
+            <a:r>
+              <a:rPr lang="da-DK" i="1" dirty="0" smtClean="0"/>
+              <a:t>aliderings fase</a:t>
+            </a:r>
+            <a:r>
+              <a:rPr lang="da-DK" dirty="0" smtClean="0"/>
+              <a:t> tjekkes, om gennemførelse af transaktionen vil efterlade databasen i en konsistent tilstand</a:t>
+            </a:r>
+          </a:p>
+          <a:p>
+            <a:r>
+              <a:rPr lang="da-DK" dirty="0" smtClean="0"/>
+              <a:t>Hvis transaktionen passerer validerings fasen, </a:t>
+            </a:r>
+            <a:r>
+              <a:rPr lang="da-DK" dirty="0" err="1" smtClean="0"/>
+              <a:t>committes</a:t>
+            </a:r>
+            <a:r>
+              <a:rPr lang="da-DK" dirty="0" smtClean="0"/>
+              <a:t> transaktion i </a:t>
+            </a:r>
+            <a:r>
+              <a:rPr lang="da-DK" i="1" dirty="0" smtClean="0"/>
+              <a:t>skrive fasen</a:t>
+            </a:r>
+          </a:p>
+          <a:p>
+            <a:r>
+              <a:rPr lang="da-DK" dirty="0" smtClean="0"/>
+              <a:t>Fordele ved optimistisk samtidigheds kontrol er performance, og den har sin styrke i systemer, </a:t>
+            </a:r>
+            <a:r>
+              <a:rPr lang="da-DK" smtClean="0"/>
+              <a:t>hvor sandsynligheden </a:t>
+            </a:r>
+            <a:r>
+              <a:rPr lang="da-DK" dirty="0" smtClean="0"/>
+              <a:t>for konflikter er små</a:t>
             </a:r>
             <a:endParaRPr lang="da-DK" dirty="0"/>
-          </a:p>
-        </p:txBody>
-      </p:sp>
-      <p:sp>
-        <p:nvSpPr>
-          <p:cNvPr id="3" name="Pladsholder til indhold 2"/>
-          <p:cNvSpPr>
-            <a:spLocks noGrp="1"/>
-          </p:cNvSpPr>
-          <p:nvPr>
-            <p:ph idx="1"/>
-          </p:nvPr>
-        </p:nvSpPr>
-        <p:spPr/>
-        <p:txBody>
-          <a:bodyPr/>
-          <a:lstStyle/>
-          <a:p>
-            <a:endParaRPr lang="da-DK"/>
           </a:p>
         </p:txBody>
       </p:sp>
     </p:spTree>
     <p:extLst>
       <p:ext uri="{BB962C8B-B14F-4D97-AF65-F5344CB8AC3E}">
-        <p14:creationId xmlns:p14="http://schemas.microsoft.com/office/powerpoint/2010/main" val="3637789666"/>
-      </p:ext>
-    </p:extLst>
-  </p:cSld>
-  <p:clrMapOvr>
-    <a:masterClrMapping/>
-  </p:clrMapOvr>
-</p:sld>
-</file>
-
-<file path=ppt/slides/slide12.xml><?xml version="1.0" encoding="utf-8"?>
-<p:sld xmlns:a="http://schemas.openxmlformats.org/drawingml/2006/main" xmlns:r="http://schemas.openxmlformats.org/officeDocument/2006/relationships" xmlns:p="http://schemas.openxmlformats.org/presentationml/2006/main">
-  <p:cSld>
-    <p:spTree>
-      <p:nvGrpSpPr>
-        <p:cNvPr id="1" name=""/>
-        <p:cNvGrpSpPr/>
-        <p:nvPr/>
-      </p:nvGrpSpPr>
-      <p:grpSpPr>
-        <a:xfrm>
-          <a:off x="0" y="0"/>
-          <a:ext cx="0" cy="0"/>
-          <a:chOff x="0" y="0"/>
-          <a:chExt cx="0" cy="0"/>
-        </a:xfrm>
-      </p:grpSpPr>
-      <p:sp>
-        <p:nvSpPr>
-          <p:cNvPr id="2" name="Titel 1"/>
-          <p:cNvSpPr>
-            <a:spLocks noGrp="1"/>
-          </p:cNvSpPr>
-          <p:nvPr>
-            <p:ph type="title"/>
-          </p:nvPr>
-        </p:nvSpPr>
-        <p:spPr/>
-        <p:txBody>
-          <a:bodyPr/>
-          <a:lstStyle/>
-          <a:p>
-            <a:r>
-              <a:rPr lang="da-DK" dirty="0" smtClean="0"/>
-              <a:t>Optimistisk samtidigheds kontrol</a:t>
-            </a:r>
-            <a:endParaRPr lang="da-DK" dirty="0"/>
-          </a:p>
-        </p:txBody>
-      </p:sp>
-      <p:sp>
-        <p:nvSpPr>
-          <p:cNvPr id="3" name="Pladsholder til indhold 2"/>
-          <p:cNvSpPr>
-            <a:spLocks noGrp="1"/>
-          </p:cNvSpPr>
-          <p:nvPr>
-            <p:ph idx="1"/>
-          </p:nvPr>
-        </p:nvSpPr>
-        <p:spPr/>
-        <p:txBody>
-          <a:bodyPr>
-            <a:normAutofit fontScale="85000" lnSpcReduction="20000"/>
-          </a:bodyPr>
-          <a:lstStyle/>
-          <a:p>
-            <a:r>
-              <a:rPr lang="da-DK" dirty="0"/>
-              <a:t>Optimistisk </a:t>
-            </a:r>
-            <a:r>
-              <a:rPr lang="da-DK" dirty="0" smtClean="0"/>
-              <a:t>samtidigheds kontrol </a:t>
-            </a:r>
-            <a:r>
-              <a:rPr lang="da-DK" dirty="0"/>
-              <a:t>består typisk af tre faser, og bruger timestamps til at tjekke eventuelle konflikter mellem de samtidige </a:t>
-            </a:r>
-            <a:r>
-              <a:rPr lang="da-DK" dirty="0" smtClean="0"/>
-              <a:t>transaktioner</a:t>
-            </a:r>
-          </a:p>
-          <a:p>
-            <a:r>
-              <a:rPr lang="da-DK" dirty="0" smtClean="0"/>
-              <a:t>Timestamps noteres ved påbegyndelse af fase 1 og fase 2, og efter fase 3 er gennemført</a:t>
-            </a:r>
-          </a:p>
-          <a:p>
-            <a:r>
-              <a:rPr lang="da-DK" i="1" dirty="0" smtClean="0"/>
-              <a:t>Læse fase</a:t>
-            </a:r>
-            <a:r>
-              <a:rPr lang="da-DK" dirty="0" smtClean="0"/>
-              <a:t> </a:t>
-            </a:r>
-            <a:r>
-              <a:rPr lang="da-DK" dirty="0"/>
-              <a:t>forløber fra start til umiddelbart før transaktionen </a:t>
-            </a:r>
-            <a:r>
-              <a:rPr lang="da-DK" i="1" dirty="0" err="1"/>
-              <a:t>committes</a:t>
-            </a:r>
-            <a:r>
-              <a:rPr lang="da-DK" dirty="0"/>
-              <a:t>. Værdier læses ud af alle relevante data items for transaktionen, og lagres i lokale variable i </a:t>
-            </a:r>
-            <a:r>
-              <a:rPr lang="da-DK" dirty="0" err="1" smtClean="0"/>
-              <a:t>memory</a:t>
-            </a:r>
-            <a:r>
-              <a:rPr lang="da-DK" dirty="0" smtClean="0"/>
-              <a:t>, hvor DML operationer udføres</a:t>
-            </a:r>
-          </a:p>
-          <a:p>
-            <a:r>
-              <a:rPr lang="da-DK" dirty="0" smtClean="0"/>
-              <a:t>I </a:t>
-            </a:r>
-            <a:r>
-              <a:rPr lang="da-DK" i="1" dirty="0"/>
-              <a:t>v</a:t>
-            </a:r>
-            <a:r>
-              <a:rPr lang="da-DK" i="1" dirty="0" smtClean="0"/>
-              <a:t>aliderings fase</a:t>
-            </a:r>
-            <a:r>
-              <a:rPr lang="da-DK" dirty="0" smtClean="0"/>
-              <a:t> tjekkes, om gennemførelse af transaktionen vil efterlade databasen i en konsistent tilstand</a:t>
-            </a:r>
-          </a:p>
-          <a:p>
-            <a:r>
-              <a:rPr lang="da-DK" dirty="0" smtClean="0"/>
-              <a:t>Hvis transaktionen passerer validerings fasen, </a:t>
-            </a:r>
-            <a:r>
-              <a:rPr lang="da-DK" dirty="0" err="1" smtClean="0"/>
-              <a:t>committes</a:t>
-            </a:r>
-            <a:r>
-              <a:rPr lang="da-DK" dirty="0" smtClean="0"/>
-              <a:t> transaktion i </a:t>
-            </a:r>
-            <a:r>
-              <a:rPr lang="da-DK" i="1" dirty="0" smtClean="0"/>
-              <a:t>skrive fasen</a:t>
-            </a:r>
-          </a:p>
-          <a:p>
-            <a:r>
-              <a:rPr lang="da-DK" dirty="0" smtClean="0"/>
-              <a:t>Fordele ved optimistisk samtidigheds kontrol er performance, og den har sin styrke i systemer, </a:t>
-            </a:r>
-            <a:r>
-              <a:rPr lang="da-DK" smtClean="0"/>
-              <a:t>hvor sandsynligheden </a:t>
-            </a:r>
-            <a:r>
-              <a:rPr lang="da-DK" dirty="0" smtClean="0"/>
-              <a:t>for konflikter er små</a:t>
-            </a:r>
-            <a:endParaRPr lang="da-DK" dirty="0"/>
-          </a:p>
-        </p:txBody>
-      </p:sp>
-    </p:spTree>
-    <p:extLst>
-      <p:ext uri="{BB962C8B-B14F-4D97-AF65-F5344CB8AC3E}">
-        <p14:creationId xmlns:p14="http://schemas.microsoft.com/office/powerpoint/2010/main" val="1884103283"/>
+        <p14:creationId xmlns:p14="http://schemas.microsoft.com/office/powerpoint/2010/main" xmlns="" val="1884103283"/>
       </p:ext>
     </p:extLst>
   </p:cSld>
@@ -3600,7 +3439,7 @@
     </p:spTree>
     <p:extLst>
       <p:ext uri="{BB962C8B-B14F-4D97-AF65-F5344CB8AC3E}">
-        <p14:creationId xmlns:p14="http://schemas.microsoft.com/office/powerpoint/2010/main" val="523185855"/>
+        <p14:creationId xmlns:p14="http://schemas.microsoft.com/office/powerpoint/2010/main" xmlns="" val="523185855"/>
       </p:ext>
     </p:extLst>
   </p:cSld>
@@ -3688,7 +3527,7 @@
     </p:spTree>
     <p:extLst>
       <p:ext uri="{BB962C8B-B14F-4D97-AF65-F5344CB8AC3E}">
-        <p14:creationId xmlns:p14="http://schemas.microsoft.com/office/powerpoint/2010/main" val="1511833257"/>
+        <p14:creationId xmlns:p14="http://schemas.microsoft.com/office/powerpoint/2010/main" xmlns="" val="1511833257"/>
       </p:ext>
     </p:extLst>
   </p:cSld>
@@ -3845,7 +3684,7 @@
     </p:spTree>
     <p:extLst>
       <p:ext uri="{BB962C8B-B14F-4D97-AF65-F5344CB8AC3E}">
-        <p14:creationId xmlns:p14="http://schemas.microsoft.com/office/powerpoint/2010/main" val="3346175959"/>
+        <p14:creationId xmlns:p14="http://schemas.microsoft.com/office/powerpoint/2010/main" xmlns="" val="3346175959"/>
       </p:ext>
     </p:extLst>
   </p:cSld>
@@ -3924,33 +3763,18 @@
               <a:rPr lang="da-DK" dirty="0" smtClean="0"/>
             </a:br>
             <a:r>
+              <a:rPr lang="da-DK" dirty="0" smtClean="0"/>
+              <a:t>Enten gennemføres </a:t>
+            </a:r>
+            <a:r>
               <a:rPr lang="da-DK" dirty="0"/>
-              <a:t>En transaktion er atomar i den forstand, at enten gennemføres alle operationer i transaktionen eller også gennemføres ingen operationer. </a:t>
-            </a:r>
-            <a:r>
-              <a:rPr lang="da-DK" dirty="0" err="1"/>
-              <a:t>DBMS’s</a:t>
-            </a:r>
-            <a:r>
-              <a:rPr lang="da-DK" dirty="0"/>
-              <a:t> genopretnings subsystem sørger for, at denne egenskab overholdes ved enten at en transaktion bliver </a:t>
-            </a:r>
-            <a:r>
-              <a:rPr lang="da-DK" i="1" dirty="0" err="1"/>
-              <a:t>committet</a:t>
-            </a:r>
-            <a:r>
-              <a:rPr lang="da-DK" dirty="0"/>
-              <a:t> eller helt annulleret via en </a:t>
-            </a:r>
-            <a:r>
-              <a:rPr lang="da-DK" i="1" dirty="0" err="1"/>
-              <a:t>rollback</a:t>
-            </a:r>
-            <a:r>
-              <a:rPr lang="da-DK" dirty="0" smtClean="0"/>
-              <a:t>.</a:t>
-            </a:r>
+              <a:t>alle operationer i transaktionen eller også gennemføres ingen </a:t>
+            </a:r>
+            <a:r>
+              <a:rPr lang="da-DK" dirty="0" smtClean="0"/>
+              <a:t>operationer</a:t>
+            </a:r>
+            <a:endParaRPr lang="da-DK" dirty="0" smtClean="0"/>
           </a:p>
           <a:p>
             <a:r>
@@ -3970,32 +3794,72 @@
             </a:br>
             <a:r>
               <a:rPr lang="da-DK" dirty="0"/>
-              <a:t>En transaktion transformerer altid databasen fra en konsistent tilstand til en ny konsistent tilstand. Ansvaret for konsistens hviler på både DBMS og programmør. DBMS skal sikre, at alle integritets </a:t>
-            </a:r>
-            <a:r>
-              <a:rPr lang="da-DK" i="1" dirty="0" err="1"/>
-              <a:t>constraints</a:t>
-            </a:r>
-            <a:r>
-              <a:rPr lang="da-DK" i="1" dirty="0"/>
-              <a:t>*)</a:t>
-            </a:r>
-            <a:r>
-              <a:rPr lang="da-DK" dirty="0"/>
-              <a:t> er overholdt efter databasen </a:t>
-            </a:r>
-            <a:r>
-              <a:rPr lang="da-DK" dirty="0" err="1"/>
-              <a:t>schema</a:t>
-            </a:r>
-            <a:r>
-              <a:rPr lang="da-DK" dirty="0"/>
-              <a:t>, og programmøren skal sørge for, at data operationerne efterlader databasen data i en konsistens tilstand</a:t>
+              <a:t>En transaktion transformerer altid databasen fra en konsistent tilstand til en ny konsistent tilstand</a:t>
             </a:r>
             <a:r>
               <a:rPr lang="da-DK" dirty="0" smtClean="0"/>
               <a:t>.</a:t>
             </a:r>
+          </a:p>
+          <a:p>
+            <a:r>
+              <a:rPr lang="da-DK" b="1" dirty="0" smtClean="0"/>
+              <a:t>I</a:t>
+            </a:r>
+            <a:r>
+              <a:rPr lang="da-DK" dirty="0" smtClean="0"/>
+              <a:t>solation</a:t>
+            </a:r>
+            <a:br>
+              <a:rPr lang="da-DK" dirty="0" smtClean="0"/>
+            </a:br>
+            <a:r>
+              <a:rPr lang="da-DK" dirty="0" smtClean="0"/>
+              <a:t>Transaktioner udføres uafhængigt af hinanden, og hver enkelt transaktion kender intet til de øvrige </a:t>
+            </a:r>
+            <a:r>
+              <a:rPr lang="da-DK" dirty="0" smtClean="0"/>
+              <a:t>transaktioners</a:t>
+            </a:r>
+          </a:p>
+          <a:p>
+            <a:r>
+              <a:rPr lang="da-DK" b="1" dirty="0" err="1" smtClean="0"/>
+              <a:t>D</a:t>
+            </a:r>
+            <a:r>
+              <a:rPr lang="da-DK" dirty="0" err="1" smtClean="0"/>
+              <a:t>urability</a:t>
+            </a:r>
+            <a:r>
+              <a:rPr lang="da-DK" dirty="0" smtClean="0"/>
+              <a:t/>
+            </a:r>
+            <a:br>
+              <a:rPr lang="da-DK" dirty="0" smtClean="0"/>
+            </a:br>
+            <a:r>
+              <a:rPr lang="da-DK" dirty="0" smtClean="0"/>
+              <a:t>En succesfuld gennemført transaktion medfører altid, at effekten af operationerne bliver </a:t>
+            </a:r>
+            <a:r>
+              <a:rPr lang="da-DK" dirty="0" smtClean="0"/>
+              <a:t>gemt </a:t>
+            </a:r>
+            <a:r>
+              <a:rPr lang="da-DK" dirty="0" smtClean="0"/>
+              <a:t>i database </a:t>
+            </a:r>
+            <a:r>
+              <a:rPr lang="da-DK" dirty="0" smtClean="0"/>
+              <a:t>filen</a:t>
+            </a:r>
+            <a:endParaRPr lang="da-DK" dirty="0" smtClean="0"/>
+          </a:p>
+          <a:p>
+            <a:endParaRPr lang="da-DK" dirty="0" smtClean="0"/>
+          </a:p>
+          <a:p>
             <a:endParaRPr lang="da-DK" dirty="0"/>
           </a:p>
           <a:p>
@@ -4009,7 +3873,7 @@
     </p:spTree>
     <p:extLst>
       <p:ext uri="{BB962C8B-B14F-4D97-AF65-F5344CB8AC3E}">
-        <p14:creationId xmlns:p14="http://schemas.microsoft.com/office/powerpoint/2010/main" val="1959730664"/>
+        <p14:creationId xmlns:p14="http://schemas.microsoft.com/office/powerpoint/2010/main" xmlns="" val="1959730664"/>
       </p:ext>
     </p:extLst>
   </p:cSld>
@@ -4053,7 +3917,7 @@
           <a:p>
             <a:r>
               <a:rPr lang="da-DK" dirty="0" smtClean="0"/>
-              <a:t>ACID (fortsat)</a:t>
+              <a:t>Låse</a:t>
             </a:r>
             <a:endParaRPr lang="da-DK" dirty="0"/>
           </a:p>
@@ -4072,74 +3936,120 @@
         <p:spPr/>
         <p:txBody>
           <a:bodyPr>
-            <a:normAutofit lnSpcReduction="10000"/>
+            <a:normAutofit/>
           </a:bodyPr>
           <a:lstStyle/>
           <a:p>
             <a:r>
-              <a:rPr lang="da-DK" b="1" dirty="0" smtClean="0"/>
-              <a:t>I</a:t>
-            </a:r>
-            <a:r>
-              <a:rPr lang="da-DK" dirty="0" smtClean="0"/>
-              <a:t>solation</a:t>
-            </a:r>
-            <a:br>
-              <a:rPr lang="da-DK" dirty="0" smtClean="0"/>
-            </a:br>
+              <a:rPr lang="da-DK" dirty="0" smtClean="0"/>
+              <a:t>Låse </a:t>
+            </a:r>
             <a:r>
               <a:rPr lang="da-DK" dirty="0"/>
-              <a:t>Transaktioner udføres uafhængigt af hinanden, og hver enkelt transaktion kender intet til de øvrige transaktioners forløb og de tilstande som data er i på et givent tidspunkt. </a:t>
+              <a:t>(</a:t>
+            </a:r>
+            <a:r>
+              <a:rPr lang="da-DK" i="1" dirty="0" err="1"/>
+              <a:t>locks</a:t>
+            </a:r>
+            <a:r>
+              <a:rPr lang="da-DK" dirty="0"/>
+              <a:t>) </a:t>
+            </a:r>
+            <a:r>
+              <a:rPr lang="da-DK" dirty="0" smtClean="0"/>
+              <a:t>forhindrer</a:t>
+            </a:r>
+            <a:r>
+              <a:rPr lang="da-DK" dirty="0"/>
+              <a:t>, at mere end én transaktion kan manipulere et givent data item af </a:t>
+            </a:r>
+            <a:r>
+              <a:rPr lang="da-DK" dirty="0" smtClean="0"/>
+              <a:t>gangen</a:t>
+            </a:r>
+          </a:p>
+          <a:p>
+            <a:r>
+              <a:rPr lang="da-DK" dirty="0"/>
+              <a:t>Der findes to typer låse: </a:t>
             </a:r>
             <a:r>
               <a:rPr lang="da-DK" dirty="0" err="1"/>
-              <a:t>DBMS’en</a:t>
+              <a:t>læse-låse</a:t>
             </a:r>
             <a:r>
               <a:rPr lang="da-DK" dirty="0"/>
-              <a:t> samtidigheds kontrol subsystem sikrer denne egenskab, når flere samtidige transaktioner udføres parallelt.</a:t>
-            </a:r>
-          </a:p>
-          <a:p>
-            <a:r>
-              <a:rPr lang="da-DK" b="1" dirty="0" err="1" smtClean="0"/>
-              <a:t>D</a:t>
-            </a:r>
-            <a:r>
-              <a:rPr lang="da-DK" dirty="0" err="1" smtClean="0"/>
-              <a:t>urability</a:t>
+              <a:t> </a:t>
+            </a:r>
+            <a:r>
+              <a:rPr lang="da-DK" i="1" dirty="0" err="1" smtClean="0"/>
+              <a:t>shared</a:t>
+            </a:r>
+            <a:r>
+              <a:rPr lang="da-DK" i="1" dirty="0" smtClean="0"/>
+              <a:t> </a:t>
+            </a:r>
+            <a:r>
+              <a:rPr lang="da-DK" i="1" dirty="0" err="1" smtClean="0"/>
+              <a:t>locks</a:t>
+            </a:r>
+            <a:r>
+              <a:rPr lang="da-DK" dirty="0" smtClean="0"/>
+              <a:t> </a:t>
             </a:r>
             <a:r>
               <a:rPr lang="da-DK" dirty="0"/>
-              <a:t/>
-            </a:r>
-            <a:br>
+              <a:t>og </a:t>
+            </a:r>
+            <a:r>
+              <a:rPr lang="da-DK" dirty="0" err="1"/>
+              <a:t>skrive-låse</a:t>
+            </a:r>
+            <a:r>
               <a:rPr lang="da-DK" dirty="0"/>
-            </a:br>
+              <a:t> </a:t>
+            </a:r>
+            <a:r>
+              <a:rPr lang="da-DK" i="1" dirty="0" smtClean="0"/>
+              <a:t>eksklusive </a:t>
+            </a:r>
+            <a:r>
+              <a:rPr lang="da-DK" i="1" dirty="0" err="1" smtClean="0"/>
+              <a:t>locks</a:t>
+            </a:r>
+            <a:endParaRPr lang="da-DK" dirty="0" smtClean="0"/>
+          </a:p>
+          <a:p>
             <a:r>
               <a:rPr lang="da-DK" dirty="0"/>
-              <a:t>En succesfuld gennemført transaktion medfører altid, at effekten af operationerne bliver persisteret, dvs. gemt i database filen. Skulle </a:t>
-            </a:r>
-            <a:r>
-              <a:rPr lang="da-DK" dirty="0" err="1"/>
-              <a:t>DBMS’en</a:t>
+              <a:t>Hvis et data item kun skal læses, anvendes en </a:t>
+            </a:r>
+            <a:r>
+              <a:rPr lang="da-DK" i="1" dirty="0" err="1"/>
+              <a:t>shared-lock</a:t>
             </a:r>
             <a:r>
               <a:rPr lang="da-DK" dirty="0"/>
-              <a:t> efterfølgende gå ned eller databasen blive ødelagt, kan effekten af transaktionen genetableres</a:t>
-            </a:r>
-            <a:r>
-              <a:rPr lang="da-DK" dirty="0" smtClean="0"/>
-              <a:t>.</a:t>
-            </a:r>
-            <a:endParaRPr lang="da-DK" dirty="0"/>
+              <a:t> som andre transaktioner kan </a:t>
+            </a:r>
+            <a:r>
+              <a:rPr lang="da-DK" dirty="0" smtClean="0"/>
+              <a:t>dele</a:t>
+            </a:r>
+          </a:p>
+          <a:p>
+            <a:r>
+              <a:rPr lang="da-DK" dirty="0"/>
+              <a:t>Derved låses data item ikke for andre læse operationer, men kun for skrive operationer</a:t>
+            </a:r>
           </a:p>
         </p:txBody>
       </p:sp>
     </p:spTree>
     <p:extLst>
       <p:ext uri="{BB962C8B-B14F-4D97-AF65-F5344CB8AC3E}">
-        <p14:creationId xmlns:p14="http://schemas.microsoft.com/office/powerpoint/2010/main" val="376199591"/>
+        <p14:creationId xmlns:p14="http://schemas.microsoft.com/office/powerpoint/2010/main" xmlns="" val="1093069934"/>
       </p:ext>
     </p:extLst>
   </p:cSld>
@@ -4183,7 +4093,7 @@
           <a:p>
             <a:r>
               <a:rPr lang="da-DK" dirty="0" smtClean="0"/>
-              <a:t>Låse</a:t>
+              <a:t>Låse (fortsat)</a:t>
             </a:r>
             <a:endParaRPr lang="da-DK" dirty="0"/>
           </a:p>
@@ -4201,58 +4111,16 @@
         </p:nvSpPr>
         <p:spPr/>
         <p:txBody>
-          <a:bodyPr>
-            <a:normAutofit fontScale="92500" lnSpcReduction="20000"/>
-          </a:bodyPr>
-          <a:lstStyle/>
-          <a:p>
-            <a:r>
-              <a:rPr lang="da-DK" dirty="0" smtClean="0"/>
-              <a:t>Når </a:t>
-            </a:r>
+          <a:bodyPr/>
+          <a:lstStyle/>
+          <a:p>
             <a:r>
               <a:rPr lang="da-DK" dirty="0"/>
-              <a:t>flere samtidige transaktioner udføres på en database, skal DBMS sikre at de enkelte transaktioner ikke kommer i konflikt med </a:t>
-            </a:r>
-            <a:r>
-              <a:rPr lang="da-DK" dirty="0" smtClean="0"/>
-              <a:t>hinanden, hvis </a:t>
-            </a:r>
-            <a:r>
-              <a:rPr lang="da-DK" dirty="0"/>
-              <a:t>de manipulerer de samme data items</a:t>
-            </a:r>
-            <a:r>
-              <a:rPr lang="da-DK" dirty="0" smtClean="0"/>
-              <a:t>.</a:t>
-            </a:r>
-          </a:p>
-          <a:p>
-            <a:r>
-              <a:rPr lang="da-DK" dirty="0"/>
-              <a:t>Et eksempel på en metode er anvendelsen af låse (</a:t>
+              <a:t>Hvis et data item derimod skal manipuleres (opdateres eller slettes), anvendes en </a:t>
             </a:r>
             <a:r>
               <a:rPr lang="da-DK" i="1" dirty="0" err="1"/>
-              <a:t>locks</a:t>
-            </a:r>
-            <a:r>
-              <a:rPr lang="da-DK" dirty="0"/>
-              <a:t>) som forhindrer, at mere end én transaktion kan manipulere et givent data item af </a:t>
-            </a:r>
-            <a:r>
-              <a:rPr lang="da-DK" dirty="0" smtClean="0"/>
-              <a:t>gangen</a:t>
-            </a:r>
-          </a:p>
-          <a:p>
-            <a:r>
-              <a:rPr lang="da-DK" dirty="0"/>
-              <a:t>Der findes to typer låse: læse-låse (</a:t>
-            </a:r>
-            <a:r>
-              <a:rPr lang="da-DK" i="1" dirty="0" err="1"/>
-              <a:t>shared</a:t>
+              <a:t>exclusive</a:t>
             </a:r>
             <a:r>
               <a:rPr lang="da-DK" i="1" dirty="0"/>
@@ -4260,67 +4128,53 @@
             </a:r>
             <a:r>
               <a:rPr lang="da-DK" i="1" dirty="0" err="1"/>
-              <a:t>locks</a:t>
+              <a:t>lock</a:t>
             </a:r>
             <a:r>
               <a:rPr lang="da-DK" dirty="0"/>
-              <a:t>) og skrive-låse (</a:t>
-            </a:r>
-            <a:r>
-              <a:rPr lang="da-DK" i="1" dirty="0"/>
-              <a:t>eksklusive </a:t>
-            </a:r>
-            <a:r>
-              <a:rPr lang="da-DK" i="1" dirty="0" err="1"/>
-              <a:t>locks</a:t>
+              <a:t> som forhindrer alle andre transaktioner i at få en lås på samme data </a:t>
+            </a:r>
+            <a:r>
+              <a:rPr lang="da-DK" dirty="0" smtClean="0"/>
+              <a:t>item</a:t>
+            </a:r>
+          </a:p>
+          <a:p>
+            <a:r>
+              <a:rPr lang="da-DK" dirty="0" smtClean="0"/>
+              <a:t>Når </a:t>
             </a:r>
             <a:r>
               <a:rPr lang="da-DK" dirty="0"/>
-              <a:t>), som </a:t>
-            </a:r>
-            <a:r>
-              <a:rPr lang="da-DK" dirty="0" err="1"/>
-              <a:t>DBMS’en</a:t>
+              <a:t>en operation er gennemført, frigiver DBMS data item igen ved at fjerne </a:t>
+            </a:r>
+            <a:r>
+              <a:rPr lang="da-DK" dirty="0" smtClean="0"/>
+              <a:t>låsen</a:t>
+            </a:r>
+          </a:p>
+          <a:p>
+            <a:r>
+              <a:rPr lang="da-DK" dirty="0" smtClean="0"/>
+              <a:t>Herefter </a:t>
             </a:r>
             <a:r>
               <a:rPr lang="da-DK" dirty="0"/>
-              <a:t> bruger afhængig af den operation, som udføres på et givent tidspunkt i løbet af en </a:t>
-            </a:r>
-            <a:r>
-              <a:rPr lang="da-DK" dirty="0" smtClean="0"/>
-              <a:t>transaktion</a:t>
-            </a:r>
-          </a:p>
-          <a:p>
-            <a:r>
-              <a:rPr lang="da-DK" dirty="0"/>
-              <a:t>Hvis et data item kun skal læses, anvendes en </a:t>
-            </a:r>
-            <a:r>
-              <a:rPr lang="da-DK" i="1" dirty="0" err="1"/>
-              <a:t>shared-lock</a:t>
-            </a:r>
-            <a:r>
-              <a:rPr lang="da-DK" dirty="0"/>
-              <a:t> som andre transaktioner kan </a:t>
-            </a:r>
-            <a:r>
-              <a:rPr lang="da-DK" dirty="0" smtClean="0"/>
-              <a:t>dele</a:t>
-            </a:r>
-          </a:p>
-          <a:p>
-            <a:r>
-              <a:rPr lang="da-DK" dirty="0"/>
-              <a:t>Derved låses data item ikke for andre læse operationer, men kun for skrive operationer</a:t>
-            </a:r>
+              <a:t>kan andre transaktioner anmode om at få låsen til det pågældende data item.</a:t>
+            </a:r>
+          </a:p>
+          <a:p>
+            <a:endParaRPr lang="da-DK" dirty="0" smtClean="0"/>
+          </a:p>
+          <a:p>
+            <a:endParaRPr lang="da-DK" dirty="0"/>
           </a:p>
         </p:txBody>
       </p:sp>
     </p:spTree>
     <p:extLst>
       <p:ext uri="{BB962C8B-B14F-4D97-AF65-F5344CB8AC3E}">
-        <p14:creationId xmlns:p14="http://schemas.microsoft.com/office/powerpoint/2010/main" val="1093069934"/>
+        <p14:creationId xmlns:p14="http://schemas.microsoft.com/office/powerpoint/2010/main" xmlns="" val="3234910410"/>
       </p:ext>
     </p:extLst>
   </p:cSld>
@@ -4363,8 +4217,8 @@
           <a:lstStyle/>
           <a:p>
             <a:r>
-              <a:rPr lang="da-DK" dirty="0" smtClean="0"/>
-              <a:t>Låse (fortsat)</a:t>
+              <a:rPr lang="da-DK" dirty="0" err="1" smtClean="0"/>
+              <a:t>Deadlocks</a:t>
             </a:r>
             <a:endParaRPr lang="da-DK" dirty="0"/>
           </a:p>
@@ -4382,62 +4236,108 @@
         </p:nvSpPr>
         <p:spPr/>
         <p:txBody>
-          <a:bodyPr/>
-          <a:lstStyle/>
-          <a:p>
-            <a:r>
-              <a:rPr lang="da-DK" dirty="0"/>
-              <a:t>Hvis et data item derimod skal manipuleres (opdateres eller slettes), anvendes en </a:t>
-            </a:r>
-            <a:r>
-              <a:rPr lang="da-DK" i="1" dirty="0" err="1"/>
+          <a:bodyPr>
+            <a:normAutofit fontScale="85000" lnSpcReduction="20000"/>
+          </a:bodyPr>
+          <a:lstStyle/>
+          <a:p>
+            <a:r>
+              <a:rPr lang="da-DK" dirty="0" err="1" smtClean="0"/>
+              <a:t>Deadlocks</a:t>
+            </a:r>
+            <a:r>
+              <a:rPr lang="da-DK" dirty="0" smtClean="0"/>
+              <a:t> er en tilstand, hvor to transaktioner får en cyklisk afhængighed af hinanden</a:t>
+            </a:r>
+          </a:p>
+          <a:p>
+            <a:r>
+              <a:rPr lang="da-DK" dirty="0" smtClean="0"/>
+              <a:t>Transaktion A har en operation, hvor den har fået tildelt en </a:t>
+            </a:r>
+            <a:r>
+              <a:rPr lang="da-DK" dirty="0" err="1" smtClean="0"/>
+              <a:t>shared</a:t>
+            </a:r>
+            <a:r>
+              <a:rPr lang="da-DK" dirty="0" smtClean="0"/>
+              <a:t> lås på dataitem 1</a:t>
+            </a:r>
+          </a:p>
+          <a:p>
+            <a:r>
+              <a:rPr lang="da-DK" dirty="0" smtClean="0"/>
+              <a:t>Transaktion B har en operation, hvor den har fået tildelt en </a:t>
+            </a:r>
+            <a:r>
+              <a:rPr lang="da-DK" dirty="0" err="1" smtClean="0"/>
+              <a:t>shared</a:t>
+            </a:r>
+            <a:r>
+              <a:rPr lang="da-DK" dirty="0" smtClean="0"/>
+              <a:t> lås på dataitem 2</a:t>
+            </a:r>
+          </a:p>
+          <a:p>
+            <a:r>
+              <a:rPr lang="da-DK" dirty="0" smtClean="0"/>
+              <a:t>Transaktion A anmoder nu om at få en </a:t>
+            </a:r>
+            <a:r>
+              <a:rPr lang="da-DK" dirty="0" err="1" smtClean="0"/>
               <a:t>exclusive</a:t>
             </a:r>
             <a:r>
-              <a:rPr lang="da-DK" i="1" dirty="0"/>
-              <a:t> </a:t>
-            </a:r>
-            <a:r>
-              <a:rPr lang="da-DK" i="1" dirty="0" err="1"/>
-              <a:t>lock</a:t>
-            </a:r>
-            <a:r>
-              <a:rPr lang="da-DK" dirty="0"/>
-              <a:t> som forhindrer alle andre transaktioner i at få en lås på samme data </a:t>
-            </a:r>
-            <a:r>
-              <a:rPr lang="da-DK" dirty="0" smtClean="0"/>
-              <a:t>item</a:t>
-            </a:r>
-          </a:p>
-          <a:p>
-            <a:r>
-              <a:rPr lang="da-DK" dirty="0" smtClean="0"/>
-              <a:t>Når </a:t>
-            </a:r>
-            <a:r>
-              <a:rPr lang="da-DK" dirty="0"/>
-              <a:t>en operation er gennemført, frigiver DBMS data item igen ved at fjerne </a:t>
-            </a:r>
-            <a:r>
-              <a:rPr lang="da-DK" dirty="0" smtClean="0"/>
-              <a:t>låsen</a:t>
-            </a:r>
-          </a:p>
-          <a:p>
-            <a:r>
-              <a:rPr lang="da-DK" dirty="0" smtClean="0"/>
-              <a:t>Herefter </a:t>
-            </a:r>
-            <a:r>
-              <a:rPr lang="da-DK" dirty="0"/>
-              <a:t>kan andre transaktioner anmode om at få låsen til det pågældende data item.</a:t>
-            </a:r>
-          </a:p>
-          <a:p>
+              <a:rPr lang="da-DK" dirty="0" smtClean="0"/>
+              <a:t> lås på dataitem 2, som pt. er låst af Transaktion B. Transaktion A venter på at </a:t>
+            </a:r>
+            <a:r>
+              <a:rPr lang="da-DK" dirty="0" err="1" smtClean="0"/>
+              <a:t>shared</a:t>
+            </a:r>
+            <a:r>
+              <a:rPr lang="da-DK" dirty="0" smtClean="0"/>
+              <a:t> lås på dataitem 2 frigives</a:t>
+            </a:r>
+          </a:p>
+          <a:p>
+            <a:r>
+              <a:rPr lang="da-DK" dirty="0" smtClean="0"/>
+              <a:t>Transaktion B anmoder nu om at få en </a:t>
+            </a:r>
+            <a:r>
+              <a:rPr lang="da-DK" dirty="0" err="1" smtClean="0"/>
+              <a:t>exclusive</a:t>
+            </a:r>
+            <a:r>
+              <a:rPr lang="da-DK" dirty="0" smtClean="0"/>
+              <a:t> lås på dataitem 1, som pt. er låst af Transaktion A. Transaktion B venter på at låsen på dataitem 1 frigives</a:t>
+            </a:r>
+          </a:p>
+          <a:p>
+            <a:r>
+              <a:rPr lang="da-DK" dirty="0" smtClean="0"/>
+              <a:t>Ingen af transaktionerne kan komme videre, og der er opstået en </a:t>
+            </a:r>
+            <a:r>
+              <a:rPr lang="da-DK" dirty="0" err="1" smtClean="0"/>
+              <a:t>deadlock</a:t>
+            </a:r>
             <a:endParaRPr lang="da-DK" dirty="0" smtClean="0"/>
           </a:p>
           <a:p>
+            <a:r>
+              <a:rPr lang="da-DK" dirty="0" smtClean="0"/>
+              <a:t>DBMS har typisk periodisk overvågning af cykliske afhængigheder. Finder den en, </a:t>
+            </a:r>
+            <a:r>
+              <a:rPr lang="da-DK" dirty="0" err="1" smtClean="0"/>
+              <a:t>termineres</a:t>
+            </a:r>
+            <a:r>
+              <a:rPr lang="da-DK" dirty="0" smtClean="0"/>
+              <a:t> én af transaktionerne, som må starte forfra</a:t>
+            </a:r>
             <a:endParaRPr lang="da-DK" dirty="0"/>
           </a:p>
         </p:txBody>
@@ -4445,7 +4345,7 @@
     </p:spTree>
     <p:extLst>
       <p:ext uri="{BB962C8B-B14F-4D97-AF65-F5344CB8AC3E}">
-        <p14:creationId xmlns:p14="http://schemas.microsoft.com/office/powerpoint/2010/main" val="3234910410"/>
+        <p14:creationId xmlns:p14="http://schemas.microsoft.com/office/powerpoint/2010/main" xmlns="" val="1434816220"/>
       </p:ext>
     </p:extLst>
   </p:cSld>
@@ -4488,8 +4388,8 @@
           <a:lstStyle/>
           <a:p>
             <a:r>
-              <a:rPr lang="da-DK" dirty="0" err="1" smtClean="0"/>
-              <a:t>Deadlocks</a:t>
+              <a:rPr lang="da-DK" dirty="0" smtClean="0"/>
+              <a:t>To fase låse</a:t>
             </a:r>
             <a:endParaRPr lang="da-DK" dirty="0"/>
           </a:p>
@@ -4508,115 +4408,130 @@
         <p:spPr/>
         <p:txBody>
           <a:bodyPr>
-            <a:normAutofit fontScale="85000" lnSpcReduction="20000"/>
+            <a:normAutofit lnSpcReduction="10000"/>
           </a:bodyPr>
           <a:lstStyle/>
           <a:p>
             <a:r>
-              <a:rPr lang="da-DK" dirty="0" err="1" smtClean="0"/>
-              <a:t>Deadlocks</a:t>
-            </a:r>
-            <a:r>
-              <a:rPr lang="da-DK" dirty="0" smtClean="0"/>
-              <a:t> er en tilstand, hvor to transaktioner får en cyklisk afhængighed af hinanden</a:t>
-            </a:r>
-          </a:p>
-          <a:p>
-            <a:r>
-              <a:rPr lang="da-DK" dirty="0" smtClean="0"/>
-              <a:t>Transaktion A har en operation, hvor den har fået tildelt en </a:t>
-            </a:r>
-            <a:r>
-              <a:rPr lang="da-DK" dirty="0" err="1" smtClean="0"/>
-              <a:t>shared</a:t>
-            </a:r>
-            <a:r>
-              <a:rPr lang="da-DK" dirty="0" smtClean="0"/>
-              <a:t> lås på dataitem 1</a:t>
-            </a:r>
-          </a:p>
-          <a:p>
-            <a:r>
-              <a:rPr lang="da-DK" dirty="0" smtClean="0"/>
-              <a:t>Transaktion B har en operation, hvor den har fået tildelt en </a:t>
-            </a:r>
-            <a:r>
-              <a:rPr lang="da-DK" dirty="0" err="1" smtClean="0"/>
-              <a:t>shared</a:t>
-            </a:r>
-            <a:r>
-              <a:rPr lang="da-DK" dirty="0" smtClean="0"/>
-              <a:t> lås på dataitem 2</a:t>
-            </a:r>
-          </a:p>
-          <a:p>
-            <a:r>
-              <a:rPr lang="da-DK" dirty="0" smtClean="0"/>
-              <a:t>Transaktion A anmoder nu om at få en </a:t>
-            </a:r>
-            <a:r>
-              <a:rPr lang="da-DK" dirty="0" err="1" smtClean="0"/>
-              <a:t>exclusive</a:t>
-            </a:r>
-            <a:r>
-              <a:rPr lang="da-DK" dirty="0" smtClean="0"/>
-              <a:t> lås på dataitem 2, som pt. er låst af Transaktion B. Transaktion A venter på at </a:t>
-            </a:r>
-            <a:r>
-              <a:rPr lang="da-DK" dirty="0" err="1" smtClean="0"/>
-              <a:t>shared</a:t>
-            </a:r>
-            <a:r>
-              <a:rPr lang="da-DK" dirty="0" smtClean="0"/>
-              <a:t> lås på dataitem 2 frigives</a:t>
-            </a:r>
-          </a:p>
-          <a:p>
-            <a:r>
-              <a:rPr lang="da-DK" dirty="0" smtClean="0"/>
-              <a:t>Transaktion B anmoder nu om at få en </a:t>
-            </a:r>
-            <a:r>
-              <a:rPr lang="da-DK" dirty="0" err="1" smtClean="0"/>
-              <a:t>exclusive</a:t>
-            </a:r>
-            <a:r>
-              <a:rPr lang="da-DK" dirty="0" smtClean="0"/>
-              <a:t> lås på dataitem 1, som pt. er låst af Transaktion A. Transaktion B venter på at låsen på dataitem 1 frigives</a:t>
-            </a:r>
-          </a:p>
-          <a:p>
-            <a:r>
-              <a:rPr lang="da-DK" dirty="0" smtClean="0"/>
-              <a:t>Ingen af transaktionerne kan komme videre, og der er opstået en </a:t>
-            </a:r>
-            <a:r>
-              <a:rPr lang="da-DK" dirty="0" err="1" smtClean="0"/>
-              <a:t>deadlock</a:t>
+              <a:rPr lang="da-DK" dirty="0"/>
+              <a:t>En transaktion inddeles i to faser: </a:t>
+            </a:r>
+            <a:r>
+              <a:rPr lang="da-DK" i="1" dirty="0"/>
+              <a:t>growing </a:t>
+            </a:r>
+            <a:r>
+              <a:rPr lang="da-DK" i="1" dirty="0" err="1"/>
+              <a:t>phase</a:t>
+            </a:r>
+            <a:r>
+              <a:rPr lang="da-DK" dirty="0"/>
+              <a:t> og </a:t>
+            </a:r>
+            <a:r>
+              <a:rPr lang="da-DK" i="1" dirty="0" err="1"/>
+              <a:t>shrinking</a:t>
+            </a:r>
+            <a:r>
+              <a:rPr lang="da-DK" i="1" dirty="0"/>
+              <a:t> </a:t>
+            </a:r>
+            <a:r>
+              <a:rPr lang="da-DK" i="1" dirty="0" err="1"/>
+              <a:t>phase</a:t>
+            </a:r>
+            <a:r>
+              <a:rPr lang="da-DK" dirty="0"/>
+              <a:t>.</a:t>
+            </a:r>
+          </a:p>
+          <a:p>
+            <a:r>
+              <a:rPr lang="da-DK" dirty="0"/>
+              <a:t>I </a:t>
+            </a:r>
+            <a:r>
+              <a:rPr lang="da-DK" i="1" dirty="0"/>
+              <a:t>growing </a:t>
+            </a:r>
+            <a:r>
+              <a:rPr lang="da-DK" i="1" dirty="0" err="1"/>
+              <a:t>phase</a:t>
+            </a:r>
+            <a:r>
+              <a:rPr lang="da-DK" dirty="0"/>
+              <a:t> tildeler DBMS låse til de data items, som operationerne foretages på. Det sker inden operationen </a:t>
+            </a:r>
+            <a:r>
+              <a:rPr lang="da-DK" dirty="0" smtClean="0"/>
+              <a:t>udføres</a:t>
+            </a:r>
+          </a:p>
+          <a:p>
+            <a:r>
+              <a:rPr lang="da-DK" dirty="0"/>
+              <a:t>Nøgler tildeles ikke nødvendigvis på én gang, men bliver tildelt efterhånden som operationerne kræver </a:t>
+            </a:r>
+            <a:r>
+              <a:rPr lang="da-DK" dirty="0" smtClean="0"/>
+              <a:t>det</a:t>
+            </a:r>
+          </a:p>
+          <a:p>
+            <a:r>
+              <a:rPr lang="da-DK" dirty="0"/>
+              <a:t>I denne fase frigives ingen tildelte låse, før alle nødvendige låse er tildelt.</a:t>
+            </a:r>
+          </a:p>
+          <a:p>
+            <a:r>
+              <a:rPr lang="da-DK" dirty="0"/>
+              <a:t>I </a:t>
+            </a:r>
+            <a:r>
+              <a:rPr lang="da-DK" i="1" dirty="0" err="1"/>
+              <a:t>shrinking</a:t>
+            </a:r>
+            <a:r>
+              <a:rPr lang="da-DK" i="1" dirty="0"/>
+              <a:t> </a:t>
+            </a:r>
+            <a:r>
+              <a:rPr lang="da-DK" i="1" dirty="0" err="1"/>
+              <a:t>phase</a:t>
+            </a:r>
+            <a:r>
+              <a:rPr lang="da-DK" i="1" dirty="0"/>
+              <a:t> </a:t>
+            </a:r>
+            <a:r>
+              <a:rPr lang="da-DK" dirty="0" smtClean="0"/>
+              <a:t>tildeler DBMS ikke længere nye </a:t>
+            </a:r>
+            <a:r>
+              <a:rPr lang="da-DK" dirty="0" smtClean="0"/>
+              <a:t>låse, men afgiver</a:t>
+            </a:r>
+            <a:r>
+              <a:rPr lang="da-DK" dirty="0" smtClean="0"/>
+              <a:t> </a:t>
+            </a:r>
+            <a:r>
+              <a:rPr lang="da-DK" dirty="0"/>
+              <a:t>alle låsene igen, når sidste operation i transaktionen som gør brug af en lås, er </a:t>
+            </a:r>
+            <a:r>
+              <a:rPr lang="da-DK" dirty="0" smtClean="0"/>
+              <a:t>færdig</a:t>
             </a:r>
             <a:endParaRPr lang="da-DK" dirty="0" smtClean="0"/>
-          </a:p>
-          <a:p>
-            <a:r>
-              <a:rPr lang="da-DK" dirty="0" smtClean="0"/>
-              <a:t>DBMS har typisk periodisk overvågning af cykliske afhængigheder. Finder den en, </a:t>
-            </a:r>
-            <a:r>
-              <a:rPr lang="da-DK" dirty="0" err="1" smtClean="0"/>
-              <a:t>termineres</a:t>
-            </a:r>
-            <a:r>
-              <a:rPr lang="da-DK" dirty="0" smtClean="0"/>
-              <a:t> én af transaktionerne, som må starte forfra</a:t>
-            </a:r>
-            <a:endParaRPr lang="da-DK" dirty="0"/>
           </a:p>
         </p:txBody>
       </p:sp>
     </p:spTree>
     <p:extLst>
       <p:ext uri="{BB962C8B-B14F-4D97-AF65-F5344CB8AC3E}">
-        <p14:creationId xmlns:p14="http://schemas.microsoft.com/office/powerpoint/2010/main" val="1434816220"/>
+        <p14:creationId xmlns:p14="http://schemas.microsoft.com/office/powerpoint/2010/main" xmlns="" val="3153907886"/>
       </p:ext>
     </p:extLst>
   </p:cSld>
@@ -4669,7 +4584,7 @@
     </a:clrScheme>
     <a:fontScheme name="Kontor">
       <a:majorFont>
-        <a:latin typeface="Calibri Light" panose="020F0302020204030204"/>
+        <a:latin typeface="Calibri Light"/>
         <a:ea typeface=""/>
         <a:cs typeface=""/>
         <a:font script="Jpan" typeface="ＭＳ Ｐゴシック"/>
@@ -4704,7 +4619,7 @@
         <a:font script="Geor" typeface="Sylfaen"/>
       </a:majorFont>
       <a:minorFont>
-        <a:latin typeface="Calibri" panose="020F0502020204030204"/>
+        <a:latin typeface="Calibri"/>
         <a:ea typeface=""/>
         <a:cs typeface=""/>
         <a:font script="Jpan" typeface="ＭＳ Ｐゴシック"/>
@@ -4881,7 +4796,7 @@
   <a:extraClrSchemeLst/>
   <a:extLst>
     <a:ext uri="{05A4C25C-085E-4340-85A3-A5531E510DB2}">
-      <thm15:themeFamily xmlns:thm15="http://schemas.microsoft.com/office/thememl/2012/main" name="Office Theme" id="{62F939B6-93AF-4DB8-9C6B-D6C7DFDC589F}" vid="{4A3C46E8-61CC-4603-A589-7422A47A8E4A}"/>
+      <thm15:themeFamily xmlns:thm15="http://schemas.microsoft.com/office/thememl/2012/main" xmlns="" name="Office Theme" id="{62F939B6-93AF-4DB8-9C6B-D6C7DFDC589F}" vid="{4A3C46E8-61CC-4603-A589-7422A47A8E4A}"/>
     </a:ext>
   </a:extLst>
 </a:theme>

--- a/eventmanagement/Præsentation.pptx
+++ b/eventmanagement/Præsentation.pptx
@@ -116,7 +116,7 @@
   </p:defaultTextStyle>
   <p:extLst>
     <p:ext uri="{EFAFB233-063F-42B5-8137-9DF3F51BA10A}">
-      <p15:sldGuideLst xmlns:p15="http://schemas.microsoft.com/office/powerpoint/2012/main" xmlns=""/>
+      <p15:sldGuideLst xmlns="" xmlns:p15="http://schemas.microsoft.com/office/powerpoint/2012/main"/>
     </p:ext>
   </p:extLst>
 </p:presentation>
@@ -306,7 +306,7 @@
     </p:spTree>
     <p:extLst>
       <p:ext uri="{BB962C8B-B14F-4D97-AF65-F5344CB8AC3E}">
-        <p14:creationId xmlns:p14="http://schemas.microsoft.com/office/powerpoint/2010/main" xmlns="" val="4284479333"/>
+        <p14:creationId xmlns="" xmlns:p14="http://schemas.microsoft.com/office/powerpoint/2010/main" val="4284479333"/>
       </p:ext>
     </p:extLst>
   </p:cSld>
@@ -478,7 +478,7 @@
     </p:spTree>
     <p:extLst>
       <p:ext uri="{BB962C8B-B14F-4D97-AF65-F5344CB8AC3E}">
-        <p14:creationId xmlns:p14="http://schemas.microsoft.com/office/powerpoint/2010/main" xmlns="" val="1070819038"/>
+        <p14:creationId xmlns="" xmlns:p14="http://schemas.microsoft.com/office/powerpoint/2010/main" val="1070819038"/>
       </p:ext>
     </p:extLst>
   </p:cSld>
@@ -660,7 +660,7 @@
     </p:spTree>
     <p:extLst>
       <p:ext uri="{BB962C8B-B14F-4D97-AF65-F5344CB8AC3E}">
-        <p14:creationId xmlns:p14="http://schemas.microsoft.com/office/powerpoint/2010/main" xmlns="" val="3282250857"/>
+        <p14:creationId xmlns="" xmlns:p14="http://schemas.microsoft.com/office/powerpoint/2010/main" val="3282250857"/>
       </p:ext>
     </p:extLst>
   </p:cSld>
@@ -832,7 +832,7 @@
     </p:spTree>
     <p:extLst>
       <p:ext uri="{BB962C8B-B14F-4D97-AF65-F5344CB8AC3E}">
-        <p14:creationId xmlns:p14="http://schemas.microsoft.com/office/powerpoint/2010/main" xmlns="" val="1191869019"/>
+        <p14:creationId xmlns="" xmlns:p14="http://schemas.microsoft.com/office/powerpoint/2010/main" val="1191869019"/>
       </p:ext>
     </p:extLst>
   </p:cSld>
@@ -1080,7 +1080,7 @@
     </p:spTree>
     <p:extLst>
       <p:ext uri="{BB962C8B-B14F-4D97-AF65-F5344CB8AC3E}">
-        <p14:creationId xmlns:p14="http://schemas.microsoft.com/office/powerpoint/2010/main" xmlns="" val="2719660000"/>
+        <p14:creationId xmlns="" xmlns:p14="http://schemas.microsoft.com/office/powerpoint/2010/main" val="2719660000"/>
       </p:ext>
     </p:extLst>
   </p:cSld>
@@ -1314,7 +1314,7 @@
     </p:spTree>
     <p:extLst>
       <p:ext uri="{BB962C8B-B14F-4D97-AF65-F5344CB8AC3E}">
-        <p14:creationId xmlns:p14="http://schemas.microsoft.com/office/powerpoint/2010/main" xmlns="" val="568735529"/>
+        <p14:creationId xmlns="" xmlns:p14="http://schemas.microsoft.com/office/powerpoint/2010/main" val="568735529"/>
       </p:ext>
     </p:extLst>
   </p:cSld>
@@ -1683,7 +1683,7 @@
     </p:spTree>
     <p:extLst>
       <p:ext uri="{BB962C8B-B14F-4D97-AF65-F5344CB8AC3E}">
-        <p14:creationId xmlns:p14="http://schemas.microsoft.com/office/powerpoint/2010/main" xmlns="" val="1466691736"/>
+        <p14:creationId xmlns="" xmlns:p14="http://schemas.microsoft.com/office/powerpoint/2010/main" val="1466691736"/>
       </p:ext>
     </p:extLst>
   </p:cSld>
@@ -1803,7 +1803,7 @@
     </p:spTree>
     <p:extLst>
       <p:ext uri="{BB962C8B-B14F-4D97-AF65-F5344CB8AC3E}">
-        <p14:creationId xmlns:p14="http://schemas.microsoft.com/office/powerpoint/2010/main" xmlns="" val="2679254896"/>
+        <p14:creationId xmlns="" xmlns:p14="http://schemas.microsoft.com/office/powerpoint/2010/main" val="2679254896"/>
       </p:ext>
     </p:extLst>
   </p:cSld>
@@ -1900,7 +1900,7 @@
     </p:spTree>
     <p:extLst>
       <p:ext uri="{BB962C8B-B14F-4D97-AF65-F5344CB8AC3E}">
-        <p14:creationId xmlns:p14="http://schemas.microsoft.com/office/powerpoint/2010/main" xmlns="" val="868968547"/>
+        <p14:creationId xmlns="" xmlns:p14="http://schemas.microsoft.com/office/powerpoint/2010/main" val="868968547"/>
       </p:ext>
     </p:extLst>
   </p:cSld>
@@ -2179,7 +2179,7 @@
     </p:spTree>
     <p:extLst>
       <p:ext uri="{BB962C8B-B14F-4D97-AF65-F5344CB8AC3E}">
-        <p14:creationId xmlns:p14="http://schemas.microsoft.com/office/powerpoint/2010/main" xmlns="" val="3688026115"/>
+        <p14:creationId xmlns="" xmlns:p14="http://schemas.microsoft.com/office/powerpoint/2010/main" val="3688026115"/>
       </p:ext>
     </p:extLst>
   </p:cSld>
@@ -2434,7 +2434,7 @@
     </p:spTree>
     <p:extLst>
       <p:ext uri="{BB962C8B-B14F-4D97-AF65-F5344CB8AC3E}">
-        <p14:creationId xmlns:p14="http://schemas.microsoft.com/office/powerpoint/2010/main" xmlns="" val="1158694616"/>
+        <p14:creationId xmlns="" xmlns:p14="http://schemas.microsoft.com/office/powerpoint/2010/main" val="1158694616"/>
       </p:ext>
     </p:extLst>
   </p:cSld>
@@ -2685,7 +2685,7 @@
     </p:spTree>
     <p:extLst>
       <p:ext uri="{BB962C8B-B14F-4D97-AF65-F5344CB8AC3E}">
-        <p14:creationId xmlns:p14="http://schemas.microsoft.com/office/powerpoint/2010/main" xmlns="" val="1499481221"/>
+        <p14:creationId xmlns="" xmlns:p14="http://schemas.microsoft.com/office/powerpoint/2010/main" val="1499481221"/>
       </p:ext>
     </p:extLst>
   </p:cSld>
@@ -3069,7 +3069,7 @@
     </p:spTree>
     <p:extLst>
       <p:ext uri="{BB962C8B-B14F-4D97-AF65-F5344CB8AC3E}">
-        <p14:creationId xmlns:p14="http://schemas.microsoft.com/office/powerpoint/2010/main" xmlns="" val="1234334293"/>
+        <p14:creationId xmlns="" xmlns:p14="http://schemas.microsoft.com/office/powerpoint/2010/main" val="1234334293"/>
       </p:ext>
     </p:extLst>
   </p:cSld>
@@ -3141,7 +3141,7 @@
     </p:spTree>
     <p:extLst>
       <p:ext uri="{BB962C8B-B14F-4D97-AF65-F5344CB8AC3E}">
-        <p14:creationId xmlns:p14="http://schemas.microsoft.com/office/powerpoint/2010/main" xmlns="" val="3637789666"/>
+        <p14:creationId xmlns="" xmlns:p14="http://schemas.microsoft.com/office/powerpoint/2010/main" val="3637789666"/>
       </p:ext>
     </p:extLst>
   </p:cSld>
@@ -3317,7 +3317,7 @@
     </p:spTree>
     <p:extLst>
       <p:ext uri="{BB962C8B-B14F-4D97-AF65-F5344CB8AC3E}">
-        <p14:creationId xmlns:p14="http://schemas.microsoft.com/office/powerpoint/2010/main" xmlns="" val="1884103283"/>
+        <p14:creationId xmlns="" xmlns:p14="http://schemas.microsoft.com/office/powerpoint/2010/main" val="1884103283"/>
       </p:ext>
     </p:extLst>
   </p:cSld>
@@ -3439,7 +3439,7 @@
     </p:spTree>
     <p:extLst>
       <p:ext uri="{BB962C8B-B14F-4D97-AF65-F5344CB8AC3E}">
-        <p14:creationId xmlns:p14="http://schemas.microsoft.com/office/powerpoint/2010/main" xmlns="" val="523185855"/>
+        <p14:creationId xmlns="" xmlns:p14="http://schemas.microsoft.com/office/powerpoint/2010/main" val="523185855"/>
       </p:ext>
     </p:extLst>
   </p:cSld>
@@ -3518,8 +3518,14 @@
           <a:p>
             <a:r>
               <a:rPr lang="da-DK" dirty="0" smtClean="0"/>
-              <a:t>Det klassiske bank-eksempel med penge overførelse</a:t>
-            </a:r>
+              <a:t>Det klassiske bank-eksempel med penge </a:t>
+            </a:r>
+            <a:r>
+              <a:rPr lang="da-DK" dirty="0" smtClean="0"/>
+              <a:t>overførelse</a:t>
+            </a:r>
+          </a:p>
+          <a:p>
             <a:endParaRPr lang="da-DK" dirty="0"/>
           </a:p>
         </p:txBody>
@@ -3527,7 +3533,7 @@
     </p:spTree>
     <p:extLst>
       <p:ext uri="{BB962C8B-B14F-4D97-AF65-F5344CB8AC3E}">
-        <p14:creationId xmlns:p14="http://schemas.microsoft.com/office/powerpoint/2010/main" xmlns="" val="1511833257"/>
+        <p14:creationId xmlns="" xmlns:p14="http://schemas.microsoft.com/office/powerpoint/2010/main" val="1511833257"/>
       </p:ext>
     </p:extLst>
   </p:cSld>
@@ -3590,7 +3596,7 @@
         <p:spPr/>
         <p:txBody>
           <a:bodyPr>
-            <a:normAutofit fontScale="92500" lnSpcReduction="10000"/>
+            <a:normAutofit/>
           </a:bodyPr>
           <a:lstStyle/>
           <a:p>
@@ -3605,18 +3611,8 @@
           </a:p>
           <a:p>
             <a:r>
-              <a:rPr lang="da-DK" dirty="0"/>
-              <a:t>Operationerne er enkelte SQL statements af typen DML (Data Manipulation </a:t>
-            </a:r>
-            <a:r>
-              <a:rPr lang="da-DK" dirty="0" smtClean="0"/>
-              <a:t>Language)</a:t>
-            </a:r>
-          </a:p>
-          <a:p>
-            <a:r>
-              <a:rPr lang="da-DK" dirty="0" smtClean="0"/>
-              <a:t>De </a:t>
+              <a:rPr lang="da-DK" dirty="0" smtClean="0"/>
+              <a:t>Operationerne </a:t>
             </a:r>
             <a:r>
               <a:rPr lang="da-DK" dirty="0"/>
@@ -3624,13 +3620,11 @@
             </a:r>
             <a:r>
               <a:rPr lang="da-DK" dirty="0" smtClean="0"/>
-              <a:t>operationer</a:t>
-            </a:r>
-          </a:p>
-          <a:p>
-            <a:r>
-              <a:rPr lang="da-DK" dirty="0" smtClean="0"/>
-              <a:t>De kan være fordelt over flere tabeller</a:t>
+              <a:t>operationer og være </a:t>
+            </a:r>
+            <a:r>
+              <a:rPr lang="da-DK" dirty="0" smtClean="0"/>
+              <a:t>fordelt over flere tabeller</a:t>
             </a:r>
           </a:p>
           <a:p>
@@ -3684,7 +3678,7 @@
     </p:spTree>
     <p:extLst>
       <p:ext uri="{BB962C8B-B14F-4D97-AF65-F5344CB8AC3E}">
-        <p14:creationId xmlns:p14="http://schemas.microsoft.com/office/powerpoint/2010/main" xmlns="" val="3346175959"/>
+        <p14:creationId xmlns="" xmlns:p14="http://schemas.microsoft.com/office/powerpoint/2010/main" val="3346175959"/>
       </p:ext>
     </p:extLst>
   </p:cSld>
@@ -3774,7 +3768,6 @@
               <a:rPr lang="da-DK" dirty="0" smtClean="0"/>
               <a:t>operationer</a:t>
             </a:r>
-            <a:endParaRPr lang="da-DK" dirty="0" smtClean="0"/>
           </a:p>
           <a:p>
             <a:r>
@@ -3815,11 +3808,7 @@
             </a:br>
             <a:r>
               <a:rPr lang="da-DK" dirty="0" smtClean="0"/>
-              <a:t>Transaktioner udføres uafhængigt af hinanden, og hver enkelt transaktion kender intet til de øvrige </a:t>
-            </a:r>
-            <a:r>
-              <a:rPr lang="da-DK" dirty="0" smtClean="0"/>
-              <a:t>transaktioners</a:t>
+              <a:t>Transaktioner udføres uafhængigt af hinanden, og hver enkelt transaktion kender intet til de øvrige transaktioners</a:t>
             </a:r>
           </a:p>
           <a:p>
@@ -3840,21 +3829,8 @@
             </a:br>
             <a:r>
               <a:rPr lang="da-DK" dirty="0" smtClean="0"/>
-              <a:t>En succesfuld gennemført transaktion medfører altid, at effekten af operationerne bliver </a:t>
-            </a:r>
-            <a:r>
-              <a:rPr lang="da-DK" dirty="0" smtClean="0"/>
-              <a:t>gemt </a:t>
-            </a:r>
-            <a:r>
-              <a:rPr lang="da-DK" dirty="0" smtClean="0"/>
-              <a:t>i database </a:t>
-            </a:r>
-            <a:r>
-              <a:rPr lang="da-DK" dirty="0" smtClean="0"/>
-              <a:t>filen</a:t>
-            </a:r>
-            <a:endParaRPr lang="da-DK" dirty="0" smtClean="0"/>
+              <a:t>En succesfuld gennemført transaktion medfører altid, at effekten af operationerne bliver gemt i database filen</a:t>
+            </a:r>
           </a:p>
           <a:p>
             <a:endParaRPr lang="da-DK" dirty="0" smtClean="0"/>
@@ -3873,7 +3849,7 @@
     </p:spTree>
     <p:extLst>
       <p:ext uri="{BB962C8B-B14F-4D97-AF65-F5344CB8AC3E}">
-        <p14:creationId xmlns:p14="http://schemas.microsoft.com/office/powerpoint/2010/main" xmlns="" val="1959730664"/>
+        <p14:creationId xmlns="" xmlns:p14="http://schemas.microsoft.com/office/powerpoint/2010/main" val="1959730664"/>
       </p:ext>
     </p:extLst>
   </p:cSld>
@@ -4049,7 +4025,7 @@
     </p:spTree>
     <p:extLst>
       <p:ext uri="{BB962C8B-B14F-4D97-AF65-F5344CB8AC3E}">
-        <p14:creationId xmlns:p14="http://schemas.microsoft.com/office/powerpoint/2010/main" xmlns="" val="1093069934"/>
+        <p14:creationId xmlns="" xmlns:p14="http://schemas.microsoft.com/office/powerpoint/2010/main" val="1093069934"/>
       </p:ext>
     </p:extLst>
   </p:cSld>
@@ -4174,7 +4150,7 @@
     </p:spTree>
     <p:extLst>
       <p:ext uri="{BB962C8B-B14F-4D97-AF65-F5344CB8AC3E}">
-        <p14:creationId xmlns:p14="http://schemas.microsoft.com/office/powerpoint/2010/main" xmlns="" val="3234910410"/>
+        <p14:creationId xmlns="" xmlns:p14="http://schemas.microsoft.com/office/powerpoint/2010/main" val="3234910410"/>
       </p:ext>
     </p:extLst>
   </p:cSld>
@@ -4345,7 +4321,7 @@
     </p:spTree>
     <p:extLst>
       <p:ext uri="{BB962C8B-B14F-4D97-AF65-F5344CB8AC3E}">
-        <p14:creationId xmlns:p14="http://schemas.microsoft.com/office/powerpoint/2010/main" xmlns="" val="1434816220"/>
+        <p14:creationId xmlns="" xmlns:p14="http://schemas.microsoft.com/office/powerpoint/2010/main" val="1434816220"/>
       </p:ext>
     </p:extLst>
   </p:cSld>
@@ -4506,15 +4482,7 @@
             </a:r>
             <a:r>
               <a:rPr lang="da-DK" dirty="0" smtClean="0"/>
-              <a:t>tildeler DBMS ikke længere nye </a:t>
-            </a:r>
-            <a:r>
-              <a:rPr lang="da-DK" dirty="0" smtClean="0"/>
-              <a:t>låse, men afgiver</a:t>
-            </a:r>
-            <a:r>
-              <a:rPr lang="da-DK" dirty="0" smtClean="0"/>
-              <a:t> </a:t>
+              <a:t>tildeler DBMS ikke længere nye låse, men afgiver </a:t>
             </a:r>
             <a:r>
               <a:rPr lang="da-DK" dirty="0"/>
@@ -4524,14 +4492,13 @@
               <a:rPr lang="da-DK" dirty="0" smtClean="0"/>
               <a:t>færdig</a:t>
             </a:r>
-            <a:endParaRPr lang="da-DK" dirty="0" smtClean="0"/>
           </a:p>
         </p:txBody>
       </p:sp>
     </p:spTree>
     <p:extLst>
       <p:ext uri="{BB962C8B-B14F-4D97-AF65-F5344CB8AC3E}">
-        <p14:creationId xmlns:p14="http://schemas.microsoft.com/office/powerpoint/2010/main" xmlns="" val="3153907886"/>
+        <p14:creationId xmlns="" xmlns:p14="http://schemas.microsoft.com/office/powerpoint/2010/main" val="3153907886"/>
       </p:ext>
     </p:extLst>
   </p:cSld>
@@ -4796,7 +4763,7 @@
   <a:extraClrSchemeLst/>
   <a:extLst>
     <a:ext uri="{05A4C25C-085E-4340-85A3-A5531E510DB2}">
-      <thm15:themeFamily xmlns:thm15="http://schemas.microsoft.com/office/thememl/2012/main" xmlns="" name="Office Theme" id="{62F939B6-93AF-4DB8-9C6B-D6C7DFDC589F}" vid="{4A3C46E8-61CC-4603-A589-7422A47A8E4A}"/>
+      <thm15:themeFamily xmlns="" xmlns:thm15="http://schemas.microsoft.com/office/thememl/2012/main" name="Office Theme" id="{62F939B6-93AF-4DB8-9C6B-D6C7DFDC589F}" vid="{4A3C46E8-61CC-4603-A589-7422A47A8E4A}"/>
     </a:ext>
   </a:extLst>
 </a:theme>

--- a/eventmanagement/Præsentation.pptx
+++ b/eventmanagement/Præsentation.pptx
@@ -7,15 +7,16 @@
   <p:sldIdLst>
     <p:sldId id="256" r:id="rId2"/>
     <p:sldId id="257" r:id="rId3"/>
-    <p:sldId id="258" r:id="rId4"/>
-    <p:sldId id="259" r:id="rId5"/>
-    <p:sldId id="260" r:id="rId6"/>
+    <p:sldId id="259" r:id="rId4"/>
+    <p:sldId id="260" r:id="rId5"/>
+    <p:sldId id="258" r:id="rId6"/>
     <p:sldId id="262" r:id="rId7"/>
     <p:sldId id="263" r:id="rId8"/>
-    <p:sldId id="264" r:id="rId9"/>
-    <p:sldId id="265" r:id="rId10"/>
+    <p:sldId id="265" r:id="rId9"/>
+    <p:sldId id="264" r:id="rId10"/>
     <p:sldId id="266" r:id="rId11"/>
     <p:sldId id="267" r:id="rId12"/>
+    <p:sldId id="268" r:id="rId13"/>
   </p:sldIdLst>
   <p:sldSz cx="12192000" cy="6858000"/>
   <p:notesSz cx="6858000" cy="9144000"/>
@@ -116,7 +117,18 @@
   </p:defaultTextStyle>
   <p:extLst>
     <p:ext uri="{EFAFB233-063F-42B5-8137-9DF3F51BA10A}">
-      <p15:sldGuideLst xmlns="" xmlns:p15="http://schemas.microsoft.com/office/powerpoint/2012/main"/>
+      <p15:sldGuideLst xmlns:p15="http://schemas.microsoft.com/office/powerpoint/2012/main">
+        <p15:guide id="1" orient="horz" pos="2160">
+          <p15:clr>
+            <a:srgbClr val="A4A3A4"/>
+          </p15:clr>
+        </p15:guide>
+        <p15:guide id="2" pos="3840">
+          <p15:clr>
+            <a:srgbClr val="A4A3A4"/>
+          </p15:clr>
+        </p15:guide>
+      </p15:sldGuideLst>
     </p:ext>
   </p:extLst>
 </p:presentation>
@@ -254,7 +266,7 @@
             <a:fld id="{954EDE6F-1482-48A9-B929-F4D4DCC1989B}" type="datetimeFigureOut">
               <a:rPr lang="da-DK" smtClean="0"/>
               <a:pPr/>
-              <a:t>24-10-2017</a:t>
+              <a:t>25-10-2017</a:t>
             </a:fld>
             <a:endParaRPr lang="da-DK"/>
           </a:p>
@@ -306,7 +318,7 @@
     </p:spTree>
     <p:extLst>
       <p:ext uri="{BB962C8B-B14F-4D97-AF65-F5344CB8AC3E}">
-        <p14:creationId xmlns="" xmlns:p14="http://schemas.microsoft.com/office/powerpoint/2010/main" val="4284479333"/>
+        <p14:creationId xmlns:p14="http://schemas.microsoft.com/office/powerpoint/2010/main" val="4284479333"/>
       </p:ext>
     </p:extLst>
   </p:cSld>
@@ -426,7 +438,7 @@
             <a:fld id="{954EDE6F-1482-48A9-B929-F4D4DCC1989B}" type="datetimeFigureOut">
               <a:rPr lang="da-DK" smtClean="0"/>
               <a:pPr/>
-              <a:t>24-10-2017</a:t>
+              <a:t>25-10-2017</a:t>
             </a:fld>
             <a:endParaRPr lang="da-DK"/>
           </a:p>
@@ -478,7 +490,7 @@
     </p:spTree>
     <p:extLst>
       <p:ext uri="{BB962C8B-B14F-4D97-AF65-F5344CB8AC3E}">
-        <p14:creationId xmlns="" xmlns:p14="http://schemas.microsoft.com/office/powerpoint/2010/main" val="1070819038"/>
+        <p14:creationId xmlns:p14="http://schemas.microsoft.com/office/powerpoint/2010/main" val="1070819038"/>
       </p:ext>
     </p:extLst>
   </p:cSld>
@@ -608,7 +620,7 @@
             <a:fld id="{954EDE6F-1482-48A9-B929-F4D4DCC1989B}" type="datetimeFigureOut">
               <a:rPr lang="da-DK" smtClean="0"/>
               <a:pPr/>
-              <a:t>24-10-2017</a:t>
+              <a:t>25-10-2017</a:t>
             </a:fld>
             <a:endParaRPr lang="da-DK"/>
           </a:p>
@@ -660,7 +672,7 @@
     </p:spTree>
     <p:extLst>
       <p:ext uri="{BB962C8B-B14F-4D97-AF65-F5344CB8AC3E}">
-        <p14:creationId xmlns="" xmlns:p14="http://schemas.microsoft.com/office/powerpoint/2010/main" val="3282250857"/>
+        <p14:creationId xmlns:p14="http://schemas.microsoft.com/office/powerpoint/2010/main" val="3282250857"/>
       </p:ext>
     </p:extLst>
   </p:cSld>
@@ -780,7 +792,7 @@
             <a:fld id="{954EDE6F-1482-48A9-B929-F4D4DCC1989B}" type="datetimeFigureOut">
               <a:rPr lang="da-DK" smtClean="0"/>
               <a:pPr/>
-              <a:t>24-10-2017</a:t>
+              <a:t>25-10-2017</a:t>
             </a:fld>
             <a:endParaRPr lang="da-DK"/>
           </a:p>
@@ -832,7 +844,7 @@
     </p:spTree>
     <p:extLst>
       <p:ext uri="{BB962C8B-B14F-4D97-AF65-F5344CB8AC3E}">
-        <p14:creationId xmlns="" xmlns:p14="http://schemas.microsoft.com/office/powerpoint/2010/main" val="1191869019"/>
+        <p14:creationId xmlns:p14="http://schemas.microsoft.com/office/powerpoint/2010/main" val="1191869019"/>
       </p:ext>
     </p:extLst>
   </p:cSld>
@@ -1028,7 +1040,7 @@
             <a:fld id="{954EDE6F-1482-48A9-B929-F4D4DCC1989B}" type="datetimeFigureOut">
               <a:rPr lang="da-DK" smtClean="0"/>
               <a:pPr/>
-              <a:t>24-10-2017</a:t>
+              <a:t>25-10-2017</a:t>
             </a:fld>
             <a:endParaRPr lang="da-DK"/>
           </a:p>
@@ -1080,7 +1092,7 @@
     </p:spTree>
     <p:extLst>
       <p:ext uri="{BB962C8B-B14F-4D97-AF65-F5344CB8AC3E}">
-        <p14:creationId xmlns="" xmlns:p14="http://schemas.microsoft.com/office/powerpoint/2010/main" val="2719660000"/>
+        <p14:creationId xmlns:p14="http://schemas.microsoft.com/office/powerpoint/2010/main" val="2719660000"/>
       </p:ext>
     </p:extLst>
   </p:cSld>
@@ -1262,7 +1274,7 @@
             <a:fld id="{954EDE6F-1482-48A9-B929-F4D4DCC1989B}" type="datetimeFigureOut">
               <a:rPr lang="da-DK" smtClean="0"/>
               <a:pPr/>
-              <a:t>24-10-2017</a:t>
+              <a:t>25-10-2017</a:t>
             </a:fld>
             <a:endParaRPr lang="da-DK"/>
           </a:p>
@@ -1314,7 +1326,7 @@
     </p:spTree>
     <p:extLst>
       <p:ext uri="{BB962C8B-B14F-4D97-AF65-F5344CB8AC3E}">
-        <p14:creationId xmlns="" xmlns:p14="http://schemas.microsoft.com/office/powerpoint/2010/main" val="568735529"/>
+        <p14:creationId xmlns:p14="http://schemas.microsoft.com/office/powerpoint/2010/main" val="568735529"/>
       </p:ext>
     </p:extLst>
   </p:cSld>
@@ -1631,7 +1643,7 @@
             <a:fld id="{954EDE6F-1482-48A9-B929-F4D4DCC1989B}" type="datetimeFigureOut">
               <a:rPr lang="da-DK" smtClean="0"/>
               <a:pPr/>
-              <a:t>24-10-2017</a:t>
+              <a:t>25-10-2017</a:t>
             </a:fld>
             <a:endParaRPr lang="da-DK"/>
           </a:p>
@@ -1683,7 +1695,7 @@
     </p:spTree>
     <p:extLst>
       <p:ext uri="{BB962C8B-B14F-4D97-AF65-F5344CB8AC3E}">
-        <p14:creationId xmlns="" xmlns:p14="http://schemas.microsoft.com/office/powerpoint/2010/main" val="1466691736"/>
+        <p14:creationId xmlns:p14="http://schemas.microsoft.com/office/powerpoint/2010/main" val="1466691736"/>
       </p:ext>
     </p:extLst>
   </p:cSld>
@@ -1751,7 +1763,7 @@
             <a:fld id="{954EDE6F-1482-48A9-B929-F4D4DCC1989B}" type="datetimeFigureOut">
               <a:rPr lang="da-DK" smtClean="0"/>
               <a:pPr/>
-              <a:t>24-10-2017</a:t>
+              <a:t>25-10-2017</a:t>
             </a:fld>
             <a:endParaRPr lang="da-DK"/>
           </a:p>
@@ -1803,7 +1815,7 @@
     </p:spTree>
     <p:extLst>
       <p:ext uri="{BB962C8B-B14F-4D97-AF65-F5344CB8AC3E}">
-        <p14:creationId xmlns="" xmlns:p14="http://schemas.microsoft.com/office/powerpoint/2010/main" val="2679254896"/>
+        <p14:creationId xmlns:p14="http://schemas.microsoft.com/office/powerpoint/2010/main" val="2679254896"/>
       </p:ext>
     </p:extLst>
   </p:cSld>
@@ -1848,7 +1860,7 @@
             <a:fld id="{954EDE6F-1482-48A9-B929-F4D4DCC1989B}" type="datetimeFigureOut">
               <a:rPr lang="da-DK" smtClean="0"/>
               <a:pPr/>
-              <a:t>24-10-2017</a:t>
+              <a:t>25-10-2017</a:t>
             </a:fld>
             <a:endParaRPr lang="da-DK"/>
           </a:p>
@@ -1900,7 +1912,7 @@
     </p:spTree>
     <p:extLst>
       <p:ext uri="{BB962C8B-B14F-4D97-AF65-F5344CB8AC3E}">
-        <p14:creationId xmlns="" xmlns:p14="http://schemas.microsoft.com/office/powerpoint/2010/main" val="868968547"/>
+        <p14:creationId xmlns:p14="http://schemas.microsoft.com/office/powerpoint/2010/main" val="868968547"/>
       </p:ext>
     </p:extLst>
   </p:cSld>
@@ -2127,7 +2139,7 @@
             <a:fld id="{954EDE6F-1482-48A9-B929-F4D4DCC1989B}" type="datetimeFigureOut">
               <a:rPr lang="da-DK" smtClean="0"/>
               <a:pPr/>
-              <a:t>24-10-2017</a:t>
+              <a:t>25-10-2017</a:t>
             </a:fld>
             <a:endParaRPr lang="da-DK"/>
           </a:p>
@@ -2179,7 +2191,7 @@
     </p:spTree>
     <p:extLst>
       <p:ext uri="{BB962C8B-B14F-4D97-AF65-F5344CB8AC3E}">
-        <p14:creationId xmlns="" xmlns:p14="http://schemas.microsoft.com/office/powerpoint/2010/main" val="3688026115"/>
+        <p14:creationId xmlns:p14="http://schemas.microsoft.com/office/powerpoint/2010/main" val="3688026115"/>
       </p:ext>
     </p:extLst>
   </p:cSld>
@@ -2382,7 +2394,7 @@
             <a:fld id="{954EDE6F-1482-48A9-B929-F4D4DCC1989B}" type="datetimeFigureOut">
               <a:rPr lang="da-DK" smtClean="0"/>
               <a:pPr/>
-              <a:t>24-10-2017</a:t>
+              <a:t>25-10-2017</a:t>
             </a:fld>
             <a:endParaRPr lang="da-DK"/>
           </a:p>
@@ -2434,7 +2446,7 @@
     </p:spTree>
     <p:extLst>
       <p:ext uri="{BB962C8B-B14F-4D97-AF65-F5344CB8AC3E}">
-        <p14:creationId xmlns="" xmlns:p14="http://schemas.microsoft.com/office/powerpoint/2010/main" val="1158694616"/>
+        <p14:creationId xmlns:p14="http://schemas.microsoft.com/office/powerpoint/2010/main" val="1158694616"/>
       </p:ext>
     </p:extLst>
   </p:cSld>
@@ -2597,7 +2609,7 @@
             <a:fld id="{954EDE6F-1482-48A9-B929-F4D4DCC1989B}" type="datetimeFigureOut">
               <a:rPr lang="da-DK" smtClean="0"/>
               <a:pPr/>
-              <a:t>24-10-2017</a:t>
+              <a:t>25-10-2017</a:t>
             </a:fld>
             <a:endParaRPr lang="da-DK"/>
           </a:p>
@@ -2685,7 +2697,7 @@
     </p:spTree>
     <p:extLst>
       <p:ext uri="{BB962C8B-B14F-4D97-AF65-F5344CB8AC3E}">
-        <p14:creationId xmlns="" xmlns:p14="http://schemas.microsoft.com/office/powerpoint/2010/main" val="1499481221"/>
+        <p14:creationId xmlns:p14="http://schemas.microsoft.com/office/powerpoint/2010/main" val="1499481221"/>
       </p:ext>
     </p:extLst>
   </p:cSld>
@@ -3069,7 +3081,7 @@
     </p:spTree>
     <p:extLst>
       <p:ext uri="{BB962C8B-B14F-4D97-AF65-F5344CB8AC3E}">
-        <p14:creationId xmlns="" xmlns:p14="http://schemas.microsoft.com/office/powerpoint/2010/main" val="1234334293"/>
+        <p14:creationId xmlns:p14="http://schemas.microsoft.com/office/powerpoint/2010/main" val="1234334293"/>
       </p:ext>
     </p:extLst>
   </p:cSld>
@@ -3115,6 +3127,10 @@
               <a:rPr lang="da-DK" dirty="0" err="1" smtClean="0"/>
               <a:t>Timestamping</a:t>
             </a:r>
+            <a:r>
+              <a:rPr lang="da-DK" dirty="0" smtClean="0"/>
+              <a:t> protokol</a:t>
+            </a:r>
             <a:endParaRPr lang="da-DK" dirty="0"/>
           </a:p>
         </p:txBody>
@@ -3131,17 +3147,89 @@
         </p:nvSpPr>
         <p:spPr/>
         <p:txBody>
-          <a:bodyPr/>
-          <a:lstStyle/>
-          <a:p>
-            <a:endParaRPr lang="da-DK"/>
+          <a:bodyPr>
+            <a:normAutofit fontScale="92500"/>
+          </a:bodyPr>
+          <a:lstStyle/>
+          <a:p>
+            <a:r>
+              <a:rPr lang="da-DK" dirty="0" err="1" smtClean="0"/>
+              <a:t>Timestamping</a:t>
+            </a:r>
+            <a:r>
+              <a:rPr lang="da-DK" dirty="0" smtClean="0"/>
+              <a:t> samtidigheds kontrol protokollen bruger ikke låse og er derfor ikke sårbar overfor </a:t>
+            </a:r>
+            <a:r>
+              <a:rPr lang="da-DK" dirty="0" err="1" smtClean="0"/>
+              <a:t>deadlocks</a:t>
+            </a:r>
+            <a:endParaRPr lang="da-DK" dirty="0" smtClean="0"/>
+          </a:p>
+          <a:p>
+            <a:r>
+              <a:rPr lang="da-DK" dirty="0" smtClean="0"/>
+              <a:t>Alle transaktioner får et timestamp når transaktionen starter</a:t>
+            </a:r>
+          </a:p>
+          <a:p>
+            <a:r>
+              <a:rPr lang="da-DK" dirty="0" smtClean="0"/>
+              <a:t>Den ældste transaktion udføres først</a:t>
+            </a:r>
+          </a:p>
+          <a:p>
+            <a:r>
+              <a:rPr lang="da-DK" dirty="0" smtClean="0"/>
+              <a:t>Alle data items som berøres af en transaktion, får et timestamps når data item læses og/eller opdateres</a:t>
+            </a:r>
+          </a:p>
+          <a:p>
+            <a:r>
+              <a:rPr lang="da-DK" dirty="0" smtClean="0"/>
+              <a:t>De tre timestamps </a:t>
+            </a:r>
+            <a:r>
+              <a:rPr lang="da-DK" dirty="0" err="1" smtClean="0"/>
+              <a:t>afgører</a:t>
+            </a:r>
+            <a:r>
+              <a:rPr lang="da-DK" dirty="0" smtClean="0"/>
+              <a:t>, om en transaktion gennemføres eller afvises</a:t>
+            </a:r>
+          </a:p>
+          <a:p>
+            <a:r>
+              <a:rPr lang="da-DK" dirty="0" smtClean="0"/>
+              <a:t>Hvis en transaktions operation afvises, rulles hele transaktionen tilbage og </a:t>
+            </a:r>
+            <a:r>
+              <a:rPr lang="da-DK" smtClean="0"/>
+              <a:t>startes forfra. </a:t>
+            </a:r>
+            <a:r>
+              <a:rPr lang="da-DK" dirty="0" smtClean="0"/>
+              <a:t>I så fald, tildeles transaktionen et nyt timestamp</a:t>
+            </a:r>
+          </a:p>
+          <a:p>
+            <a:endParaRPr lang="da-DK" dirty="0" smtClean="0"/>
+          </a:p>
+          <a:p>
+            <a:endParaRPr lang="da-DK" dirty="0" smtClean="0"/>
+          </a:p>
+          <a:p>
+            <a:endParaRPr lang="da-DK" dirty="0" smtClean="0"/>
+          </a:p>
+          <a:p>
+            <a:endParaRPr lang="da-DK" dirty="0"/>
           </a:p>
         </p:txBody>
       </p:sp>
     </p:spTree>
     <p:extLst>
       <p:ext uri="{BB962C8B-B14F-4D97-AF65-F5344CB8AC3E}">
-        <p14:creationId xmlns="" xmlns:p14="http://schemas.microsoft.com/office/powerpoint/2010/main" val="3637789666"/>
+        <p14:creationId xmlns:p14="http://schemas.microsoft.com/office/powerpoint/2010/main" val="3637789666"/>
       </p:ext>
     </p:extLst>
   </p:cSld>
@@ -3185,7 +3273,11 @@
           <a:p>
             <a:r>
               <a:rPr lang="da-DK" dirty="0" smtClean="0"/>
-              <a:t>Optimistisk samtidigheds kontrol</a:t>
+              <a:t>Optimistisk samtidigheds </a:t>
+            </a:r>
+            <a:r>
+              <a:rPr lang="da-DK" dirty="0" smtClean="0"/>
+              <a:t>kontrol protokol</a:t>
             </a:r>
             <a:endParaRPr lang="da-DK" dirty="0"/>
           </a:p>
@@ -3317,7 +3409,159 @@
     </p:spTree>
     <p:extLst>
       <p:ext uri="{BB962C8B-B14F-4D97-AF65-F5344CB8AC3E}">
-        <p14:creationId xmlns="" xmlns:p14="http://schemas.microsoft.com/office/powerpoint/2010/main" val="1884103283"/>
+        <p14:creationId xmlns:p14="http://schemas.microsoft.com/office/powerpoint/2010/main" val="1884103283"/>
+      </p:ext>
+    </p:extLst>
+  </p:cSld>
+  <p:clrMapOvr>
+    <a:masterClrMapping/>
+  </p:clrMapOvr>
+</p:sld>
+</file>
+
+<file path=ppt/slides/slide12.xml><?xml version="1.0" encoding="utf-8"?>
+<p:sld xmlns:a="http://schemas.openxmlformats.org/drawingml/2006/main" xmlns:r="http://schemas.openxmlformats.org/officeDocument/2006/relationships" xmlns:p="http://schemas.openxmlformats.org/presentationml/2006/main">
+  <p:cSld>
+    <p:spTree>
+      <p:nvGrpSpPr>
+        <p:cNvPr id="1" name=""/>
+        <p:cNvGrpSpPr/>
+        <p:nvPr/>
+      </p:nvGrpSpPr>
+      <p:grpSpPr>
+        <a:xfrm>
+          <a:off x="0" y="0"/>
+          <a:ext cx="0" cy="0"/>
+          <a:chOff x="0" y="0"/>
+          <a:chExt cx="0" cy="0"/>
+        </a:xfrm>
+      </p:grpSpPr>
+      <p:sp>
+        <p:nvSpPr>
+          <p:cNvPr id="2" name="Titel 1"/>
+          <p:cNvSpPr>
+            <a:spLocks noGrp="1"/>
+          </p:cNvSpPr>
+          <p:nvPr>
+            <p:ph type="title"/>
+          </p:nvPr>
+        </p:nvSpPr>
+        <p:spPr/>
+        <p:txBody>
+          <a:bodyPr/>
+          <a:lstStyle/>
+          <a:p>
+            <a:r>
+              <a:rPr lang="da-DK" dirty="0" smtClean="0"/>
+              <a:t>Transaktioner i min database</a:t>
+            </a:r>
+            <a:endParaRPr lang="da-DK" dirty="0"/>
+          </a:p>
+        </p:txBody>
+      </p:sp>
+      <p:sp>
+        <p:nvSpPr>
+          <p:cNvPr id="3" name="Pladsholder til indhold 2"/>
+          <p:cNvSpPr>
+            <a:spLocks noGrp="1"/>
+          </p:cNvSpPr>
+          <p:nvPr>
+            <p:ph idx="1"/>
+          </p:nvPr>
+        </p:nvSpPr>
+        <p:spPr/>
+        <p:txBody>
+          <a:bodyPr>
+            <a:normAutofit fontScale="85000" lnSpcReduction="20000"/>
+          </a:bodyPr>
+          <a:lstStyle/>
+          <a:p>
+            <a:r>
+              <a:rPr lang="da-DK" dirty="0" smtClean="0"/>
+              <a:t>MS SQL server har som DBMS indbygget samtidigheds kontrol</a:t>
+            </a:r>
+          </a:p>
+          <a:p>
+            <a:r>
+              <a:rPr lang="da-DK" dirty="0" smtClean="0"/>
+              <a:t>De DML operationer hvor samtidigheds kontrol er vigtig, er ved tilmeldinger</a:t>
+            </a:r>
+          </a:p>
+          <a:p>
+            <a:r>
+              <a:rPr lang="da-DK" dirty="0" err="1" smtClean="0"/>
+              <a:t>Triggeren</a:t>
+            </a:r>
+            <a:r>
+              <a:rPr lang="da-DK" dirty="0" smtClean="0"/>
+              <a:t> læses antallet af eksisterende tilmeldinger, og sættes status til ‘V’, hvis holdet er fuldt</a:t>
+            </a:r>
+          </a:p>
+          <a:p>
+            <a:r>
+              <a:rPr lang="da-DK" dirty="0" smtClean="0"/>
+              <a:t>Hvis to medlemmer opretter en tilmelding samtidig, er det vigtigt at hver enkelt DML operation udføres i en transaktion, da operationen er sårbar for ‘</a:t>
+            </a:r>
+            <a:r>
+              <a:rPr lang="da-DK" dirty="0" err="1" smtClean="0"/>
+              <a:t>dirty</a:t>
+            </a:r>
+            <a:r>
+              <a:rPr lang="da-DK" dirty="0"/>
+              <a:t> </a:t>
+            </a:r>
+            <a:r>
+              <a:rPr lang="da-DK" dirty="0" err="1" smtClean="0"/>
+              <a:t>reads</a:t>
+            </a:r>
+            <a:r>
+              <a:rPr lang="da-DK" dirty="0" smtClean="0"/>
+              <a:t>’ med forkert status værdi i begge tilmeldinger som følge</a:t>
+            </a:r>
+          </a:p>
+          <a:p>
+            <a:r>
+              <a:rPr lang="da-DK" dirty="0" smtClean="0"/>
+              <a:t>Alle individuelle DML statements i MS SQL er som standard i en transaktion, herunder INSERT af en tilmelding (auto </a:t>
+            </a:r>
+            <a:r>
+              <a:rPr lang="da-DK" dirty="0" err="1" smtClean="0"/>
+              <a:t>commit</a:t>
+            </a:r>
+            <a:r>
+              <a:rPr lang="da-DK" dirty="0" smtClean="0"/>
+              <a:t> transaktion)</a:t>
+            </a:r>
+          </a:p>
+          <a:p>
+            <a:r>
+              <a:rPr lang="da-DK" dirty="0" smtClean="0"/>
+              <a:t>En </a:t>
+            </a:r>
+            <a:r>
+              <a:rPr lang="da-DK" dirty="0" err="1" smtClean="0"/>
+              <a:t>Trigger</a:t>
+            </a:r>
+            <a:r>
+              <a:rPr lang="da-DK" dirty="0" smtClean="0"/>
+              <a:t> er automatisk en del af den transaktion, som udløser den. I dette tilfælde INSERT statementets transaktion</a:t>
+            </a:r>
+          </a:p>
+          <a:p>
+            <a:r>
+              <a:rPr lang="da-DK" dirty="0" smtClean="0"/>
+              <a:t>Der er derfor ikke umiddelbart risiko for data inkonsistens som følge af flere samtidige tilmeldinger i databasen</a:t>
+            </a:r>
+          </a:p>
+          <a:p>
+            <a:endParaRPr lang="da-DK" dirty="0" smtClean="0"/>
+          </a:p>
+        </p:txBody>
+      </p:sp>
+    </p:spTree>
+    <p:extLst>
+      <p:ext uri="{BB962C8B-B14F-4D97-AF65-F5344CB8AC3E}">
+        <p14:creationId xmlns:p14="http://schemas.microsoft.com/office/powerpoint/2010/main" val="4054041368"/>
       </p:ext>
     </p:extLst>
   </p:cSld>
@@ -3379,18 +3623,18 @@
         </p:nvSpPr>
         <p:spPr/>
         <p:txBody>
-          <a:bodyPr/>
-          <a:lstStyle/>
-          <a:p>
-            <a:r>
-              <a:rPr lang="da-DK" dirty="0" smtClean="0"/>
-              <a:t>Udfordringer med samtidige operationer</a:t>
-            </a:r>
-          </a:p>
-          <a:p>
-            <a:r>
-              <a:rPr lang="da-DK" dirty="0" smtClean="0"/>
-              <a:t>Hvad er en transaktion</a:t>
+          <a:bodyPr>
+            <a:normAutofit/>
+          </a:bodyPr>
+          <a:lstStyle/>
+          <a:p>
+            <a:r>
+              <a:rPr lang="da-DK" dirty="0" smtClean="0"/>
+              <a:t>Hvad </a:t>
+            </a:r>
+            <a:r>
+              <a:rPr lang="da-DK" dirty="0" smtClean="0"/>
+              <a:t>er en transaktion</a:t>
             </a:r>
           </a:p>
           <a:p>
@@ -3398,6 +3642,17 @@
               <a:rPr lang="da-DK" dirty="0" smtClean="0"/>
               <a:t>ACID</a:t>
             </a:r>
+          </a:p>
+          <a:p>
+            <a:r>
+              <a:rPr lang="da-DK" dirty="0"/>
+              <a:t>Udfordringer med samtidige </a:t>
+            </a:r>
+            <a:r>
+              <a:rPr lang="da-DK" dirty="0" smtClean="0"/>
+              <a:t>operationer</a:t>
+            </a:r>
+            <a:endParaRPr lang="da-DK" dirty="0" smtClean="0"/>
           </a:p>
           <a:p>
             <a:r>
@@ -3439,7 +3694,7 @@
     </p:spTree>
     <p:extLst>
       <p:ext uri="{BB962C8B-B14F-4D97-AF65-F5344CB8AC3E}">
-        <p14:creationId xmlns="" xmlns:p14="http://schemas.microsoft.com/office/powerpoint/2010/main" val="523185855"/>
+        <p14:creationId xmlns:p14="http://schemas.microsoft.com/office/powerpoint/2010/main" val="523185855"/>
       </p:ext>
     </p:extLst>
   </p:cSld>
@@ -3483,7 +3738,7 @@
           <a:p>
             <a:r>
               <a:rPr lang="da-DK" dirty="0" smtClean="0"/>
-              <a:t>Udfordringer med samtidige operationer</a:t>
+              <a:t>Hvad er en transaktion</a:t>
             </a:r>
             <a:endParaRPr lang="da-DK" dirty="0"/>
           </a:p>
@@ -3501,39 +3756,86 @@
         </p:nvSpPr>
         <p:spPr/>
         <p:txBody>
-          <a:bodyPr/>
-          <a:lstStyle/>
-          <a:p>
-            <a:r>
-              <a:rPr lang="da-DK" dirty="0" smtClean="0"/>
-              <a:t>Man ønsker at udføre samtidige operationer på en database af hensyn til performance</a:t>
-            </a:r>
-          </a:p>
-          <a:p>
-            <a:r>
-              <a:rPr lang="da-DK" dirty="0" smtClean="0"/>
-              <a:t>Flere samtidige operationer som behandler samme data, kan skabe konflikter og inkonsistens i databasen</a:t>
-            </a:r>
-          </a:p>
-          <a:p>
-            <a:r>
-              <a:rPr lang="da-DK" dirty="0" smtClean="0"/>
-              <a:t>Det klassiske bank-eksempel med penge </a:t>
-            </a:r>
-            <a:r>
-              <a:rPr lang="da-DK" dirty="0" smtClean="0"/>
-              <a:t>overførelse</a:t>
-            </a:r>
-          </a:p>
-          <a:p>
-            <a:endParaRPr lang="da-DK" dirty="0"/>
+          <a:bodyPr>
+            <a:normAutofit/>
+          </a:bodyPr>
+          <a:lstStyle/>
+          <a:p>
+            <a:r>
+              <a:rPr lang="da-DK" dirty="0"/>
+              <a:t>En transaktion består af et antal operationer udført af en bruger eller et program, som læser eller manipulerer data i en </a:t>
+            </a:r>
+            <a:r>
+              <a:rPr lang="da-DK" dirty="0" smtClean="0"/>
+              <a:t>database</a:t>
+            </a:r>
+          </a:p>
+          <a:p>
+            <a:r>
+              <a:rPr lang="da-DK" dirty="0" smtClean="0"/>
+              <a:t>Operationerne </a:t>
+            </a:r>
+            <a:r>
+              <a:rPr lang="da-DK" dirty="0"/>
+              <a:t>kan være alle fire CRUD </a:t>
+            </a:r>
+            <a:r>
+              <a:rPr lang="da-DK" dirty="0" smtClean="0"/>
+              <a:t>operationer og være fordelt over flere tabeller</a:t>
+            </a:r>
+          </a:p>
+          <a:p>
+            <a:r>
+              <a:rPr lang="da-DK" dirty="0"/>
+              <a:t>Antallet og typen af operationer afhænger af den enkelte transaktion og dens </a:t>
+            </a:r>
+            <a:r>
+              <a:rPr lang="da-DK" dirty="0" smtClean="0"/>
+              <a:t>formål</a:t>
+            </a:r>
+          </a:p>
+          <a:p>
+            <a:r>
+              <a:rPr lang="da-DK" dirty="0" smtClean="0"/>
+              <a:t>En transaktion bliver enten gennemført (</a:t>
+            </a:r>
+            <a:r>
+              <a:rPr lang="da-DK" dirty="0" err="1" smtClean="0"/>
+              <a:t>committet</a:t>
+            </a:r>
+            <a:r>
+              <a:rPr lang="da-DK" dirty="0" smtClean="0"/>
+              <a:t>) eller </a:t>
+            </a:r>
+            <a:r>
+              <a:rPr lang="da-DK" dirty="0" err="1" smtClean="0"/>
+              <a:t>annuleret</a:t>
+            </a:r>
+            <a:r>
+              <a:rPr lang="da-DK" dirty="0" smtClean="0"/>
+              <a:t> (</a:t>
+            </a:r>
+            <a:r>
+              <a:rPr lang="da-DK" dirty="0" err="1" smtClean="0"/>
+              <a:t>rollback</a:t>
+            </a:r>
+            <a:r>
+              <a:rPr lang="da-DK" dirty="0" smtClean="0"/>
+              <a:t>)</a:t>
+            </a:r>
+          </a:p>
+          <a:p>
+            <a:r>
+              <a:rPr lang="da-DK" dirty="0" smtClean="0"/>
+              <a:t>Transaktioner har nogle egenskaber, som forkortes ACID</a:t>
+            </a:r>
           </a:p>
         </p:txBody>
       </p:sp>
     </p:spTree>
     <p:extLst>
       <p:ext uri="{BB962C8B-B14F-4D97-AF65-F5344CB8AC3E}">
-        <p14:creationId xmlns="" xmlns:p14="http://schemas.microsoft.com/office/powerpoint/2010/main" val="1511833257"/>
+        <p14:creationId xmlns:p14="http://schemas.microsoft.com/office/powerpoint/2010/main" val="3346175959"/>
       </p:ext>
     </p:extLst>
   </p:cSld>
@@ -3577,7 +3879,7 @@
           <a:p>
             <a:r>
               <a:rPr lang="da-DK" dirty="0" smtClean="0"/>
-              <a:t>Hvad er en transaktion</a:t>
+              <a:t>ACID</a:t>
             </a:r>
             <a:endParaRPr lang="da-DK" dirty="0"/>
           </a:p>
@@ -3596,89 +3898,115 @@
         <p:spPr/>
         <p:txBody>
           <a:bodyPr>
-            <a:normAutofit/>
+            <a:normAutofit fontScale="92500" lnSpcReduction="10000"/>
           </a:bodyPr>
           <a:lstStyle/>
           <a:p>
             <a:r>
+              <a:rPr lang="da-DK" b="1" dirty="0" smtClean="0"/>
+              <a:t>A</a:t>
+            </a:r>
+            <a:r>
+              <a:rPr lang="da-DK" dirty="0" smtClean="0"/>
+              <a:t>tomar</a:t>
+            </a:r>
+            <a:br>
+              <a:rPr lang="da-DK" dirty="0" smtClean="0"/>
+            </a:br>
+            <a:r>
+              <a:rPr lang="da-DK" dirty="0" smtClean="0"/>
+              <a:t>Enten gennemføres </a:t>
+            </a:r>
+            <a:r>
               <a:rPr lang="da-DK" dirty="0"/>
-              <a:t>En transaktion består af et antal operationer udført af en bruger eller et program, som læser eller manipulerer data i en </a:t>
-            </a:r>
-            <a:r>
-              <a:rPr lang="da-DK" dirty="0" smtClean="0"/>
-              <a:t>database</a:t>
-            </a:r>
-          </a:p>
-          <a:p>
-            <a:r>
-              <a:rPr lang="da-DK" dirty="0" smtClean="0"/>
-              <a:t>Operationerne </a:t>
-            </a:r>
+              <a:t>alle operationer i transaktionen eller også gennemføres ingen </a:t>
+            </a:r>
+            <a:r>
+              <a:rPr lang="da-DK" dirty="0" smtClean="0"/>
+              <a:t>operationer</a:t>
+            </a:r>
+          </a:p>
+          <a:p>
+            <a:r>
+              <a:rPr lang="da-DK" b="1" dirty="0" err="1" smtClean="0"/>
+              <a:t>C</a:t>
+            </a:r>
+            <a:r>
+              <a:rPr lang="da-DK" dirty="0" err="1" smtClean="0"/>
+              <a:t>onsistency</a:t>
+            </a:r>
+            <a:r>
+              <a:rPr lang="da-DK" dirty="0" smtClean="0"/>
+              <a:t> (Konsistens)</a:t>
+            </a:r>
+            <a:br>
+              <a:rPr lang="da-DK" dirty="0" smtClean="0"/>
+            </a:br>
             <a:r>
               <a:rPr lang="da-DK" dirty="0"/>
-              <a:t>kan være alle fire CRUD </a:t>
-            </a:r>
-            <a:r>
-              <a:rPr lang="da-DK" dirty="0" smtClean="0"/>
-              <a:t>operationer og være </a:t>
-            </a:r>
-            <a:r>
-              <a:rPr lang="da-DK" dirty="0" smtClean="0"/>
-              <a:t>fordelt over flere tabeller</a:t>
-            </a:r>
-          </a:p>
-          <a:p>
-            <a:r>
-              <a:rPr lang="da-DK" dirty="0"/>
-              <a:t>Antallet og typen af operationer afhænger af den enkelte transaktion og dens </a:t>
-            </a:r>
-            <a:r>
-              <a:rPr lang="da-DK" dirty="0" smtClean="0"/>
-              <a:t>formål</a:t>
-            </a:r>
-          </a:p>
-          <a:p>
-            <a:r>
-              <a:rPr lang="da-DK" dirty="0" smtClean="0"/>
-              <a:t>En transaktion bliver enten gennemført (</a:t>
+              <a:t>En transaktion transformerer altid databasen fra en konsistent tilstand til en ny konsistent tilstand</a:t>
+            </a:r>
+            <a:r>
+              <a:rPr lang="da-DK" dirty="0" smtClean="0"/>
+              <a:t>.</a:t>
+            </a:r>
+          </a:p>
+          <a:p>
+            <a:r>
+              <a:rPr lang="da-DK" b="1" dirty="0" smtClean="0"/>
+              <a:t>I</a:t>
+            </a:r>
+            <a:r>
+              <a:rPr lang="da-DK" dirty="0" smtClean="0"/>
+              <a:t>solation</a:t>
+            </a:r>
+            <a:br>
+              <a:rPr lang="da-DK" dirty="0" smtClean="0"/>
+            </a:br>
+            <a:r>
+              <a:rPr lang="da-DK" dirty="0" smtClean="0"/>
+              <a:t>Transaktioner udføres uafhængigt af hinanden, og hver enkelt transaktion kender intet til de øvrige transaktioners</a:t>
+            </a:r>
+          </a:p>
+          <a:p>
+            <a:r>
+              <a:rPr lang="da-DK" b="1" dirty="0" err="1" smtClean="0"/>
+              <a:t>D</a:t>
             </a:r>
             <a:r>
               <a:rPr lang="da-DK" dirty="0" err="1" smtClean="0"/>
-              <a:t>committet</a:t>
-            </a:r>
-            <a:r>
-              <a:rPr lang="da-DK" dirty="0" smtClean="0"/>
-              <a:t>) eller </a:t>
-            </a:r>
-            <a:r>
-              <a:rPr lang="da-DK" dirty="0" err="1" smtClean="0"/>
-              <a:t>annuleret</a:t>
-            </a:r>
-            <a:r>
-              <a:rPr lang="da-DK" dirty="0" smtClean="0"/>
-              <a:t> (</a:t>
-            </a:r>
-            <a:r>
-              <a:rPr lang="da-DK" dirty="0" err="1" smtClean="0"/>
-              <a:t>rollback</a:t>
-            </a:r>
-            <a:r>
-              <a:rPr lang="da-DK" dirty="0" smtClean="0"/>
-              <a:t>)</a:t>
-            </a:r>
-          </a:p>
-          <a:p>
-            <a:r>
-              <a:rPr lang="da-DK" dirty="0" smtClean="0"/>
-              <a:t>Transaktioner har nogle egenskaber, som forkortes ACID</a:t>
-            </a:r>
+              <a:t>urability</a:t>
+            </a:r>
+            <a:r>
+              <a:rPr lang="da-DK" dirty="0" smtClean="0"/>
+              <a:t/>
+            </a:r>
+            <a:br>
+              <a:rPr lang="da-DK" dirty="0" smtClean="0"/>
+            </a:br>
+            <a:r>
+              <a:rPr lang="da-DK" dirty="0" smtClean="0"/>
+              <a:t>En succesfuld gennemført transaktion medfører altid, at effekten af operationerne bliver gemt i database filen</a:t>
+            </a:r>
+          </a:p>
+          <a:p>
+            <a:endParaRPr lang="da-DK" dirty="0" smtClean="0"/>
+          </a:p>
+          <a:p>
+            <a:endParaRPr lang="da-DK" dirty="0"/>
+          </a:p>
+          <a:p>
+            <a:pPr marL="0" indent="0">
+              <a:buNone/>
+            </a:pPr>
+            <a:endParaRPr lang="da-DK" dirty="0"/>
           </a:p>
         </p:txBody>
       </p:sp>
     </p:spTree>
     <p:extLst>
       <p:ext uri="{BB962C8B-B14F-4D97-AF65-F5344CB8AC3E}">
-        <p14:creationId xmlns="" xmlns:p14="http://schemas.microsoft.com/office/powerpoint/2010/main" val="3346175959"/>
+        <p14:creationId xmlns:p14="http://schemas.microsoft.com/office/powerpoint/2010/main" val="1959730664"/>
       </p:ext>
     </p:extLst>
   </p:cSld>
@@ -3722,7 +4050,7 @@
           <a:p>
             <a:r>
               <a:rPr lang="da-DK" dirty="0" smtClean="0"/>
-              <a:t>ACID</a:t>
+              <a:t>Udfordringer med samtidige operationer</a:t>
             </a:r>
             <a:endParaRPr lang="da-DK" dirty="0"/>
           </a:p>
@@ -3740,108 +4068,27 @@
         </p:nvSpPr>
         <p:spPr/>
         <p:txBody>
-          <a:bodyPr>
-            <a:normAutofit fontScale="92500" lnSpcReduction="10000"/>
-          </a:bodyPr>
-          <a:lstStyle/>
-          <a:p>
-            <a:r>
-              <a:rPr lang="da-DK" b="1" dirty="0" smtClean="0"/>
-              <a:t>A</a:t>
-            </a:r>
-            <a:r>
-              <a:rPr lang="da-DK" dirty="0" smtClean="0"/>
-              <a:t>tomar</a:t>
-            </a:r>
-            <a:br>
-              <a:rPr lang="da-DK" dirty="0" smtClean="0"/>
-            </a:br>
-            <a:r>
-              <a:rPr lang="da-DK" dirty="0" smtClean="0"/>
-              <a:t>Enten gennemføres </a:t>
-            </a:r>
-            <a:r>
-              <a:rPr lang="da-DK" dirty="0"/>
-              <a:t>alle operationer i transaktionen eller også gennemføres ingen </a:t>
-            </a:r>
-            <a:r>
-              <a:rPr lang="da-DK" dirty="0" smtClean="0"/>
-              <a:t>operationer</a:t>
-            </a:r>
-          </a:p>
-          <a:p>
-            <a:r>
-              <a:rPr lang="da-DK" b="1" dirty="0" err="1" smtClean="0"/>
-              <a:t>C</a:t>
-            </a:r>
-            <a:r>
-              <a:rPr lang="da-DK" dirty="0" err="1" smtClean="0"/>
-              <a:t>onsistency</a:t>
-            </a:r>
-            <a:r>
-              <a:rPr lang="da-DK" dirty="0" smtClean="0"/>
-              <a:t> (Konsistens)</a:t>
-            </a:r>
-            <a:br>
-              <a:rPr lang="da-DK" dirty="0" smtClean="0"/>
-            </a:br>
-            <a:r>
-              <a:rPr lang="da-DK" dirty="0"/>
-              <a:t>En transaktion transformerer altid databasen fra en konsistent tilstand til en ny konsistent tilstand</a:t>
-            </a:r>
-            <a:r>
-              <a:rPr lang="da-DK" dirty="0" smtClean="0"/>
-              <a:t>.</a:t>
-            </a:r>
-          </a:p>
-          <a:p>
-            <a:r>
-              <a:rPr lang="da-DK" b="1" dirty="0" smtClean="0"/>
-              <a:t>I</a:t>
-            </a:r>
-            <a:r>
-              <a:rPr lang="da-DK" dirty="0" smtClean="0"/>
-              <a:t>solation</a:t>
-            </a:r>
-            <a:br>
-              <a:rPr lang="da-DK" dirty="0" smtClean="0"/>
-            </a:br>
-            <a:r>
-              <a:rPr lang="da-DK" dirty="0" smtClean="0"/>
-              <a:t>Transaktioner udføres uafhængigt af hinanden, og hver enkelt transaktion kender intet til de øvrige transaktioners</a:t>
-            </a:r>
-          </a:p>
-          <a:p>
-            <a:r>
-              <a:rPr lang="da-DK" b="1" dirty="0" err="1" smtClean="0"/>
-              <a:t>D</a:t>
-            </a:r>
-            <a:r>
-              <a:rPr lang="da-DK" dirty="0" err="1" smtClean="0"/>
-              <a:t>urability</a:t>
-            </a:r>
-            <a:r>
-              <a:rPr lang="da-DK" dirty="0" smtClean="0"/>
-              <a:t/>
-            </a:r>
-            <a:br>
-              <a:rPr lang="da-DK" dirty="0" smtClean="0"/>
-            </a:br>
-            <a:r>
-              <a:rPr lang="da-DK" dirty="0" smtClean="0"/>
-              <a:t>En succesfuld gennemført transaktion medfører altid, at effekten af operationerne bliver gemt i database filen</a:t>
-            </a:r>
-          </a:p>
-          <a:p>
-            <a:endParaRPr lang="da-DK" dirty="0" smtClean="0"/>
-          </a:p>
-          <a:p>
-            <a:endParaRPr lang="da-DK" dirty="0"/>
-          </a:p>
-          <a:p>
-            <a:pPr marL="0" indent="0">
-              <a:buNone/>
-            </a:pPr>
+          <a:bodyPr/>
+          <a:lstStyle/>
+          <a:p>
+            <a:r>
+              <a:rPr lang="da-DK" dirty="0" smtClean="0"/>
+              <a:t>Man ønsker at udføre samtidige operationer på en database af hensyn til performance</a:t>
+            </a:r>
+          </a:p>
+          <a:p>
+            <a:r>
+              <a:rPr lang="da-DK" dirty="0" smtClean="0"/>
+              <a:t>Flere samtidige operationer som behandler samme data, kan skabe konflikter og inkonsistens i databasen</a:t>
+            </a:r>
+          </a:p>
+          <a:p>
+            <a:r>
+              <a:rPr lang="da-DK" dirty="0" smtClean="0"/>
+              <a:t>Det klassiske bank-eksempel med penge overførelse</a:t>
+            </a:r>
+          </a:p>
+          <a:p>
             <a:endParaRPr lang="da-DK" dirty="0"/>
           </a:p>
         </p:txBody>
@@ -3849,7 +4096,7 @@
     </p:spTree>
     <p:extLst>
       <p:ext uri="{BB962C8B-B14F-4D97-AF65-F5344CB8AC3E}">
-        <p14:creationId xmlns="" xmlns:p14="http://schemas.microsoft.com/office/powerpoint/2010/main" val="1959730664"/>
+        <p14:creationId xmlns:p14="http://schemas.microsoft.com/office/powerpoint/2010/main" val="1511833257"/>
       </p:ext>
     </p:extLst>
   </p:cSld>
@@ -3912,7 +4159,7 @@
         <p:spPr/>
         <p:txBody>
           <a:bodyPr>
-            <a:normAutofit/>
+            <a:normAutofit fontScale="92500"/>
           </a:bodyPr>
           <a:lstStyle/>
           <a:p>
@@ -3947,16 +4194,38 @@
           </a:p>
           <a:p>
             <a:r>
-              <a:rPr lang="da-DK" dirty="0"/>
-              <a:t>Der findes to typer låse: </a:t>
-            </a:r>
-            <a:r>
-              <a:rPr lang="da-DK" dirty="0" err="1"/>
-              <a:t>læse-låse</a:t>
-            </a:r>
-            <a:r>
-              <a:rPr lang="da-DK" dirty="0"/>
-              <a:t> </a:t>
+              <a:rPr lang="da-DK" dirty="0" err="1" smtClean="0"/>
+              <a:t>Overodnet</a:t>
+            </a:r>
+            <a:r>
+              <a:rPr lang="da-DK" dirty="0" smtClean="0"/>
+              <a:t> findes der to typer: binære og </a:t>
+            </a:r>
+            <a:r>
+              <a:rPr lang="da-DK" dirty="0" err="1" smtClean="0"/>
+              <a:t>shared</a:t>
+            </a:r>
+            <a:r>
+              <a:rPr lang="da-DK" dirty="0" smtClean="0"/>
+              <a:t>/</a:t>
+            </a:r>
+            <a:r>
+              <a:rPr lang="da-DK" dirty="0" err="1" smtClean="0"/>
+              <a:t>exclusive</a:t>
+            </a:r>
+            <a:endParaRPr lang="da-DK" dirty="0" smtClean="0"/>
+          </a:p>
+          <a:p>
+            <a:r>
+              <a:rPr lang="da-DK" dirty="0" smtClean="0"/>
+              <a:t>Binære låse på dataitem er enten låst eller ulåst uanset operationstype</a:t>
+            </a:r>
+            <a:endParaRPr lang="da-DK" dirty="0" smtClean="0"/>
+          </a:p>
+          <a:p>
+            <a:r>
+              <a:rPr lang="da-DK" dirty="0" smtClean="0"/>
+              <a:t>læse-låse </a:t>
             </a:r>
             <a:r>
               <a:rPr lang="da-DK" i="1" dirty="0" err="1" smtClean="0"/>
@@ -3976,15 +4245,7 @@
             </a:r>
             <a:r>
               <a:rPr lang="da-DK" dirty="0"/>
-              <a:t>og </a:t>
-            </a:r>
-            <a:r>
-              <a:rPr lang="da-DK" dirty="0" err="1"/>
-              <a:t>skrive-låse</a:t>
-            </a:r>
-            <a:r>
-              <a:rPr lang="da-DK" dirty="0"/>
-              <a:t> </a:t>
+              <a:t>og skrive-låse </a:t>
             </a:r>
             <a:r>
               <a:rPr lang="da-DK" i="1" dirty="0" smtClean="0"/>
@@ -3993,6 +4254,10 @@
             <a:r>
               <a:rPr lang="da-DK" i="1" dirty="0" err="1" smtClean="0"/>
               <a:t>locks</a:t>
+            </a:r>
+            <a:r>
+              <a:rPr lang="da-DK" dirty="0" smtClean="0"/>
+              <a:t> differentiere på deres operation</a:t>
             </a:r>
             <a:endParaRPr lang="da-DK" dirty="0" smtClean="0"/>
           </a:p>
@@ -4025,7 +4290,7 @@
     </p:spTree>
     <p:extLst>
       <p:ext uri="{BB962C8B-B14F-4D97-AF65-F5344CB8AC3E}">
-        <p14:creationId xmlns="" xmlns:p14="http://schemas.microsoft.com/office/powerpoint/2010/main" val="1093069934"/>
+        <p14:creationId xmlns:p14="http://schemas.microsoft.com/office/powerpoint/2010/main" val="1093069934"/>
       </p:ext>
     </p:extLst>
   </p:cSld>
@@ -4136,8 +4401,23 @@
             </a:r>
             <a:r>
               <a:rPr lang="da-DK" dirty="0"/>
-              <a:t>kan andre transaktioner anmode om at få låsen til det pågældende data item.</a:t>
-            </a:r>
+              <a:t>kan andre transaktioner anmode om at få låsen til det pågældende data </a:t>
+            </a:r>
+            <a:r>
+              <a:rPr lang="da-DK" dirty="0" smtClean="0"/>
+              <a:t>item</a:t>
+            </a:r>
+          </a:p>
+          <a:p>
+            <a:r>
+              <a:rPr lang="da-DK" dirty="0" smtClean="0"/>
+              <a:t>Når to transaktioner har cykliske afhængigheder, kan låse forårsage </a:t>
+            </a:r>
+            <a:r>
+              <a:rPr lang="da-DK" dirty="0" err="1" smtClean="0"/>
+              <a:t>deadlocks</a:t>
+            </a:r>
+            <a:endParaRPr lang="da-DK" dirty="0"/>
           </a:p>
           <a:p>
             <a:endParaRPr lang="da-DK" dirty="0" smtClean="0"/>
@@ -4150,7 +4430,7 @@
     </p:spTree>
     <p:extLst>
       <p:ext uri="{BB962C8B-B14F-4D97-AF65-F5344CB8AC3E}">
-        <p14:creationId xmlns="" xmlns:p14="http://schemas.microsoft.com/office/powerpoint/2010/main" val="3234910410"/>
+        <p14:creationId xmlns:p14="http://schemas.microsoft.com/office/powerpoint/2010/main" val="3234910410"/>
       </p:ext>
     </p:extLst>
   </p:cSld>
@@ -4193,135 +4473,167 @@
           <a:lstStyle/>
           <a:p>
             <a:r>
+              <a:rPr lang="da-DK" dirty="0" smtClean="0"/>
+              <a:t>To-fase låse protokol</a:t>
+            </a:r>
+            <a:endParaRPr lang="da-DK" dirty="0"/>
+          </a:p>
+        </p:txBody>
+      </p:sp>
+      <p:sp>
+        <p:nvSpPr>
+          <p:cNvPr id="3" name="Pladsholder til indhold 2"/>
+          <p:cNvSpPr>
+            <a:spLocks noGrp="1"/>
+          </p:cNvSpPr>
+          <p:nvPr>
+            <p:ph idx="1"/>
+          </p:nvPr>
+        </p:nvSpPr>
+        <p:spPr/>
+        <p:txBody>
+          <a:bodyPr>
+            <a:normAutofit fontScale="92500"/>
+          </a:bodyPr>
+          <a:lstStyle/>
+          <a:p>
+            <a:r>
+              <a:rPr lang="da-DK" dirty="0"/>
+              <a:t>En transaktion inddeles i to faser: </a:t>
+            </a:r>
+            <a:r>
+              <a:rPr lang="da-DK" i="1" dirty="0"/>
+              <a:t>growing </a:t>
+            </a:r>
+            <a:r>
+              <a:rPr lang="da-DK" i="1" dirty="0" err="1"/>
+              <a:t>phase</a:t>
+            </a:r>
+            <a:r>
+              <a:rPr lang="da-DK" dirty="0"/>
+              <a:t> og </a:t>
+            </a:r>
+            <a:r>
+              <a:rPr lang="da-DK" i="1" dirty="0" err="1"/>
+              <a:t>shrinking</a:t>
+            </a:r>
+            <a:r>
+              <a:rPr lang="da-DK" i="1" dirty="0"/>
+              <a:t> </a:t>
+            </a:r>
+            <a:r>
+              <a:rPr lang="da-DK" i="1" dirty="0" err="1"/>
+              <a:t>phase</a:t>
+            </a:r>
+            <a:r>
+              <a:rPr lang="da-DK" dirty="0"/>
+              <a:t>.</a:t>
+            </a:r>
+          </a:p>
+          <a:p>
+            <a:r>
+              <a:rPr lang="da-DK" dirty="0"/>
+              <a:t>I </a:t>
+            </a:r>
+            <a:r>
+              <a:rPr lang="da-DK" i="1" dirty="0"/>
+              <a:t>growing </a:t>
+            </a:r>
+            <a:r>
+              <a:rPr lang="da-DK" i="1" dirty="0" err="1"/>
+              <a:t>phase</a:t>
+            </a:r>
+            <a:r>
+              <a:rPr lang="da-DK" dirty="0"/>
+              <a:t> tildeler DBMS låse til de data items, som operationerne foretages på. Det sker inden operationen </a:t>
+            </a:r>
+            <a:r>
+              <a:rPr lang="da-DK" dirty="0" smtClean="0"/>
+              <a:t>udføres</a:t>
+            </a:r>
+          </a:p>
+          <a:p>
+            <a:r>
+              <a:rPr lang="da-DK" dirty="0"/>
+              <a:t>Nøgler tildeles ikke nødvendigvis på én gang, men bliver tildelt efterhånden som operationerne kræver </a:t>
+            </a:r>
+            <a:r>
+              <a:rPr lang="da-DK" dirty="0" smtClean="0"/>
+              <a:t>det</a:t>
+            </a:r>
+          </a:p>
+          <a:p>
+            <a:r>
+              <a:rPr lang="da-DK" dirty="0"/>
+              <a:t>I denne fase frigives ingen tildelte låse, før alle nødvendige låse er tildelt.</a:t>
+            </a:r>
+          </a:p>
+          <a:p>
+            <a:r>
+              <a:rPr lang="da-DK" dirty="0"/>
+              <a:t>I </a:t>
+            </a:r>
+            <a:r>
+              <a:rPr lang="da-DK" i="1" dirty="0" err="1"/>
+              <a:t>shrinking</a:t>
+            </a:r>
+            <a:r>
+              <a:rPr lang="da-DK" i="1" dirty="0"/>
+              <a:t> </a:t>
+            </a:r>
+            <a:r>
+              <a:rPr lang="da-DK" i="1" dirty="0" err="1"/>
+              <a:t>phase</a:t>
+            </a:r>
+            <a:r>
+              <a:rPr lang="da-DK" i="1" dirty="0"/>
+              <a:t> </a:t>
+            </a:r>
+            <a:r>
+              <a:rPr lang="da-DK" dirty="0" smtClean="0"/>
+              <a:t>tildeler DBMS ikke længere nye låse, men afgiver </a:t>
+            </a:r>
+            <a:r>
+              <a:rPr lang="da-DK" dirty="0"/>
+              <a:t>alle låsene </a:t>
+            </a:r>
+            <a:r>
+              <a:rPr lang="da-DK" dirty="0" smtClean="0"/>
+              <a:t>igen efterhånden som transaktionen gennemføres.</a:t>
+            </a:r>
+          </a:p>
+          <a:p>
+            <a:r>
+              <a:rPr lang="da-DK" dirty="0" smtClean="0"/>
+              <a:t>I den restriktive to fase låse protokol afgives alle låsene på én gang,</a:t>
+            </a:r>
+            <a:r>
+              <a:rPr lang="da-DK" dirty="0" smtClean="0"/>
+              <a:t> </a:t>
+            </a:r>
+            <a:r>
+              <a:rPr lang="da-DK" dirty="0"/>
+              <a:t>når sidste operation i </a:t>
+            </a:r>
+            <a:r>
+              <a:rPr lang="da-DK" dirty="0" smtClean="0"/>
+              <a:t>transaktionen er færdig og et </a:t>
+            </a:r>
+            <a:r>
               <a:rPr lang="da-DK" dirty="0" err="1" smtClean="0"/>
-              <a:t>Deadlocks</a:t>
-            </a:r>
-            <a:endParaRPr lang="da-DK" dirty="0"/>
-          </a:p>
-        </p:txBody>
-      </p:sp>
-      <p:sp>
-        <p:nvSpPr>
-          <p:cNvPr id="3" name="Pladsholder til indhold 2"/>
-          <p:cNvSpPr>
-            <a:spLocks noGrp="1"/>
-          </p:cNvSpPr>
-          <p:nvPr>
-            <p:ph idx="1"/>
-          </p:nvPr>
-        </p:nvSpPr>
-        <p:spPr/>
-        <p:txBody>
-          <a:bodyPr>
-            <a:normAutofit fontScale="85000" lnSpcReduction="20000"/>
-          </a:bodyPr>
-          <a:lstStyle/>
-          <a:p>
-            <a:r>
-              <a:rPr lang="da-DK" dirty="0" err="1" smtClean="0"/>
-              <a:t>Deadlocks</a:t>
-            </a:r>
-            <a:r>
-              <a:rPr lang="da-DK" dirty="0" smtClean="0"/>
-              <a:t> er en tilstand, hvor to transaktioner får en cyklisk afhængighed af hinanden</a:t>
-            </a:r>
-          </a:p>
-          <a:p>
-            <a:r>
-              <a:rPr lang="da-DK" dirty="0" smtClean="0"/>
-              <a:t>Transaktion A har en operation, hvor den har fået tildelt en </a:t>
-            </a:r>
-            <a:r>
-              <a:rPr lang="da-DK" dirty="0" err="1" smtClean="0"/>
-              <a:t>shared</a:t>
-            </a:r>
-            <a:r>
-              <a:rPr lang="da-DK" dirty="0" smtClean="0"/>
-              <a:t> lås på dataitem 1</a:t>
-            </a:r>
-          </a:p>
-          <a:p>
-            <a:r>
-              <a:rPr lang="da-DK" dirty="0" smtClean="0"/>
-              <a:t>Transaktion B har en operation, hvor den har fået tildelt en </a:t>
-            </a:r>
-            <a:r>
-              <a:rPr lang="da-DK" dirty="0" err="1" smtClean="0"/>
-              <a:t>shared</a:t>
-            </a:r>
-            <a:r>
-              <a:rPr lang="da-DK" dirty="0" smtClean="0"/>
-              <a:t> lås på dataitem 2</a:t>
-            </a:r>
-          </a:p>
-          <a:p>
-            <a:r>
-              <a:rPr lang="da-DK" dirty="0" smtClean="0"/>
-              <a:t>Transaktion A anmoder nu om at få en </a:t>
-            </a:r>
-            <a:r>
-              <a:rPr lang="da-DK" dirty="0" err="1" smtClean="0"/>
-              <a:t>exclusive</a:t>
-            </a:r>
-            <a:r>
-              <a:rPr lang="da-DK" dirty="0" smtClean="0"/>
-              <a:t> lås på dataitem 2, som pt. er låst af Transaktion B. Transaktion A venter på at </a:t>
-            </a:r>
-            <a:r>
-              <a:rPr lang="da-DK" dirty="0" err="1" smtClean="0"/>
-              <a:t>shared</a:t>
-            </a:r>
-            <a:r>
-              <a:rPr lang="da-DK" dirty="0" smtClean="0"/>
-              <a:t> lås på dataitem 2 frigives</a:t>
-            </a:r>
-          </a:p>
-          <a:p>
-            <a:r>
-              <a:rPr lang="da-DK" dirty="0" smtClean="0"/>
-              <a:t>Transaktion B anmoder nu om at få en </a:t>
-            </a:r>
-            <a:r>
-              <a:rPr lang="da-DK" dirty="0" err="1" smtClean="0"/>
-              <a:t>exclusive</a:t>
-            </a:r>
-            <a:r>
-              <a:rPr lang="da-DK" dirty="0" smtClean="0"/>
-              <a:t> lås på dataitem 1, som pt. er låst af Transaktion A. Transaktion B venter på at låsen på dataitem 1 frigives</a:t>
-            </a:r>
-          </a:p>
-          <a:p>
-            <a:r>
-              <a:rPr lang="da-DK" dirty="0" smtClean="0"/>
-              <a:t>Ingen af transaktionerne kan komme videre, og der er opstået en </a:t>
-            </a:r>
-            <a:r>
-              <a:rPr lang="da-DK" dirty="0" err="1" smtClean="0"/>
-              <a:t>deadlock</a:t>
-            </a:r>
-            <a:endParaRPr lang="da-DK" dirty="0" smtClean="0"/>
-          </a:p>
-          <a:p>
-            <a:r>
-              <a:rPr lang="da-DK" dirty="0" smtClean="0"/>
-              <a:t>DBMS har typisk periodisk overvågning af cykliske afhængigheder. Finder den en, </a:t>
-            </a:r>
-            <a:r>
-              <a:rPr lang="da-DK" dirty="0" err="1" smtClean="0"/>
-              <a:t>termineres</a:t>
-            </a:r>
-            <a:r>
-              <a:rPr lang="da-DK" dirty="0" smtClean="0"/>
-              <a:t> én af transaktionerne, som må starte forfra</a:t>
-            </a:r>
-            <a:endParaRPr lang="da-DK" dirty="0"/>
+              <a:t>commit</a:t>
+            </a:r>
+            <a:r>
+              <a:rPr lang="da-DK" dirty="0" smtClean="0"/>
+              <a:t> udføres</a:t>
+            </a:r>
           </a:p>
         </p:txBody>
       </p:sp>
     </p:spTree>
     <p:extLst>
       <p:ext uri="{BB962C8B-B14F-4D97-AF65-F5344CB8AC3E}">
-        <p14:creationId xmlns="" xmlns:p14="http://schemas.microsoft.com/office/powerpoint/2010/main" val="1434816220"/>
+        <p14:creationId xmlns:p14="http://schemas.microsoft.com/office/powerpoint/2010/main" val="3153907886"/>
       </p:ext>
     </p:extLst>
   </p:cSld>
@@ -4364,8 +4676,8 @@
           <a:lstStyle/>
           <a:p>
             <a:r>
-              <a:rPr lang="da-DK" dirty="0" smtClean="0"/>
-              <a:t>To fase låse</a:t>
+              <a:rPr lang="da-DK" dirty="0" err="1" smtClean="0"/>
+              <a:t>Deadlocks</a:t>
             </a:r>
             <a:endParaRPr lang="da-DK" dirty="0"/>
           </a:p>
@@ -4384,121 +4696,133 @@
         <p:spPr/>
         <p:txBody>
           <a:bodyPr>
-            <a:normAutofit lnSpcReduction="10000"/>
+            <a:normAutofit fontScale="77500" lnSpcReduction="20000"/>
           </a:bodyPr>
           <a:lstStyle/>
           <a:p>
             <a:r>
-              <a:rPr lang="da-DK" dirty="0"/>
-              <a:t>En transaktion inddeles i to faser: </a:t>
-            </a:r>
-            <a:r>
-              <a:rPr lang="da-DK" i="1" dirty="0"/>
-              <a:t>growing </a:t>
-            </a:r>
-            <a:r>
-              <a:rPr lang="da-DK" i="1" dirty="0" err="1"/>
-              <a:t>phase</a:t>
-            </a:r>
-            <a:r>
-              <a:rPr lang="da-DK" dirty="0"/>
-              <a:t> og </a:t>
-            </a:r>
-            <a:r>
-              <a:rPr lang="da-DK" i="1" dirty="0" err="1"/>
-              <a:t>shrinking</a:t>
-            </a:r>
-            <a:r>
-              <a:rPr lang="da-DK" i="1" dirty="0"/>
+              <a:rPr lang="da-DK" dirty="0" err="1" smtClean="0"/>
+              <a:t>Deadlocks</a:t>
+            </a:r>
+            <a:r>
+              <a:rPr lang="da-DK" dirty="0" smtClean="0"/>
               <a:t> </a:t>
             </a:r>
             <a:r>
-              <a:rPr lang="da-DK" i="1" dirty="0" err="1"/>
-              <a:t>phase</a:t>
-            </a:r>
-            <a:r>
-              <a:rPr lang="da-DK" dirty="0"/>
-              <a:t>.</a:t>
-            </a:r>
-          </a:p>
-          <a:p>
-            <a:r>
-              <a:rPr lang="da-DK" dirty="0"/>
-              <a:t>I </a:t>
-            </a:r>
-            <a:r>
-              <a:rPr lang="da-DK" i="1" dirty="0"/>
-              <a:t>growing </a:t>
-            </a:r>
-            <a:r>
-              <a:rPr lang="da-DK" i="1" dirty="0" err="1"/>
-              <a:t>phase</a:t>
-            </a:r>
-            <a:r>
-              <a:rPr lang="da-DK" dirty="0"/>
-              <a:t> tildeler DBMS låse til de data items, som operationerne foretages på. Det sker inden operationen </a:t>
-            </a:r>
-            <a:r>
-              <a:rPr lang="da-DK" dirty="0" smtClean="0"/>
-              <a:t>udføres</a:t>
-            </a:r>
-          </a:p>
-          <a:p>
-            <a:r>
-              <a:rPr lang="da-DK" dirty="0"/>
-              <a:t>Nøgler tildeles ikke nødvendigvis på én gang, men bliver tildelt efterhånden som operationerne kræver </a:t>
-            </a:r>
-            <a:r>
-              <a:rPr lang="da-DK" dirty="0" smtClean="0"/>
-              <a:t>det</a:t>
-            </a:r>
-          </a:p>
-          <a:p>
-            <a:r>
-              <a:rPr lang="da-DK" dirty="0"/>
-              <a:t>I denne fase frigives ingen tildelte låse, før alle nødvendige låse er tildelt.</a:t>
-            </a:r>
-          </a:p>
-          <a:p>
-            <a:r>
-              <a:rPr lang="da-DK" dirty="0"/>
-              <a:t>I </a:t>
-            </a:r>
-            <a:r>
-              <a:rPr lang="da-DK" i="1" dirty="0" err="1"/>
-              <a:t>shrinking</a:t>
-            </a:r>
-            <a:r>
-              <a:rPr lang="da-DK" i="1" dirty="0"/>
-              <a:t> </a:t>
-            </a:r>
-            <a:r>
-              <a:rPr lang="da-DK" i="1" dirty="0" err="1"/>
-              <a:t>phase</a:t>
-            </a:r>
-            <a:r>
-              <a:rPr lang="da-DK" i="1" dirty="0"/>
-              <a:t> </a:t>
-            </a:r>
-            <a:r>
-              <a:rPr lang="da-DK" dirty="0" smtClean="0"/>
-              <a:t>tildeler DBMS ikke længere nye låse, men afgiver </a:t>
-            </a:r>
-            <a:r>
-              <a:rPr lang="da-DK" dirty="0"/>
-              <a:t>alle låsene igen, når sidste operation i transaktionen som gør brug af en lås, er </a:t>
-            </a:r>
-            <a:r>
-              <a:rPr lang="da-DK" dirty="0" smtClean="0"/>
-              <a:t>færdig</a:t>
-            </a:r>
+              <a:rPr lang="da-DK" dirty="0" smtClean="0"/>
+              <a:t>er en tilstand, hvor to transaktioner får en cyklisk afhængighed af hinanden</a:t>
+            </a:r>
+          </a:p>
+          <a:p>
+            <a:r>
+              <a:rPr lang="da-DK" dirty="0" smtClean="0"/>
+              <a:t>Transaktion A har en operation, hvor den har fået tildelt en </a:t>
+            </a:r>
+            <a:r>
+              <a:rPr lang="da-DK" dirty="0" err="1" smtClean="0"/>
+              <a:t>shared</a:t>
+            </a:r>
+            <a:r>
+              <a:rPr lang="da-DK" dirty="0" smtClean="0"/>
+              <a:t> lås på dataitem 1</a:t>
+            </a:r>
+          </a:p>
+          <a:p>
+            <a:r>
+              <a:rPr lang="da-DK" dirty="0" smtClean="0"/>
+              <a:t>Transaktion B har en operation, hvor den har fået tildelt en </a:t>
+            </a:r>
+            <a:r>
+              <a:rPr lang="da-DK" dirty="0" err="1" smtClean="0"/>
+              <a:t>shared</a:t>
+            </a:r>
+            <a:r>
+              <a:rPr lang="da-DK" dirty="0" smtClean="0"/>
+              <a:t> lås på dataitem 2</a:t>
+            </a:r>
+          </a:p>
+          <a:p>
+            <a:r>
+              <a:rPr lang="da-DK" dirty="0" smtClean="0"/>
+              <a:t>Transaktion A anmoder nu om at få en </a:t>
+            </a:r>
+            <a:r>
+              <a:rPr lang="da-DK" dirty="0" err="1" smtClean="0"/>
+              <a:t>exclusive</a:t>
+            </a:r>
+            <a:r>
+              <a:rPr lang="da-DK" dirty="0" smtClean="0"/>
+              <a:t> lås på dataitem 2, som pt. er låst af Transaktion B. Transaktion A venter på at </a:t>
+            </a:r>
+            <a:r>
+              <a:rPr lang="da-DK" dirty="0" err="1" smtClean="0"/>
+              <a:t>shared</a:t>
+            </a:r>
+            <a:r>
+              <a:rPr lang="da-DK" dirty="0" smtClean="0"/>
+              <a:t> lås på dataitem 2 frigives</a:t>
+            </a:r>
+          </a:p>
+          <a:p>
+            <a:r>
+              <a:rPr lang="da-DK" dirty="0" smtClean="0"/>
+              <a:t>Transaktion B anmoder nu om at få en </a:t>
+            </a:r>
+            <a:r>
+              <a:rPr lang="da-DK" dirty="0" err="1" smtClean="0"/>
+              <a:t>exclusive</a:t>
+            </a:r>
+            <a:r>
+              <a:rPr lang="da-DK" dirty="0" smtClean="0"/>
+              <a:t> lås på dataitem 1, som pt. er låst af Transaktion A. Transaktion B venter på at låsen på dataitem 1 frigives</a:t>
+            </a:r>
+          </a:p>
+          <a:p>
+            <a:r>
+              <a:rPr lang="da-DK" dirty="0" smtClean="0"/>
+              <a:t>Ingen af transaktionerne kan komme videre, og der er opstået en </a:t>
+            </a:r>
+            <a:r>
+              <a:rPr lang="da-DK" dirty="0" err="1" smtClean="0"/>
+              <a:t>deadlock</a:t>
+            </a:r>
+            <a:endParaRPr lang="da-DK" dirty="0" smtClean="0"/>
+          </a:p>
+          <a:p>
+            <a:r>
+              <a:rPr lang="da-DK" dirty="0" smtClean="0"/>
+              <a:t>DBMS har typisk periodisk overvågning af cykliske afhængigheder. Finder den en, </a:t>
+            </a:r>
+            <a:r>
+              <a:rPr lang="da-DK" dirty="0" err="1" smtClean="0"/>
+              <a:t>termineres</a:t>
+            </a:r>
+            <a:r>
+              <a:rPr lang="da-DK" dirty="0" smtClean="0"/>
+              <a:t> én af transaktionerne, som må starte </a:t>
+            </a:r>
+            <a:r>
+              <a:rPr lang="da-DK" dirty="0" smtClean="0"/>
+              <a:t>forfra</a:t>
+            </a:r>
+          </a:p>
+          <a:p>
+            <a:r>
+              <a:rPr lang="da-DK" dirty="0" smtClean="0"/>
+              <a:t>Andre samtidigheds kontroller har ikke risiko for </a:t>
+            </a:r>
+            <a:r>
+              <a:rPr lang="da-DK" dirty="0" err="1" smtClean="0"/>
+              <a:t>deadlocks</a:t>
+            </a:r>
+            <a:endParaRPr lang="da-DK" dirty="0"/>
           </a:p>
         </p:txBody>
       </p:sp>
     </p:spTree>
     <p:extLst>
       <p:ext uri="{BB962C8B-B14F-4D97-AF65-F5344CB8AC3E}">
-        <p14:creationId xmlns="" xmlns:p14="http://schemas.microsoft.com/office/powerpoint/2010/main" val="3153907886"/>
+        <p14:creationId xmlns:p14="http://schemas.microsoft.com/office/powerpoint/2010/main" val="1434816220"/>
       </p:ext>
     </p:extLst>
   </p:cSld>
@@ -4763,7 +5087,7 @@
   <a:extraClrSchemeLst/>
   <a:extLst>
     <a:ext uri="{05A4C25C-085E-4340-85A3-A5531E510DB2}">
-      <thm15:themeFamily xmlns="" xmlns:thm15="http://schemas.microsoft.com/office/thememl/2012/main" name="Office Theme" id="{62F939B6-93AF-4DB8-9C6B-D6C7DFDC589F}" vid="{4A3C46E8-61CC-4603-A589-7422A47A8E4A}"/>
+      <thm15:themeFamily xmlns:thm15="http://schemas.microsoft.com/office/thememl/2012/main" name="Office Theme" id="{62F939B6-93AF-4DB8-9C6B-D6C7DFDC589F}" vid="{4A3C46E8-61CC-4603-A589-7422A47A8E4A}"/>
     </a:ext>
   </a:extLst>
 </a:theme>

--- a/eventmanagement/Præsentation.pptx
+++ b/eventmanagement/Præsentation.pptx
@@ -12,8 +12,8 @@
     <p:sldId id="258" r:id="rId6"/>
     <p:sldId id="262" r:id="rId7"/>
     <p:sldId id="263" r:id="rId8"/>
-    <p:sldId id="265" r:id="rId9"/>
-    <p:sldId id="264" r:id="rId10"/>
+    <p:sldId id="264" r:id="rId9"/>
+    <p:sldId id="265" r:id="rId10"/>
     <p:sldId id="266" r:id="rId11"/>
     <p:sldId id="267" r:id="rId12"/>
     <p:sldId id="268" r:id="rId13"/>
@@ -3273,11 +3273,7 @@
           <a:p>
             <a:r>
               <a:rPr lang="da-DK" dirty="0" smtClean="0"/>
-              <a:t>Optimistisk samtidigheds </a:t>
-            </a:r>
-            <a:r>
-              <a:rPr lang="da-DK" dirty="0" smtClean="0"/>
-              <a:t>kontrol protokol</a:t>
+              <a:t>Optimistisk samtidigheds kontrol protokol</a:t>
             </a:r>
             <a:endParaRPr lang="da-DK" dirty="0"/>
           </a:p>
@@ -3382,7 +3378,15 @@
             </a:r>
             <a:r>
               <a:rPr lang="da-DK" dirty="0" smtClean="0"/>
-              <a:t> transaktion i </a:t>
+              <a:t> </a:t>
+            </a:r>
+            <a:r>
+              <a:rPr lang="da-DK" dirty="0" smtClean="0"/>
+              <a:t>transaktionen </a:t>
+            </a:r>
+            <a:r>
+              <a:rPr lang="da-DK" dirty="0" smtClean="0"/>
+              <a:t>i </a:t>
             </a:r>
             <a:r>
               <a:rPr lang="da-DK" i="1" dirty="0" smtClean="0"/>
@@ -3392,15 +3396,7 @@
           <a:p>
             <a:r>
               <a:rPr lang="da-DK" dirty="0" smtClean="0"/>
-              <a:t>Fordele ved optimistisk samtidigheds kontrol er performance, og den har sin styrke i systemer, </a:t>
-            </a:r>
-            <a:r>
-              <a:rPr lang="da-DK" smtClean="0"/>
-              <a:t>hvor sandsynligheden </a:t>
-            </a:r>
-            <a:r>
-              <a:rPr lang="da-DK" dirty="0" smtClean="0"/>
-              <a:t>for konflikter er små</a:t>
+              <a:t>Fordele ved optimistisk samtidigheds kontrol er performance, og den har sin styrke i systemer, hvor sandsynligheden for konflikter er små</a:t>
             </a:r>
             <a:endParaRPr lang="da-DK" dirty="0"/>
           </a:p>
@@ -3500,7 +3496,23 @@
           <a:p>
             <a:r>
               <a:rPr lang="da-DK" dirty="0" smtClean="0"/>
-              <a:t>Hvis to medlemmer opretter en tilmelding samtidig, er det vigtigt at hver enkelt DML operation udføres i en transaktion, da operationen er sårbar for ‘</a:t>
+              <a:t>Hvis to medlemmer opretter en tilmelding samtidig, er det vigtigt at hver enkelt DML operation udføres i en transaktion, da operationen </a:t>
+            </a:r>
+            <a:r>
+              <a:rPr lang="da-DK" dirty="0" smtClean="0"/>
+              <a:t>i </a:t>
+            </a:r>
+            <a:r>
+              <a:rPr lang="da-DK" dirty="0" smtClean="0"/>
+              <a:t>sig selv </a:t>
+            </a:r>
+            <a:r>
+              <a:rPr lang="da-DK" dirty="0" smtClean="0"/>
+              <a:t>er </a:t>
+            </a:r>
+            <a:r>
+              <a:rPr lang="da-DK" dirty="0" smtClean="0"/>
+              <a:t>sårbar for ‘</a:t>
             </a:r>
             <a:r>
               <a:rPr lang="da-DK" dirty="0" err="1" smtClean="0"/>
@@ -3630,11 +3642,7 @@
           <a:p>
             <a:r>
               <a:rPr lang="da-DK" dirty="0" smtClean="0"/>
-              <a:t>Hvad </a:t>
-            </a:r>
-            <a:r>
-              <a:rPr lang="da-DK" dirty="0" smtClean="0"/>
-              <a:t>er en transaktion</a:t>
+              <a:t>Hvad er en transaktion</a:t>
             </a:r>
           </a:p>
           <a:p>
@@ -3652,7 +3660,6 @@
               <a:rPr lang="da-DK" dirty="0" smtClean="0"/>
               <a:t>operationer</a:t>
             </a:r>
-            <a:endParaRPr lang="da-DK" dirty="0" smtClean="0"/>
           </a:p>
           <a:p>
             <a:r>
@@ -4073,7 +4080,15 @@
           <a:p>
             <a:r>
               <a:rPr lang="da-DK" dirty="0" smtClean="0"/>
-              <a:t>Man ønsker at udføre samtidige operationer på en database af hensyn til performance</a:t>
+              <a:t>Man ønsker at udføre samtidige </a:t>
+            </a:r>
+            <a:r>
+              <a:rPr lang="da-DK" dirty="0" smtClean="0"/>
+              <a:t>transaktioner </a:t>
+            </a:r>
+            <a:r>
+              <a:rPr lang="da-DK" dirty="0" smtClean="0"/>
+              <a:t>på en database af hensyn til performance</a:t>
             </a:r>
           </a:p>
           <a:p>
@@ -4085,8 +4100,33 @@
           <a:p>
             <a:r>
               <a:rPr lang="da-DK" dirty="0" smtClean="0"/>
-              <a:t>Det klassiske bank-eksempel med penge overførelse</a:t>
-            </a:r>
+              <a:t>Det klassiske bank-eksempel med penge </a:t>
+            </a:r>
+            <a:r>
+              <a:rPr lang="da-DK" dirty="0" smtClean="0"/>
+              <a:t>overførelse</a:t>
+            </a:r>
+          </a:p>
+          <a:p>
+            <a:r>
+              <a:rPr lang="da-DK" dirty="0" smtClean="0"/>
+              <a:t>DBMS har forskellige protokoller, som skal forhindre disse problemer</a:t>
+            </a:r>
+          </a:p>
+          <a:p>
+            <a:r>
+              <a:rPr lang="da-DK" dirty="0" smtClean="0"/>
+              <a:t>Målet for alle protokoller er, at </a:t>
+            </a:r>
+            <a:r>
+              <a:rPr lang="da-DK" dirty="0" err="1" smtClean="0"/>
+              <a:t>Serializability</a:t>
+            </a:r>
+            <a:r>
+              <a:rPr lang="da-DK" dirty="0" smtClean="0"/>
+              <a:t> princippet overholdes</a:t>
+            </a:r>
+            <a:endParaRPr lang="da-DK" dirty="0" smtClean="0"/>
           </a:p>
           <a:p>
             <a:endParaRPr lang="da-DK" dirty="0"/>
@@ -4220,7 +4260,6 @@
               <a:rPr lang="da-DK" dirty="0" smtClean="0"/>
               <a:t>Binære låse på dataitem er enten låst eller ulåst uanset operationstype</a:t>
             </a:r>
-            <a:endParaRPr lang="da-DK" dirty="0" smtClean="0"/>
           </a:p>
           <a:p>
             <a:r>
@@ -4259,7 +4298,6 @@
               <a:rPr lang="da-DK" dirty="0" smtClean="0"/>
               <a:t> differentiere på deres operation</a:t>
             </a:r>
-            <a:endParaRPr lang="da-DK" dirty="0" smtClean="0"/>
           </a:p>
           <a:p>
             <a:r>
@@ -4473,8 +4511,8 @@
           <a:lstStyle/>
           <a:p>
             <a:r>
-              <a:rPr lang="da-DK" dirty="0" smtClean="0"/>
-              <a:t>To-fase låse protokol</a:t>
+              <a:rPr lang="da-DK" dirty="0" err="1" smtClean="0"/>
+              <a:t>Deadlocks</a:t>
             </a:r>
             <a:endParaRPr lang="da-DK" dirty="0"/>
           </a:p>
@@ -4493,147 +4531,125 @@
         <p:spPr/>
         <p:txBody>
           <a:bodyPr>
-            <a:normAutofit fontScale="92500"/>
+            <a:normAutofit fontScale="77500" lnSpcReduction="20000"/>
           </a:bodyPr>
           <a:lstStyle/>
           <a:p>
             <a:r>
-              <a:rPr lang="da-DK" dirty="0"/>
-              <a:t>En transaktion inddeles i to faser: </a:t>
-            </a:r>
-            <a:r>
-              <a:rPr lang="da-DK" i="1" dirty="0"/>
-              <a:t>growing </a:t>
-            </a:r>
-            <a:r>
-              <a:rPr lang="da-DK" i="1" dirty="0" err="1"/>
-              <a:t>phase</a:t>
-            </a:r>
-            <a:r>
-              <a:rPr lang="da-DK" dirty="0"/>
-              <a:t> og </a:t>
-            </a:r>
-            <a:r>
-              <a:rPr lang="da-DK" i="1" dirty="0" err="1"/>
-              <a:t>shrinking</a:t>
-            </a:r>
-            <a:r>
-              <a:rPr lang="da-DK" i="1" dirty="0"/>
-              <a:t> </a:t>
-            </a:r>
-            <a:r>
-              <a:rPr lang="da-DK" i="1" dirty="0" err="1"/>
-              <a:t>phase</a:t>
-            </a:r>
-            <a:r>
-              <a:rPr lang="da-DK" dirty="0"/>
-              <a:t>.</a:t>
-            </a:r>
-          </a:p>
-          <a:p>
-            <a:r>
-              <a:rPr lang="da-DK" dirty="0"/>
-              <a:t>I </a:t>
-            </a:r>
-            <a:r>
-              <a:rPr lang="da-DK" i="1" dirty="0"/>
-              <a:t>growing </a:t>
-            </a:r>
-            <a:r>
-              <a:rPr lang="da-DK" i="1" dirty="0" err="1"/>
-              <a:t>phase</a:t>
-            </a:r>
-            <a:r>
-              <a:rPr lang="da-DK" dirty="0"/>
-              <a:t> tildeler DBMS låse til de data items, som operationerne foretages på. Det sker inden operationen </a:t>
-            </a:r>
-            <a:r>
-              <a:rPr lang="da-DK" dirty="0" smtClean="0"/>
-              <a:t>udføres</a:t>
-            </a:r>
-          </a:p>
-          <a:p>
-            <a:r>
-              <a:rPr lang="da-DK" dirty="0"/>
-              <a:t>Nøgler tildeles ikke nødvendigvis på én gang, men bliver tildelt efterhånden som operationerne kræver </a:t>
-            </a:r>
-            <a:r>
-              <a:rPr lang="da-DK" dirty="0" smtClean="0"/>
-              <a:t>det</a:t>
-            </a:r>
-          </a:p>
-          <a:p>
-            <a:r>
-              <a:rPr lang="da-DK" dirty="0"/>
-              <a:t>I denne fase frigives ingen tildelte låse, før alle nødvendige låse er tildelt.</a:t>
-            </a:r>
-          </a:p>
-          <a:p>
-            <a:r>
-              <a:rPr lang="da-DK" dirty="0"/>
-              <a:t>I </a:t>
-            </a:r>
-            <a:r>
-              <a:rPr lang="da-DK" i="1" dirty="0" err="1"/>
-              <a:t>shrinking</a:t>
-            </a:r>
-            <a:r>
-              <a:rPr lang="da-DK" i="1" dirty="0"/>
-              <a:t> </a:t>
-            </a:r>
-            <a:r>
-              <a:rPr lang="da-DK" i="1" dirty="0" err="1"/>
-              <a:t>phase</a:t>
-            </a:r>
-            <a:r>
-              <a:rPr lang="da-DK" i="1" dirty="0"/>
-              <a:t> </a:t>
-            </a:r>
-            <a:r>
-              <a:rPr lang="da-DK" dirty="0" smtClean="0"/>
-              <a:t>tildeler DBMS ikke længere nye låse, men afgiver </a:t>
-            </a:r>
-            <a:r>
-              <a:rPr lang="da-DK" dirty="0"/>
-              <a:t>alle låsene </a:t>
-            </a:r>
-            <a:r>
-              <a:rPr lang="da-DK" dirty="0" smtClean="0"/>
-              <a:t>igen efterhånden som transaktionen gennemføres.</a:t>
-            </a:r>
-          </a:p>
-          <a:p>
-            <a:r>
-              <a:rPr lang="da-DK" dirty="0" smtClean="0"/>
-              <a:t>I den restriktive to fase låse protokol afgives alle låsene på én gang,</a:t>
-            </a:r>
-            <a:r>
-              <a:rPr lang="da-DK" dirty="0" smtClean="0"/>
-              <a:t> </a:t>
-            </a:r>
-            <a:r>
-              <a:rPr lang="da-DK" dirty="0"/>
-              <a:t>når sidste operation i </a:t>
-            </a:r>
-            <a:r>
-              <a:rPr lang="da-DK" dirty="0" smtClean="0"/>
-              <a:t>transaktionen er færdig og et </a:t>
-            </a:r>
-            <a:r>
               <a:rPr lang="da-DK" dirty="0" err="1" smtClean="0"/>
-              <a:t>commit</a:t>
-            </a:r>
-            <a:r>
-              <a:rPr lang="da-DK" dirty="0" smtClean="0"/>
-              <a:t> udføres</a:t>
-            </a:r>
+              <a:t>Deadlocks</a:t>
+            </a:r>
+            <a:r>
+              <a:rPr lang="da-DK" dirty="0" smtClean="0"/>
+              <a:t> er en tilstand, hvor to transaktioner får en cyklisk afhængighed af hinanden</a:t>
+            </a:r>
+          </a:p>
+          <a:p>
+            <a:r>
+              <a:rPr lang="da-DK" dirty="0" smtClean="0"/>
+              <a:t>Transaktion A har en operation, hvor den har fået tildelt en </a:t>
+            </a:r>
+            <a:r>
+              <a:rPr lang="da-DK" dirty="0" err="1" smtClean="0"/>
+              <a:t>shared</a:t>
+            </a:r>
+            <a:r>
+              <a:rPr lang="da-DK" dirty="0" smtClean="0"/>
+              <a:t> lås på dataitem 1</a:t>
+            </a:r>
+          </a:p>
+          <a:p>
+            <a:r>
+              <a:rPr lang="da-DK" dirty="0" smtClean="0"/>
+              <a:t>Transaktion B har en operation, hvor den har fået tildelt en </a:t>
+            </a:r>
+            <a:r>
+              <a:rPr lang="da-DK" dirty="0" err="1" smtClean="0"/>
+              <a:t>shared</a:t>
+            </a:r>
+            <a:r>
+              <a:rPr lang="da-DK" dirty="0" smtClean="0"/>
+              <a:t> lås på dataitem 2</a:t>
+            </a:r>
+          </a:p>
+          <a:p>
+            <a:r>
+              <a:rPr lang="da-DK" dirty="0" smtClean="0"/>
+              <a:t>Transaktion A anmoder nu om at få en </a:t>
+            </a:r>
+            <a:r>
+              <a:rPr lang="da-DK" dirty="0" err="1" smtClean="0"/>
+              <a:t>exclusive</a:t>
+            </a:r>
+            <a:r>
+              <a:rPr lang="da-DK" dirty="0" smtClean="0"/>
+              <a:t> lås på dataitem 2, som pt. er låst af Transaktion B. Transaktion A venter på at </a:t>
+            </a:r>
+            <a:r>
+              <a:rPr lang="da-DK" dirty="0" err="1" smtClean="0"/>
+              <a:t>shared</a:t>
+            </a:r>
+            <a:r>
+              <a:rPr lang="da-DK" dirty="0" smtClean="0"/>
+              <a:t> lås på dataitem 2 frigives</a:t>
+            </a:r>
+          </a:p>
+          <a:p>
+            <a:r>
+              <a:rPr lang="da-DK" dirty="0" smtClean="0"/>
+              <a:t>Transaktion B anmoder nu om at få en </a:t>
+            </a:r>
+            <a:r>
+              <a:rPr lang="da-DK" dirty="0" err="1" smtClean="0"/>
+              <a:t>exclusive</a:t>
+            </a:r>
+            <a:r>
+              <a:rPr lang="da-DK" dirty="0" smtClean="0"/>
+              <a:t> lås på dataitem 1, som pt. er låst af Transaktion A. Transaktion B venter på at låsen på dataitem 1 frigives</a:t>
+            </a:r>
+          </a:p>
+          <a:p>
+            <a:r>
+              <a:rPr lang="da-DK" dirty="0" smtClean="0"/>
+              <a:t>Ingen af transaktionerne kan komme videre, og der er opstået en </a:t>
+            </a:r>
+            <a:r>
+              <a:rPr lang="da-DK" dirty="0" err="1" smtClean="0"/>
+              <a:t>deadlock</a:t>
+            </a:r>
+            <a:endParaRPr lang="da-DK" dirty="0" smtClean="0"/>
+          </a:p>
+          <a:p>
+            <a:r>
+              <a:rPr lang="da-DK" dirty="0" smtClean="0"/>
+              <a:t>DBMS har typisk periodisk overvågning af cykliske afhængigheder. Finder den en, </a:t>
+            </a:r>
+            <a:r>
+              <a:rPr lang="da-DK" dirty="0" err="1" smtClean="0"/>
+              <a:t>termineres</a:t>
+            </a:r>
+            <a:r>
+              <a:rPr lang="da-DK" dirty="0" smtClean="0"/>
+              <a:t> én af transaktionerne, som må starte forfra</a:t>
+            </a:r>
+          </a:p>
+          <a:p>
+            <a:r>
+              <a:rPr lang="da-DK" dirty="0" smtClean="0"/>
+              <a:t>Andre samtidigheds kontroller har ikke risiko for </a:t>
+            </a:r>
+            <a:r>
+              <a:rPr lang="da-DK" dirty="0" err="1" smtClean="0"/>
+              <a:t>deadlocks</a:t>
+            </a:r>
+            <a:endParaRPr lang="da-DK" dirty="0"/>
           </a:p>
         </p:txBody>
       </p:sp>
     </p:spTree>
     <p:extLst>
       <p:ext uri="{BB962C8B-B14F-4D97-AF65-F5344CB8AC3E}">
-        <p14:creationId xmlns:p14="http://schemas.microsoft.com/office/powerpoint/2010/main" val="3153907886"/>
+        <p14:creationId xmlns:p14="http://schemas.microsoft.com/office/powerpoint/2010/main" val="1434816220"/>
       </p:ext>
     </p:extLst>
   </p:cSld>
@@ -4676,153 +4692,163 @@
           <a:lstStyle/>
           <a:p>
             <a:r>
+              <a:rPr lang="da-DK" dirty="0" smtClean="0"/>
+              <a:t>To-fase låse protokol</a:t>
+            </a:r>
+            <a:endParaRPr lang="da-DK" dirty="0"/>
+          </a:p>
+        </p:txBody>
+      </p:sp>
+      <p:sp>
+        <p:nvSpPr>
+          <p:cNvPr id="3" name="Pladsholder til indhold 2"/>
+          <p:cNvSpPr>
+            <a:spLocks noGrp="1"/>
+          </p:cNvSpPr>
+          <p:nvPr>
+            <p:ph idx="1"/>
+          </p:nvPr>
+        </p:nvSpPr>
+        <p:spPr/>
+        <p:txBody>
+          <a:bodyPr>
+            <a:normAutofit fontScale="92500"/>
+          </a:bodyPr>
+          <a:lstStyle/>
+          <a:p>
+            <a:r>
+              <a:rPr lang="da-DK" dirty="0"/>
+              <a:t>En transaktion inddeles i to faser: </a:t>
+            </a:r>
+            <a:r>
+              <a:rPr lang="da-DK" i="1" dirty="0"/>
+              <a:t>growing </a:t>
+            </a:r>
+            <a:r>
+              <a:rPr lang="da-DK" i="1" dirty="0" err="1"/>
+              <a:t>phase</a:t>
+            </a:r>
+            <a:r>
+              <a:rPr lang="da-DK" dirty="0"/>
+              <a:t> og </a:t>
+            </a:r>
+            <a:r>
+              <a:rPr lang="da-DK" i="1" dirty="0" err="1"/>
+              <a:t>shrinking</a:t>
+            </a:r>
+            <a:r>
+              <a:rPr lang="da-DK" i="1" dirty="0"/>
+              <a:t> </a:t>
+            </a:r>
+            <a:r>
+              <a:rPr lang="da-DK" i="1" dirty="0" err="1"/>
+              <a:t>phase</a:t>
+            </a:r>
+            <a:r>
+              <a:rPr lang="da-DK" dirty="0"/>
+              <a:t>.</a:t>
+            </a:r>
+          </a:p>
+          <a:p>
+            <a:r>
+              <a:rPr lang="da-DK" dirty="0"/>
+              <a:t>I </a:t>
+            </a:r>
+            <a:r>
+              <a:rPr lang="da-DK" i="1" dirty="0"/>
+              <a:t>growing </a:t>
+            </a:r>
+            <a:r>
+              <a:rPr lang="da-DK" i="1" dirty="0" err="1"/>
+              <a:t>phase</a:t>
+            </a:r>
+            <a:r>
+              <a:rPr lang="da-DK" dirty="0"/>
+              <a:t> tildeler DBMS låse til de data items, som operationerne foretages på. Det sker inden operationen </a:t>
+            </a:r>
+            <a:r>
+              <a:rPr lang="da-DK" dirty="0" smtClean="0"/>
+              <a:t>udføres</a:t>
+            </a:r>
+          </a:p>
+          <a:p>
+            <a:r>
+              <a:rPr lang="da-DK" dirty="0"/>
+              <a:t>Nøgler tildeles ikke nødvendigvis på én gang, men bliver tildelt efterhånden som operationerne kræver </a:t>
+            </a:r>
+            <a:r>
+              <a:rPr lang="da-DK" dirty="0" smtClean="0"/>
+              <a:t>det</a:t>
+            </a:r>
+          </a:p>
+          <a:p>
+            <a:r>
+              <a:rPr lang="da-DK" dirty="0"/>
+              <a:t>I denne fase frigives ingen tildelte låse, før alle nødvendige låse er tildelt.</a:t>
+            </a:r>
+          </a:p>
+          <a:p>
+            <a:r>
+              <a:rPr lang="da-DK" dirty="0"/>
+              <a:t>I </a:t>
+            </a:r>
+            <a:r>
+              <a:rPr lang="da-DK" i="1" dirty="0" err="1"/>
+              <a:t>shrinking</a:t>
+            </a:r>
+            <a:r>
+              <a:rPr lang="da-DK" i="1" dirty="0"/>
+              <a:t> </a:t>
+            </a:r>
+            <a:r>
+              <a:rPr lang="da-DK" i="1" dirty="0" err="1"/>
+              <a:t>phase</a:t>
+            </a:r>
+            <a:r>
+              <a:rPr lang="da-DK" i="1" dirty="0"/>
+              <a:t> </a:t>
+            </a:r>
+            <a:r>
+              <a:rPr lang="da-DK" dirty="0" smtClean="0"/>
+              <a:t>tildeler DBMS ikke længere nye låse, men afgiver </a:t>
+            </a:r>
+            <a:r>
+              <a:rPr lang="da-DK" dirty="0"/>
+              <a:t>alle låsene </a:t>
+            </a:r>
+            <a:r>
+              <a:rPr lang="da-DK" dirty="0" smtClean="0"/>
+              <a:t>igen efterhånden som transaktionen gennemføres.</a:t>
+            </a:r>
+          </a:p>
+          <a:p>
+            <a:r>
+              <a:rPr lang="da-DK" dirty="0" smtClean="0"/>
+              <a:t>I den restriktive to fase låse protokol afgives alle låsene på én gang, </a:t>
+            </a:r>
+            <a:r>
+              <a:rPr lang="da-DK" dirty="0"/>
+              <a:t>når sidste operation i </a:t>
+            </a:r>
+            <a:r>
+              <a:rPr lang="da-DK" dirty="0" smtClean="0"/>
+              <a:t>transaktionen er færdig og et </a:t>
+            </a:r>
+            <a:r>
               <a:rPr lang="da-DK" dirty="0" err="1" smtClean="0"/>
-              <a:t>Deadlocks</a:t>
-            </a:r>
-            <a:endParaRPr lang="da-DK" dirty="0"/>
-          </a:p>
-        </p:txBody>
-      </p:sp>
-      <p:sp>
-        <p:nvSpPr>
-          <p:cNvPr id="3" name="Pladsholder til indhold 2"/>
-          <p:cNvSpPr>
-            <a:spLocks noGrp="1"/>
-          </p:cNvSpPr>
-          <p:nvPr>
-            <p:ph idx="1"/>
-          </p:nvPr>
-        </p:nvSpPr>
-        <p:spPr/>
-        <p:txBody>
-          <a:bodyPr>
-            <a:normAutofit fontScale="77500" lnSpcReduction="20000"/>
-          </a:bodyPr>
-          <a:lstStyle/>
-          <a:p>
-            <a:r>
-              <a:rPr lang="da-DK" dirty="0" err="1" smtClean="0"/>
-              <a:t>Deadlocks</a:t>
-            </a:r>
-            <a:r>
-              <a:rPr lang="da-DK" dirty="0" smtClean="0"/>
-              <a:t> </a:t>
-            </a:r>
-            <a:r>
-              <a:rPr lang="da-DK" dirty="0" smtClean="0"/>
-              <a:t>er en tilstand, hvor to transaktioner får en cyklisk afhængighed af hinanden</a:t>
-            </a:r>
-          </a:p>
-          <a:p>
-            <a:r>
-              <a:rPr lang="da-DK" dirty="0" smtClean="0"/>
-              <a:t>Transaktion A har en operation, hvor den har fået tildelt en </a:t>
-            </a:r>
-            <a:r>
-              <a:rPr lang="da-DK" dirty="0" err="1" smtClean="0"/>
-              <a:t>shared</a:t>
-            </a:r>
-            <a:r>
-              <a:rPr lang="da-DK" dirty="0" smtClean="0"/>
-              <a:t> lås på dataitem 1</a:t>
-            </a:r>
-          </a:p>
-          <a:p>
-            <a:r>
-              <a:rPr lang="da-DK" dirty="0" smtClean="0"/>
-              <a:t>Transaktion B har en operation, hvor den har fået tildelt en </a:t>
-            </a:r>
-            <a:r>
-              <a:rPr lang="da-DK" dirty="0" err="1" smtClean="0"/>
-              <a:t>shared</a:t>
-            </a:r>
-            <a:r>
-              <a:rPr lang="da-DK" dirty="0" smtClean="0"/>
-              <a:t> lås på dataitem 2</a:t>
-            </a:r>
-          </a:p>
-          <a:p>
-            <a:r>
-              <a:rPr lang="da-DK" dirty="0" smtClean="0"/>
-              <a:t>Transaktion A anmoder nu om at få en </a:t>
-            </a:r>
-            <a:r>
-              <a:rPr lang="da-DK" dirty="0" err="1" smtClean="0"/>
-              <a:t>exclusive</a:t>
-            </a:r>
-            <a:r>
-              <a:rPr lang="da-DK" dirty="0" smtClean="0"/>
-              <a:t> lås på dataitem 2, som pt. er låst af Transaktion B. Transaktion A venter på at </a:t>
-            </a:r>
-            <a:r>
-              <a:rPr lang="da-DK" dirty="0" err="1" smtClean="0"/>
-              <a:t>shared</a:t>
-            </a:r>
-            <a:r>
-              <a:rPr lang="da-DK" dirty="0" smtClean="0"/>
-              <a:t> lås på dataitem 2 frigives</a:t>
-            </a:r>
-          </a:p>
-          <a:p>
-            <a:r>
-              <a:rPr lang="da-DK" dirty="0" smtClean="0"/>
-              <a:t>Transaktion B anmoder nu om at få en </a:t>
-            </a:r>
-            <a:r>
-              <a:rPr lang="da-DK" dirty="0" err="1" smtClean="0"/>
-              <a:t>exclusive</a:t>
-            </a:r>
-            <a:r>
-              <a:rPr lang="da-DK" dirty="0" smtClean="0"/>
-              <a:t> lås på dataitem 1, som pt. er låst af Transaktion A. Transaktion B venter på at låsen på dataitem 1 frigives</a:t>
-            </a:r>
-          </a:p>
-          <a:p>
-            <a:r>
-              <a:rPr lang="da-DK" dirty="0" smtClean="0"/>
-              <a:t>Ingen af transaktionerne kan komme videre, og der er opstået en </a:t>
-            </a:r>
-            <a:r>
-              <a:rPr lang="da-DK" dirty="0" err="1" smtClean="0"/>
-              <a:t>deadlock</a:t>
-            </a:r>
-            <a:endParaRPr lang="da-DK" dirty="0" smtClean="0"/>
-          </a:p>
-          <a:p>
-            <a:r>
-              <a:rPr lang="da-DK" dirty="0" smtClean="0"/>
-              <a:t>DBMS har typisk periodisk overvågning af cykliske afhængigheder. Finder den en, </a:t>
-            </a:r>
-            <a:r>
-              <a:rPr lang="da-DK" dirty="0" err="1" smtClean="0"/>
-              <a:t>termineres</a:t>
-            </a:r>
-            <a:r>
-              <a:rPr lang="da-DK" dirty="0" smtClean="0"/>
-              <a:t> én af transaktionerne, som må starte </a:t>
-            </a:r>
-            <a:r>
-              <a:rPr lang="da-DK" dirty="0" smtClean="0"/>
-              <a:t>forfra</a:t>
-            </a:r>
-          </a:p>
-          <a:p>
-            <a:r>
-              <a:rPr lang="da-DK" dirty="0" smtClean="0"/>
-              <a:t>Andre samtidigheds kontroller har ikke risiko for </a:t>
-            </a:r>
-            <a:r>
-              <a:rPr lang="da-DK" dirty="0" err="1" smtClean="0"/>
-              <a:t>deadlocks</a:t>
-            </a:r>
-            <a:endParaRPr lang="da-DK" dirty="0"/>
+              <a:t>commit</a:t>
+            </a:r>
+            <a:r>
+              <a:rPr lang="da-DK" dirty="0" smtClean="0"/>
+              <a:t> udføres</a:t>
+            </a:r>
           </a:p>
         </p:txBody>
       </p:sp>
     </p:spTree>
     <p:extLst>
       <p:ext uri="{BB962C8B-B14F-4D97-AF65-F5344CB8AC3E}">
-        <p14:creationId xmlns:p14="http://schemas.microsoft.com/office/powerpoint/2010/main" val="1434816220"/>
+        <p14:creationId xmlns:p14="http://schemas.microsoft.com/office/powerpoint/2010/main" val="3153907886"/>
       </p:ext>
     </p:extLst>
   </p:cSld>
